--- a/Lecture_10.pptx
+++ b/Lecture_10.pptx
@@ -5,7 +5,7 @@
     <p:sldMasterId id="2147483648" r:id="rId1"/>
   </p:sldMasterIdLst>
   <p:notesMasterIdLst>
-    <p:notesMasterId r:id="rId21"/>
+    <p:notesMasterId r:id="rId24"/>
   </p:notesMasterIdLst>
   <p:sldIdLst>
     <p:sldId id="256" r:id="rId2"/>
@@ -20,13 +20,16 @@
     <p:sldId id="276" r:id="rId11"/>
     <p:sldId id="264" r:id="rId12"/>
     <p:sldId id="269" r:id="rId13"/>
-    <p:sldId id="270" r:id="rId14"/>
-    <p:sldId id="266" r:id="rId15"/>
-    <p:sldId id="271" r:id="rId16"/>
-    <p:sldId id="267" r:id="rId17"/>
-    <p:sldId id="272" r:id="rId18"/>
-    <p:sldId id="273" r:id="rId19"/>
-    <p:sldId id="274" r:id="rId20"/>
+    <p:sldId id="277" r:id="rId14"/>
+    <p:sldId id="270" r:id="rId15"/>
+    <p:sldId id="278" r:id="rId16"/>
+    <p:sldId id="266" r:id="rId17"/>
+    <p:sldId id="271" r:id="rId18"/>
+    <p:sldId id="279" r:id="rId19"/>
+    <p:sldId id="267" r:id="rId20"/>
+    <p:sldId id="272" r:id="rId21"/>
+    <p:sldId id="273" r:id="rId22"/>
+    <p:sldId id="274" r:id="rId23"/>
   </p:sldIdLst>
   <p:sldSz cx="12192000" cy="6858000"/>
   <p:notesSz cx="6858000" cy="9144000"/>
@@ -215,7 +218,7 @@
           <a:p>
             <a:fld id="{76332172-4251-48CC-9DF6-F7DF3C7EEA46}" type="datetimeFigureOut">
               <a:rPr lang="en-CA" smtClean="0"/>
-              <a:t>2019-09-24</a:t>
+              <a:t>2019-09-25</a:t>
             </a:fld>
             <a:endParaRPr lang="en-CA"/>
           </a:p>
@@ -548,7 +551,7 @@
           <a:p>
             <a:fld id="{A497FDD6-7C89-46C5-854E-F40C3640BA69}" type="slidenum">
               <a:rPr lang="en-CA" smtClean="0"/>
-              <a:t>16</a:t>
+              <a:t>19</a:t>
             </a:fld>
             <a:endParaRPr lang="en-CA"/>
           </a:p>
@@ -698,7 +701,7 @@
           <a:p>
             <a:fld id="{12EEAE31-6759-44DA-A57D-5AD2759ED4D8}" type="datetimeFigureOut">
               <a:rPr lang="en-CA" smtClean="0"/>
-              <a:t>2019-09-24</a:t>
+              <a:t>2019-09-25</a:t>
             </a:fld>
             <a:endParaRPr lang="en-CA"/>
           </a:p>
@@ -868,7 +871,7 @@
           <a:p>
             <a:fld id="{12EEAE31-6759-44DA-A57D-5AD2759ED4D8}" type="datetimeFigureOut">
               <a:rPr lang="en-CA" smtClean="0"/>
-              <a:t>2019-09-24</a:t>
+              <a:t>2019-09-25</a:t>
             </a:fld>
             <a:endParaRPr lang="en-CA"/>
           </a:p>
@@ -1048,7 +1051,7 @@
           <a:p>
             <a:fld id="{12EEAE31-6759-44DA-A57D-5AD2759ED4D8}" type="datetimeFigureOut">
               <a:rPr lang="en-CA" smtClean="0"/>
-              <a:t>2019-09-24</a:t>
+              <a:t>2019-09-25</a:t>
             </a:fld>
             <a:endParaRPr lang="en-CA"/>
           </a:p>
@@ -1218,7 +1221,7 @@
           <a:p>
             <a:fld id="{12EEAE31-6759-44DA-A57D-5AD2759ED4D8}" type="datetimeFigureOut">
               <a:rPr lang="en-CA" smtClean="0"/>
-              <a:t>2019-09-24</a:t>
+              <a:t>2019-09-25</a:t>
             </a:fld>
             <a:endParaRPr lang="en-CA"/>
           </a:p>
@@ -1464,7 +1467,7 @@
           <a:p>
             <a:fld id="{12EEAE31-6759-44DA-A57D-5AD2759ED4D8}" type="datetimeFigureOut">
               <a:rPr lang="en-CA" smtClean="0"/>
-              <a:t>2019-09-24</a:t>
+              <a:t>2019-09-25</a:t>
             </a:fld>
             <a:endParaRPr lang="en-CA"/>
           </a:p>
@@ -1696,7 +1699,7 @@
           <a:p>
             <a:fld id="{12EEAE31-6759-44DA-A57D-5AD2759ED4D8}" type="datetimeFigureOut">
               <a:rPr lang="en-CA" smtClean="0"/>
-              <a:t>2019-09-24</a:t>
+              <a:t>2019-09-25</a:t>
             </a:fld>
             <a:endParaRPr lang="en-CA"/>
           </a:p>
@@ -2063,7 +2066,7 @@
           <a:p>
             <a:fld id="{12EEAE31-6759-44DA-A57D-5AD2759ED4D8}" type="datetimeFigureOut">
               <a:rPr lang="en-CA" smtClean="0"/>
-              <a:t>2019-09-24</a:t>
+              <a:t>2019-09-25</a:t>
             </a:fld>
             <a:endParaRPr lang="en-CA"/>
           </a:p>
@@ -2181,7 +2184,7 @@
           <a:p>
             <a:fld id="{12EEAE31-6759-44DA-A57D-5AD2759ED4D8}" type="datetimeFigureOut">
               <a:rPr lang="en-CA" smtClean="0"/>
-              <a:t>2019-09-24</a:t>
+              <a:t>2019-09-25</a:t>
             </a:fld>
             <a:endParaRPr lang="en-CA"/>
           </a:p>
@@ -2276,7 +2279,7 @@
           <a:p>
             <a:fld id="{12EEAE31-6759-44DA-A57D-5AD2759ED4D8}" type="datetimeFigureOut">
               <a:rPr lang="en-CA" smtClean="0"/>
-              <a:t>2019-09-24</a:t>
+              <a:t>2019-09-25</a:t>
             </a:fld>
             <a:endParaRPr lang="en-CA"/>
           </a:p>
@@ -2553,7 +2556,7 @@
           <a:p>
             <a:fld id="{12EEAE31-6759-44DA-A57D-5AD2759ED4D8}" type="datetimeFigureOut">
               <a:rPr lang="en-CA" smtClean="0"/>
-              <a:t>2019-09-24</a:t>
+              <a:t>2019-09-25</a:t>
             </a:fld>
             <a:endParaRPr lang="en-CA"/>
           </a:p>
@@ -2806,7 +2809,7 @@
           <a:p>
             <a:fld id="{12EEAE31-6759-44DA-A57D-5AD2759ED4D8}" type="datetimeFigureOut">
               <a:rPr lang="en-CA" smtClean="0"/>
-              <a:t>2019-09-24</a:t>
+              <a:t>2019-09-25</a:t>
             </a:fld>
             <a:endParaRPr lang="en-CA"/>
           </a:p>
@@ -3019,7 +3022,7 @@
           <a:p>
             <a:fld id="{12EEAE31-6759-44DA-A57D-5AD2759ED4D8}" type="datetimeFigureOut">
               <a:rPr lang="en-CA" smtClean="0"/>
-              <a:t>2019-09-24</a:t>
+              <a:t>2019-09-25</a:t>
             </a:fld>
             <a:endParaRPr lang="en-CA"/>
           </a:p>
@@ -3645,7 +3648,12 @@
             <p:ph type="title"/>
           </p:nvPr>
         </p:nvSpPr>
-        <p:spPr/>
+        <p:spPr>
+          <a:xfrm>
+            <a:off x="0" y="0"/>
+            <a:ext cx="10515600" cy="845412"/>
+          </a:xfrm>
+        </p:spPr>
         <p:txBody>
           <a:bodyPr/>
           <a:lstStyle/>
@@ -3658,8 +3666,49 @@
           </a:p>
         </p:txBody>
       </p:sp>
-      <mc:AlternateContent xmlns:mc="http://schemas.openxmlformats.org/markup-compatibility/2006" xmlns:a14="http://schemas.microsoft.com/office/drawing/2010/main">
-        <mc:Choice Requires="a14">
+      <p:pic>
+        <p:nvPicPr>
+          <p:cNvPr id="1026" name="Picture 2" descr="Image result for k means clustering"/>
+          <p:cNvPicPr>
+            <a:picLocks noChangeAspect="1" noChangeArrowheads="1"/>
+          </p:cNvPicPr>
+          <p:nvPr/>
+        </p:nvPicPr>
+        <p:blipFill>
+          <a:blip r:embed="rId2">
+            <a:extLst>
+              <a:ext uri="{28A0092B-C50C-407E-A947-70E740481C1C}">
+                <a14:useLocalDpi xmlns:a14="http://schemas.microsoft.com/office/drawing/2010/main" val="0"/>
+              </a:ext>
+            </a:extLst>
+          </a:blip>
+          <a:srcRect/>
+          <a:stretch>
+            <a:fillRect/>
+          </a:stretch>
+        </p:blipFill>
+        <p:spPr bwMode="auto">
+          <a:xfrm>
+            <a:off x="2155368" y="712905"/>
+            <a:ext cx="7498083" cy="3172801"/>
+          </a:xfrm>
+          <a:prstGeom prst="rect">
+            <a:avLst/>
+          </a:prstGeom>
+          <a:noFill/>
+          <a:extLst>
+            <a:ext uri="{909E8E84-426E-40DD-AFC4-6F175D3DCCD1}">
+              <a14:hiddenFill xmlns:a14="http://schemas.microsoft.com/office/drawing/2010/main">
+                <a:solidFill>
+                  <a:srgbClr val="FFFFFF"/>
+                </a:solidFill>
+              </a14:hiddenFill>
+            </a:ext>
+          </a:extLst>
+        </p:spPr>
+      </p:pic>
+      <mc:AlternateContent xmlns:mc="http://schemas.openxmlformats.org/markup-compatibility/2006">
+        <mc:Choice xmlns:a14="http://schemas.microsoft.com/office/drawing/2010/main" Requires="a14">
           <p:sp>
             <p:nvSpPr>
               <p:cNvPr id="3" name="Content Placeholder 2"/>
@@ -3672,8 +3721,8 @@
             </p:nvSpPr>
             <p:spPr>
               <a:xfrm>
-                <a:off x="838200" y="1825625"/>
-                <a:ext cx="6130636" cy="4351338"/>
+                <a:off x="758732" y="3753198"/>
+                <a:ext cx="10761617" cy="2916192"/>
               </a:xfrm>
             </p:spPr>
             <p:txBody>
@@ -3841,7 +3890,7 @@
                       <a:rPr lang="en-CA" b="0" i="0" smtClean="0">
                         <a:latin typeface="Cambria Math" panose="02040503050406030204" pitchFamily="18" charset="0"/>
                       </a:rPr>
-                      <m:t>argmin</m:t>
+                      <m:t>min</m:t>
                     </m:r>
                     <m:r>
                       <a:rPr lang="en-CA" b="0" i="0" smtClean="0">
@@ -4003,7 +4052,7 @@
             </p:txBody>
           </p:sp>
         </mc:Choice>
-        <mc:Fallback xmlns="">
+        <mc:Fallback>
           <p:sp>
             <p:nvSpPr>
               <p:cNvPr id="3" name="Content Placeholder 2"/>
@@ -4016,13 +4065,13 @@
             </p:nvSpPr>
             <p:spPr>
               <a:xfrm>
-                <a:off x="838200" y="1825625"/>
-                <a:ext cx="6130636" cy="4351338"/>
+                <a:off x="758732" y="3753198"/>
+                <a:ext cx="10761617" cy="2916192"/>
               </a:xfrm>
               <a:blipFill>
-                <a:blip r:embed="rId2"/>
+                <a:blip r:embed="rId3"/>
                 <a:stretch>
-                  <a:fillRect l="-1791" t="-2241" r="-3383"/>
+                  <a:fillRect l="-1019" t="-3556"/>
                 </a:stretch>
               </a:blipFill>
             </p:spPr>
@@ -4041,87 +4090,6 @@
           </p:sp>
         </mc:Fallback>
       </mc:AlternateContent>
-      <p:pic>
-        <p:nvPicPr>
-          <p:cNvPr id="4" name="Picture 3"/>
-          <p:cNvPicPr>
-            <a:picLocks noChangeAspect="1"/>
-          </p:cNvPicPr>
-          <p:nvPr/>
-        </p:nvPicPr>
-        <p:blipFill>
-          <a:blip r:embed="rId3"/>
-          <a:stretch>
-            <a:fillRect/>
-          </a:stretch>
-        </p:blipFill>
-        <p:spPr>
-          <a:xfrm>
-            <a:off x="6968836" y="2944722"/>
-            <a:ext cx="4572638" cy="3810532"/>
-          </a:xfrm>
-          <a:prstGeom prst="rect">
-            <a:avLst/>
-          </a:prstGeom>
-        </p:spPr>
-      </p:pic>
-      <p:pic>
-        <p:nvPicPr>
-          <p:cNvPr id="5" name="Picture 4"/>
-          <p:cNvPicPr>
-            <a:picLocks noChangeAspect="1"/>
-          </p:cNvPicPr>
-          <p:nvPr/>
-        </p:nvPicPr>
-        <p:blipFill>
-          <a:blip r:embed="rId4"/>
-          <a:stretch>
-            <a:fillRect/>
-          </a:stretch>
-        </p:blipFill>
-        <p:spPr>
-          <a:xfrm>
-            <a:off x="7750877" y="162681"/>
-            <a:ext cx="3008555" cy="2593582"/>
-          </a:xfrm>
-          <a:prstGeom prst="rect">
-            <a:avLst/>
-          </a:prstGeom>
-        </p:spPr>
-      </p:pic>
-      <p:cxnSp>
-        <p:nvCxnSpPr>
-          <p:cNvPr id="7" name="Straight Arrow Connector 6"/>
-          <p:cNvCxnSpPr/>
-          <p:nvPr/>
-        </p:nvCxnSpPr>
-        <p:spPr>
-          <a:xfrm flipH="1">
-            <a:off x="10384971" y="2076994"/>
-            <a:ext cx="13063" cy="867728"/>
-          </a:xfrm>
-          <a:prstGeom prst="straightConnector1">
-            <a:avLst/>
-          </a:prstGeom>
-          <a:ln w="57150">
-            <a:tailEnd type="triangle"/>
-          </a:ln>
-        </p:spPr>
-        <p:style>
-          <a:lnRef idx="1">
-            <a:schemeClr val="accent1"/>
-          </a:lnRef>
-          <a:fillRef idx="0">
-            <a:schemeClr val="accent1"/>
-          </a:fillRef>
-          <a:effectRef idx="0">
-            <a:schemeClr val="accent1"/>
-          </a:effectRef>
-          <a:fontRef idx="minor">
-            <a:schemeClr val="tx1"/>
-          </a:fontRef>
-        </p:style>
-      </p:cxnSp>
     </p:spTree>
     <p:extLst>
       <p:ext uri="{BB962C8B-B14F-4D97-AF65-F5344CB8AC3E}">
@@ -4135,9 +4103,227 @@
   <p:timing>
     <p:tnLst>
       <p:par>
-        <p:cTn id="1" dur="indefinite" restart="never" nodeType="tmRoot"/>
+        <p:cTn id="1" dur="indefinite" restart="never" nodeType="tmRoot">
+          <p:childTnLst>
+            <p:seq concurrent="1" nextAc="seek">
+              <p:cTn id="2" dur="indefinite" nodeType="mainSeq">
+                <p:childTnLst>
+                  <p:par>
+                    <p:cTn id="3" fill="hold">
+                      <p:stCondLst>
+                        <p:cond delay="indefinite"/>
+                      </p:stCondLst>
+                      <p:childTnLst>
+                        <p:par>
+                          <p:cTn id="4" fill="hold">
+                            <p:stCondLst>
+                              <p:cond delay="0"/>
+                            </p:stCondLst>
+                            <p:childTnLst>
+                              <p:par>
+                                <p:cTn id="5" presetID="1" presetClass="entr" presetSubtype="0" fill="hold" nodeType="clickEffect">
+                                  <p:stCondLst>
+                                    <p:cond delay="0"/>
+                                  </p:stCondLst>
+                                  <p:childTnLst>
+                                    <p:set>
+                                      <p:cBhvr>
+                                        <p:cTn id="6" dur="1" fill="hold">
+                                          <p:stCondLst>
+                                            <p:cond delay="0"/>
+                                          </p:stCondLst>
+                                        </p:cTn>
+                                        <p:tgtEl>
+                                          <p:spTgt spid="1026"/>
+                                        </p:tgtEl>
+                                        <p:attrNameLst>
+                                          <p:attrName>style.visibility</p:attrName>
+                                        </p:attrNameLst>
+                                      </p:cBhvr>
+                                      <p:to>
+                                        <p:strVal val="visible"/>
+                                      </p:to>
+                                    </p:set>
+                                  </p:childTnLst>
+                                </p:cTn>
+                              </p:par>
+                            </p:childTnLst>
+                          </p:cTn>
+                        </p:par>
+                      </p:childTnLst>
+                    </p:cTn>
+                  </p:par>
+                  <p:par>
+                    <p:cTn id="7" fill="hold">
+                      <p:stCondLst>
+                        <p:cond delay="indefinite"/>
+                      </p:stCondLst>
+                      <p:childTnLst>
+                        <p:par>
+                          <p:cTn id="8" fill="hold">
+                            <p:stCondLst>
+                              <p:cond delay="0"/>
+                            </p:stCondLst>
+                            <p:childTnLst>
+                              <p:par>
+                                <p:cTn id="9" presetID="1" presetClass="entr" presetSubtype="0" fill="hold" grpId="0" nodeType="clickEffect">
+                                  <p:stCondLst>
+                                    <p:cond delay="0"/>
+                                  </p:stCondLst>
+                                  <p:childTnLst>
+                                    <p:set>
+                                      <p:cBhvr>
+                                        <p:cTn id="10" dur="1" fill="hold">
+                                          <p:stCondLst>
+                                            <p:cond delay="0"/>
+                                          </p:stCondLst>
+                                        </p:cTn>
+                                        <p:tgtEl>
+                                          <p:spTgt spid="3">
+                                            <p:txEl>
+                                              <p:pRg st="0" end="0"/>
+                                            </p:txEl>
+                                          </p:spTgt>
+                                        </p:tgtEl>
+                                        <p:attrNameLst>
+                                          <p:attrName>style.visibility</p:attrName>
+                                        </p:attrNameLst>
+                                      </p:cBhvr>
+                                      <p:to>
+                                        <p:strVal val="visible"/>
+                                      </p:to>
+                                    </p:set>
+                                  </p:childTnLst>
+                                </p:cTn>
+                              </p:par>
+                            </p:childTnLst>
+                          </p:cTn>
+                        </p:par>
+                      </p:childTnLst>
+                    </p:cTn>
+                  </p:par>
+                  <p:par>
+                    <p:cTn id="11" fill="hold">
+                      <p:stCondLst>
+                        <p:cond delay="indefinite"/>
+                      </p:stCondLst>
+                      <p:childTnLst>
+                        <p:par>
+                          <p:cTn id="12" fill="hold">
+                            <p:stCondLst>
+                              <p:cond delay="0"/>
+                            </p:stCondLst>
+                            <p:childTnLst>
+                              <p:par>
+                                <p:cTn id="13" presetID="1" presetClass="entr" presetSubtype="0" fill="hold" grpId="0" nodeType="clickEffect">
+                                  <p:stCondLst>
+                                    <p:cond delay="0"/>
+                                  </p:stCondLst>
+                                  <p:childTnLst>
+                                    <p:set>
+                                      <p:cBhvr>
+                                        <p:cTn id="14" dur="1" fill="hold">
+                                          <p:stCondLst>
+                                            <p:cond delay="0"/>
+                                          </p:stCondLst>
+                                        </p:cTn>
+                                        <p:tgtEl>
+                                          <p:spTgt spid="3">
+                                            <p:txEl>
+                                              <p:pRg st="1" end="1"/>
+                                            </p:txEl>
+                                          </p:spTgt>
+                                        </p:tgtEl>
+                                        <p:attrNameLst>
+                                          <p:attrName>style.visibility</p:attrName>
+                                        </p:attrNameLst>
+                                      </p:cBhvr>
+                                      <p:to>
+                                        <p:strVal val="visible"/>
+                                      </p:to>
+                                    </p:set>
+                                  </p:childTnLst>
+                                </p:cTn>
+                              </p:par>
+                            </p:childTnLst>
+                          </p:cTn>
+                        </p:par>
+                      </p:childTnLst>
+                    </p:cTn>
+                  </p:par>
+                  <p:par>
+                    <p:cTn id="15" fill="hold">
+                      <p:stCondLst>
+                        <p:cond delay="indefinite"/>
+                      </p:stCondLst>
+                      <p:childTnLst>
+                        <p:par>
+                          <p:cTn id="16" fill="hold">
+                            <p:stCondLst>
+                              <p:cond delay="0"/>
+                            </p:stCondLst>
+                            <p:childTnLst>
+                              <p:par>
+                                <p:cTn id="17" presetID="1" presetClass="entr" presetSubtype="0" fill="hold" grpId="0" nodeType="clickEffect">
+                                  <p:stCondLst>
+                                    <p:cond delay="0"/>
+                                  </p:stCondLst>
+                                  <p:childTnLst>
+                                    <p:set>
+                                      <p:cBhvr>
+                                        <p:cTn id="18" dur="1" fill="hold">
+                                          <p:stCondLst>
+                                            <p:cond delay="0"/>
+                                          </p:stCondLst>
+                                        </p:cTn>
+                                        <p:tgtEl>
+                                          <p:spTgt spid="3">
+                                            <p:txEl>
+                                              <p:pRg st="2" end="2"/>
+                                            </p:txEl>
+                                          </p:spTgt>
+                                        </p:tgtEl>
+                                        <p:attrNameLst>
+                                          <p:attrName>style.visibility</p:attrName>
+                                        </p:attrNameLst>
+                                      </p:cBhvr>
+                                      <p:to>
+                                        <p:strVal val="visible"/>
+                                      </p:to>
+                                    </p:set>
+                                  </p:childTnLst>
+                                </p:cTn>
+                              </p:par>
+                            </p:childTnLst>
+                          </p:cTn>
+                        </p:par>
+                      </p:childTnLst>
+                    </p:cTn>
+                  </p:par>
+                </p:childTnLst>
+              </p:cTn>
+              <p:prevCondLst>
+                <p:cond evt="onPrev" delay="0">
+                  <p:tgtEl>
+                    <p:sldTgt/>
+                  </p:tgtEl>
+                </p:cond>
+              </p:prevCondLst>
+              <p:nextCondLst>
+                <p:cond evt="onNext" delay="0">
+                  <p:tgtEl>
+                    <p:sldTgt/>
+                  </p:tgtEl>
+                </p:cond>
+              </p:nextCondLst>
+            </p:seq>
+          </p:childTnLst>
+        </p:cTn>
       </p:par>
     </p:tnLst>
+    <p:bldLst>
+      <p:bldP spid="3" grpId="0" uiExpand="1" build="p"/>
+    </p:bldLst>
   </p:timing>
 </p:sld>
 </file>
@@ -4169,7 +4355,12 @@
             <p:ph type="title"/>
           </p:nvPr>
         </p:nvSpPr>
-        <p:spPr/>
+        <p:spPr>
+          <a:xfrm>
+            <a:off x="0" y="0"/>
+            <a:ext cx="10515600" cy="849721"/>
+          </a:xfrm>
+        </p:spPr>
         <p:txBody>
           <a:bodyPr/>
           <a:lstStyle/>
@@ -4194,7 +4385,7 @@
         </p:nvSpPr>
         <p:spPr>
           <a:xfrm>
-            <a:off x="0" y="1825625"/>
+            <a:off x="0" y="1506130"/>
             <a:ext cx="12095018" cy="4351338"/>
           </a:xfrm>
         </p:spPr>
@@ -4276,14 +4467,729 @@
   <p:timing>
     <p:tnLst>
       <p:par>
-        <p:cTn id="1" dur="indefinite" restart="never" nodeType="tmRoot"/>
+        <p:cTn id="1" dur="indefinite" restart="never" nodeType="tmRoot">
+          <p:childTnLst>
+            <p:seq concurrent="1" nextAc="seek">
+              <p:cTn id="2" dur="indefinite" nodeType="mainSeq">
+                <p:childTnLst>
+                  <p:par>
+                    <p:cTn id="3" fill="hold">
+                      <p:stCondLst>
+                        <p:cond delay="indefinite"/>
+                      </p:stCondLst>
+                      <p:childTnLst>
+                        <p:par>
+                          <p:cTn id="4" fill="hold">
+                            <p:stCondLst>
+                              <p:cond delay="0"/>
+                            </p:stCondLst>
+                            <p:childTnLst>
+                              <p:par>
+                                <p:cTn id="5" presetID="1" presetClass="entr" presetSubtype="0" fill="hold" grpId="0" nodeType="clickEffect">
+                                  <p:stCondLst>
+                                    <p:cond delay="0"/>
+                                  </p:stCondLst>
+                                  <p:childTnLst>
+                                    <p:set>
+                                      <p:cBhvr>
+                                        <p:cTn id="6" dur="1" fill="hold">
+                                          <p:stCondLst>
+                                            <p:cond delay="0"/>
+                                          </p:stCondLst>
+                                        </p:cTn>
+                                        <p:tgtEl>
+                                          <p:spTgt spid="3">
+                                            <p:txEl>
+                                              <p:pRg st="0" end="0"/>
+                                            </p:txEl>
+                                          </p:spTgt>
+                                        </p:tgtEl>
+                                        <p:attrNameLst>
+                                          <p:attrName>style.visibility</p:attrName>
+                                        </p:attrNameLst>
+                                      </p:cBhvr>
+                                      <p:to>
+                                        <p:strVal val="visible"/>
+                                      </p:to>
+                                    </p:set>
+                                  </p:childTnLst>
+                                </p:cTn>
+                              </p:par>
+                            </p:childTnLst>
+                          </p:cTn>
+                        </p:par>
+                      </p:childTnLst>
+                    </p:cTn>
+                  </p:par>
+                  <p:par>
+                    <p:cTn id="7" fill="hold">
+                      <p:stCondLst>
+                        <p:cond delay="indefinite"/>
+                      </p:stCondLst>
+                      <p:childTnLst>
+                        <p:par>
+                          <p:cTn id="8" fill="hold">
+                            <p:stCondLst>
+                              <p:cond delay="0"/>
+                            </p:stCondLst>
+                            <p:childTnLst>
+                              <p:par>
+                                <p:cTn id="9" presetID="1" presetClass="entr" presetSubtype="0" fill="hold" grpId="0" nodeType="clickEffect">
+                                  <p:stCondLst>
+                                    <p:cond delay="0"/>
+                                  </p:stCondLst>
+                                  <p:childTnLst>
+                                    <p:set>
+                                      <p:cBhvr>
+                                        <p:cTn id="10" dur="1" fill="hold">
+                                          <p:stCondLst>
+                                            <p:cond delay="0"/>
+                                          </p:stCondLst>
+                                        </p:cTn>
+                                        <p:tgtEl>
+                                          <p:spTgt spid="3">
+                                            <p:txEl>
+                                              <p:pRg st="1" end="1"/>
+                                            </p:txEl>
+                                          </p:spTgt>
+                                        </p:tgtEl>
+                                        <p:attrNameLst>
+                                          <p:attrName>style.visibility</p:attrName>
+                                        </p:attrNameLst>
+                                      </p:cBhvr>
+                                      <p:to>
+                                        <p:strVal val="visible"/>
+                                      </p:to>
+                                    </p:set>
+                                  </p:childTnLst>
+                                </p:cTn>
+                              </p:par>
+                            </p:childTnLst>
+                          </p:cTn>
+                        </p:par>
+                      </p:childTnLst>
+                    </p:cTn>
+                  </p:par>
+                  <p:par>
+                    <p:cTn id="11" fill="hold">
+                      <p:stCondLst>
+                        <p:cond delay="indefinite"/>
+                      </p:stCondLst>
+                      <p:childTnLst>
+                        <p:par>
+                          <p:cTn id="12" fill="hold">
+                            <p:stCondLst>
+                              <p:cond delay="0"/>
+                            </p:stCondLst>
+                            <p:childTnLst>
+                              <p:par>
+                                <p:cTn id="13" presetID="1" presetClass="entr" presetSubtype="0" fill="hold" grpId="0" nodeType="clickEffect">
+                                  <p:stCondLst>
+                                    <p:cond delay="0"/>
+                                  </p:stCondLst>
+                                  <p:childTnLst>
+                                    <p:set>
+                                      <p:cBhvr>
+                                        <p:cTn id="14" dur="1" fill="hold">
+                                          <p:stCondLst>
+                                            <p:cond delay="0"/>
+                                          </p:stCondLst>
+                                        </p:cTn>
+                                        <p:tgtEl>
+                                          <p:spTgt spid="3">
+                                            <p:txEl>
+                                              <p:pRg st="2" end="2"/>
+                                            </p:txEl>
+                                          </p:spTgt>
+                                        </p:tgtEl>
+                                        <p:attrNameLst>
+                                          <p:attrName>style.visibility</p:attrName>
+                                        </p:attrNameLst>
+                                      </p:cBhvr>
+                                      <p:to>
+                                        <p:strVal val="visible"/>
+                                      </p:to>
+                                    </p:set>
+                                  </p:childTnLst>
+                                </p:cTn>
+                              </p:par>
+                            </p:childTnLst>
+                          </p:cTn>
+                        </p:par>
+                      </p:childTnLst>
+                    </p:cTn>
+                  </p:par>
+                  <p:par>
+                    <p:cTn id="15" fill="hold">
+                      <p:stCondLst>
+                        <p:cond delay="indefinite"/>
+                      </p:stCondLst>
+                      <p:childTnLst>
+                        <p:par>
+                          <p:cTn id="16" fill="hold">
+                            <p:stCondLst>
+                              <p:cond delay="0"/>
+                            </p:stCondLst>
+                            <p:childTnLst>
+                              <p:par>
+                                <p:cTn id="17" presetID="1" presetClass="entr" presetSubtype="0" fill="hold" grpId="0" nodeType="clickEffect">
+                                  <p:stCondLst>
+                                    <p:cond delay="0"/>
+                                  </p:stCondLst>
+                                  <p:childTnLst>
+                                    <p:set>
+                                      <p:cBhvr>
+                                        <p:cTn id="18" dur="1" fill="hold">
+                                          <p:stCondLst>
+                                            <p:cond delay="0"/>
+                                          </p:stCondLst>
+                                        </p:cTn>
+                                        <p:tgtEl>
+                                          <p:spTgt spid="3">
+                                            <p:txEl>
+                                              <p:pRg st="3" end="3"/>
+                                            </p:txEl>
+                                          </p:spTgt>
+                                        </p:tgtEl>
+                                        <p:attrNameLst>
+                                          <p:attrName>style.visibility</p:attrName>
+                                        </p:attrNameLst>
+                                      </p:cBhvr>
+                                      <p:to>
+                                        <p:strVal val="visible"/>
+                                      </p:to>
+                                    </p:set>
+                                  </p:childTnLst>
+                                </p:cTn>
+                              </p:par>
+                            </p:childTnLst>
+                          </p:cTn>
+                        </p:par>
+                      </p:childTnLst>
+                    </p:cTn>
+                  </p:par>
+                  <p:par>
+                    <p:cTn id="19" fill="hold">
+                      <p:stCondLst>
+                        <p:cond delay="indefinite"/>
+                      </p:stCondLst>
+                      <p:childTnLst>
+                        <p:par>
+                          <p:cTn id="20" fill="hold">
+                            <p:stCondLst>
+                              <p:cond delay="0"/>
+                            </p:stCondLst>
+                            <p:childTnLst>
+                              <p:par>
+                                <p:cTn id="21" presetID="1" presetClass="entr" presetSubtype="0" fill="hold" grpId="0" nodeType="clickEffect">
+                                  <p:stCondLst>
+                                    <p:cond delay="0"/>
+                                  </p:stCondLst>
+                                  <p:childTnLst>
+                                    <p:set>
+                                      <p:cBhvr>
+                                        <p:cTn id="22" dur="1" fill="hold">
+                                          <p:stCondLst>
+                                            <p:cond delay="0"/>
+                                          </p:stCondLst>
+                                        </p:cTn>
+                                        <p:tgtEl>
+                                          <p:spTgt spid="3">
+                                            <p:txEl>
+                                              <p:pRg st="4" end="4"/>
+                                            </p:txEl>
+                                          </p:spTgt>
+                                        </p:tgtEl>
+                                        <p:attrNameLst>
+                                          <p:attrName>style.visibility</p:attrName>
+                                        </p:attrNameLst>
+                                      </p:cBhvr>
+                                      <p:to>
+                                        <p:strVal val="visible"/>
+                                      </p:to>
+                                    </p:set>
+                                  </p:childTnLst>
+                                </p:cTn>
+                              </p:par>
+                            </p:childTnLst>
+                          </p:cTn>
+                        </p:par>
+                      </p:childTnLst>
+                    </p:cTn>
+                  </p:par>
+                  <p:par>
+                    <p:cTn id="23" fill="hold">
+                      <p:stCondLst>
+                        <p:cond delay="indefinite"/>
+                      </p:stCondLst>
+                      <p:childTnLst>
+                        <p:par>
+                          <p:cTn id="24" fill="hold">
+                            <p:stCondLst>
+                              <p:cond delay="0"/>
+                            </p:stCondLst>
+                            <p:childTnLst>
+                              <p:par>
+                                <p:cTn id="25" presetID="1" presetClass="entr" presetSubtype="0" fill="hold" grpId="0" nodeType="clickEffect">
+                                  <p:stCondLst>
+                                    <p:cond delay="0"/>
+                                  </p:stCondLst>
+                                  <p:childTnLst>
+                                    <p:set>
+                                      <p:cBhvr>
+                                        <p:cTn id="26" dur="1" fill="hold">
+                                          <p:stCondLst>
+                                            <p:cond delay="0"/>
+                                          </p:stCondLst>
+                                        </p:cTn>
+                                        <p:tgtEl>
+                                          <p:spTgt spid="3">
+                                            <p:txEl>
+                                              <p:pRg st="5" end="5"/>
+                                            </p:txEl>
+                                          </p:spTgt>
+                                        </p:tgtEl>
+                                        <p:attrNameLst>
+                                          <p:attrName>style.visibility</p:attrName>
+                                        </p:attrNameLst>
+                                      </p:cBhvr>
+                                      <p:to>
+                                        <p:strVal val="visible"/>
+                                      </p:to>
+                                    </p:set>
+                                  </p:childTnLst>
+                                </p:cTn>
+                              </p:par>
+                              <p:par>
+                                <p:cTn id="27" presetID="1" presetClass="entr" presetSubtype="0" fill="hold" grpId="0" nodeType="withEffect">
+                                  <p:stCondLst>
+                                    <p:cond delay="0"/>
+                                  </p:stCondLst>
+                                  <p:childTnLst>
+                                    <p:set>
+                                      <p:cBhvr>
+                                        <p:cTn id="28" dur="1" fill="hold">
+                                          <p:stCondLst>
+                                            <p:cond delay="0"/>
+                                          </p:stCondLst>
+                                        </p:cTn>
+                                        <p:tgtEl>
+                                          <p:spTgt spid="3">
+                                            <p:txEl>
+                                              <p:pRg st="6" end="6"/>
+                                            </p:txEl>
+                                          </p:spTgt>
+                                        </p:tgtEl>
+                                        <p:attrNameLst>
+                                          <p:attrName>style.visibility</p:attrName>
+                                        </p:attrNameLst>
+                                      </p:cBhvr>
+                                      <p:to>
+                                        <p:strVal val="visible"/>
+                                      </p:to>
+                                    </p:set>
+                                  </p:childTnLst>
+                                </p:cTn>
+                              </p:par>
+                            </p:childTnLst>
+                          </p:cTn>
+                        </p:par>
+                      </p:childTnLst>
+                    </p:cTn>
+                  </p:par>
+                </p:childTnLst>
+              </p:cTn>
+              <p:prevCondLst>
+                <p:cond evt="onPrev" delay="0">
+                  <p:tgtEl>
+                    <p:sldTgt/>
+                  </p:tgtEl>
+                </p:cond>
+              </p:prevCondLst>
+              <p:nextCondLst>
+                <p:cond evt="onNext" delay="0">
+                  <p:tgtEl>
+                    <p:sldTgt/>
+                  </p:tgtEl>
+                </p:cond>
+              </p:nextCondLst>
+            </p:seq>
+          </p:childTnLst>
+        </p:cTn>
+      </p:par>
+    </p:tnLst>
+    <p:bldLst>
+      <p:bldP spid="3" grpId="0" build="p"/>
+    </p:bldLst>
+  </p:timing>
+</p:sld>
+</file>
+
+<file path=ppt/slides/slide13.xml><?xml version="1.0" encoding="utf-8"?>
+<p:sld xmlns:a="http://schemas.openxmlformats.org/drawingml/2006/main" xmlns:r="http://schemas.openxmlformats.org/officeDocument/2006/relationships" xmlns:p="http://schemas.openxmlformats.org/presentationml/2006/main">
+  <p:cSld>
+    <p:spTree>
+      <p:nvGrpSpPr>
+        <p:cNvPr id="1" name=""/>
+        <p:cNvGrpSpPr/>
+        <p:nvPr/>
+      </p:nvGrpSpPr>
+      <p:grpSpPr>
+        <a:xfrm>
+          <a:off x="0" y="0"/>
+          <a:ext cx="0" cy="0"/>
+          <a:chOff x="0" y="0"/>
+          <a:chExt cx="0" cy="0"/>
+        </a:xfrm>
+      </p:grpSpPr>
+      <p:sp>
+        <p:nvSpPr>
+          <p:cNvPr id="2" name="Title 1"/>
+          <p:cNvSpPr>
+            <a:spLocks noGrp="1"/>
+          </p:cNvSpPr>
+          <p:nvPr>
+            <p:ph type="title"/>
+          </p:nvPr>
+        </p:nvSpPr>
+        <p:spPr>
+          <a:xfrm>
+            <a:off x="0" y="0"/>
+            <a:ext cx="10515600" cy="701675"/>
+          </a:xfrm>
+        </p:spPr>
+        <p:txBody>
+          <a:bodyPr/>
+          <a:lstStyle/>
+          <a:p>
+            <a:r>
+              <a:rPr lang="en-CA" dirty="0" smtClean="0"/>
+              <a:t>K-means</a:t>
+            </a:r>
+            <a:endParaRPr lang="en-CA" dirty="0"/>
+          </a:p>
+        </p:txBody>
+      </p:sp>
+      <p:pic>
+        <p:nvPicPr>
+          <p:cNvPr id="4" name="Picture 3"/>
+          <p:cNvPicPr>
+            <a:picLocks noChangeAspect="1"/>
+          </p:cNvPicPr>
+          <p:nvPr/>
+        </p:nvPicPr>
+        <p:blipFill>
+          <a:blip r:embed="rId2"/>
+          <a:stretch>
+            <a:fillRect/>
+          </a:stretch>
+        </p:blipFill>
+        <p:spPr>
+          <a:xfrm>
+            <a:off x="152400" y="719738"/>
+            <a:ext cx="2464251" cy="5800005"/>
+          </a:xfrm>
+          <a:prstGeom prst="rect">
+            <a:avLst/>
+          </a:prstGeom>
+        </p:spPr>
+      </p:pic>
+      <p:pic>
+        <p:nvPicPr>
+          <p:cNvPr id="5" name="Picture 4"/>
+          <p:cNvPicPr>
+            <a:picLocks noChangeAspect="1"/>
+          </p:cNvPicPr>
+          <p:nvPr/>
+        </p:nvPicPr>
+        <p:blipFill>
+          <a:blip r:embed="rId3"/>
+          <a:stretch>
+            <a:fillRect/>
+          </a:stretch>
+        </p:blipFill>
+        <p:spPr>
+          <a:xfrm>
+            <a:off x="3146779" y="729757"/>
+            <a:ext cx="2501815" cy="5784977"/>
+          </a:xfrm>
+          <a:prstGeom prst="rect">
+            <a:avLst/>
+          </a:prstGeom>
+        </p:spPr>
+      </p:pic>
+      <p:pic>
+        <p:nvPicPr>
+          <p:cNvPr id="6" name="Picture 5"/>
+          <p:cNvPicPr>
+            <a:picLocks noChangeAspect="1"/>
+          </p:cNvPicPr>
+          <p:nvPr/>
+        </p:nvPicPr>
+        <p:blipFill>
+          <a:blip r:embed="rId4"/>
+          <a:stretch>
+            <a:fillRect/>
+          </a:stretch>
+        </p:blipFill>
+        <p:spPr>
+          <a:xfrm>
+            <a:off x="6321072" y="720725"/>
+            <a:ext cx="2426686" cy="5769951"/>
+          </a:xfrm>
+          <a:prstGeom prst="rect">
+            <a:avLst/>
+          </a:prstGeom>
+        </p:spPr>
+      </p:pic>
+      <p:pic>
+        <p:nvPicPr>
+          <p:cNvPr id="7" name="Picture 6"/>
+          <p:cNvPicPr>
+            <a:picLocks noChangeAspect="1"/>
+          </p:cNvPicPr>
+          <p:nvPr/>
+        </p:nvPicPr>
+        <p:blipFill>
+          <a:blip r:embed="rId5"/>
+          <a:stretch>
+            <a:fillRect/>
+          </a:stretch>
+        </p:blipFill>
+        <p:spPr>
+          <a:xfrm>
+            <a:off x="9406782" y="720725"/>
+            <a:ext cx="2486790" cy="5769953"/>
+          </a:xfrm>
+          <a:prstGeom prst="rect">
+            <a:avLst/>
+          </a:prstGeom>
+        </p:spPr>
+      </p:pic>
+    </p:spTree>
+    <p:extLst>
+      <p:ext uri="{BB962C8B-B14F-4D97-AF65-F5344CB8AC3E}">
+        <p14:creationId xmlns:p14="http://schemas.microsoft.com/office/powerpoint/2010/main" val="33225094"/>
+      </p:ext>
+    </p:extLst>
+  </p:cSld>
+  <p:clrMapOvr>
+    <a:masterClrMapping/>
+  </p:clrMapOvr>
+  <p:timing>
+    <p:tnLst>
+      <p:par>
+        <p:cTn id="1" dur="indefinite" restart="never" nodeType="tmRoot">
+          <p:childTnLst>
+            <p:seq concurrent="1" nextAc="seek">
+              <p:cTn id="2" dur="indefinite" nodeType="mainSeq">
+                <p:childTnLst>
+                  <p:par>
+                    <p:cTn id="3" fill="hold">
+                      <p:stCondLst>
+                        <p:cond delay="indefinite"/>
+                      </p:stCondLst>
+                      <p:childTnLst>
+                        <p:par>
+                          <p:cTn id="4" fill="hold">
+                            <p:stCondLst>
+                              <p:cond delay="0"/>
+                            </p:stCondLst>
+                            <p:childTnLst>
+                              <p:par>
+                                <p:cTn id="5" presetID="1" presetClass="entr" presetSubtype="0" fill="hold" nodeType="clickEffect">
+                                  <p:stCondLst>
+                                    <p:cond delay="0"/>
+                                  </p:stCondLst>
+                                  <p:childTnLst>
+                                    <p:set>
+                                      <p:cBhvr>
+                                        <p:cTn id="6" dur="1" fill="hold">
+                                          <p:stCondLst>
+                                            <p:cond delay="0"/>
+                                          </p:stCondLst>
+                                        </p:cTn>
+                                        <p:tgtEl>
+                                          <p:spTgt spid="4"/>
+                                        </p:tgtEl>
+                                        <p:attrNameLst>
+                                          <p:attrName>style.visibility</p:attrName>
+                                        </p:attrNameLst>
+                                      </p:cBhvr>
+                                      <p:to>
+                                        <p:strVal val="visible"/>
+                                      </p:to>
+                                    </p:set>
+                                  </p:childTnLst>
+                                </p:cTn>
+                              </p:par>
+                            </p:childTnLst>
+                          </p:cTn>
+                        </p:par>
+                      </p:childTnLst>
+                    </p:cTn>
+                  </p:par>
+                  <p:par>
+                    <p:cTn id="7" fill="hold">
+                      <p:stCondLst>
+                        <p:cond delay="indefinite"/>
+                      </p:stCondLst>
+                      <p:childTnLst>
+                        <p:par>
+                          <p:cTn id="8" fill="hold">
+                            <p:stCondLst>
+                              <p:cond delay="0"/>
+                            </p:stCondLst>
+                            <p:childTnLst>
+                              <p:par>
+                                <p:cTn id="9" presetID="1" presetClass="entr" presetSubtype="0" fill="hold" nodeType="clickEffect">
+                                  <p:stCondLst>
+                                    <p:cond delay="0"/>
+                                  </p:stCondLst>
+                                  <p:childTnLst>
+                                    <p:set>
+                                      <p:cBhvr>
+                                        <p:cTn id="10" dur="1" fill="hold">
+                                          <p:stCondLst>
+                                            <p:cond delay="0"/>
+                                          </p:stCondLst>
+                                        </p:cTn>
+                                        <p:tgtEl>
+                                          <p:spTgt spid="5"/>
+                                        </p:tgtEl>
+                                        <p:attrNameLst>
+                                          <p:attrName>style.visibility</p:attrName>
+                                        </p:attrNameLst>
+                                      </p:cBhvr>
+                                      <p:to>
+                                        <p:strVal val="visible"/>
+                                      </p:to>
+                                    </p:set>
+                                  </p:childTnLst>
+                                </p:cTn>
+                              </p:par>
+                            </p:childTnLst>
+                          </p:cTn>
+                        </p:par>
+                      </p:childTnLst>
+                    </p:cTn>
+                  </p:par>
+                  <p:par>
+                    <p:cTn id="11" fill="hold">
+                      <p:stCondLst>
+                        <p:cond delay="indefinite"/>
+                      </p:stCondLst>
+                      <p:childTnLst>
+                        <p:par>
+                          <p:cTn id="12" fill="hold">
+                            <p:stCondLst>
+                              <p:cond delay="0"/>
+                            </p:stCondLst>
+                            <p:childTnLst>
+                              <p:par>
+                                <p:cTn id="13" presetID="1" presetClass="entr" presetSubtype="0" fill="hold" nodeType="clickEffect">
+                                  <p:stCondLst>
+                                    <p:cond delay="0"/>
+                                  </p:stCondLst>
+                                  <p:childTnLst>
+                                    <p:set>
+                                      <p:cBhvr>
+                                        <p:cTn id="14" dur="1" fill="hold">
+                                          <p:stCondLst>
+                                            <p:cond delay="0"/>
+                                          </p:stCondLst>
+                                        </p:cTn>
+                                        <p:tgtEl>
+                                          <p:spTgt spid="6"/>
+                                        </p:tgtEl>
+                                        <p:attrNameLst>
+                                          <p:attrName>style.visibility</p:attrName>
+                                        </p:attrNameLst>
+                                      </p:cBhvr>
+                                      <p:to>
+                                        <p:strVal val="visible"/>
+                                      </p:to>
+                                    </p:set>
+                                  </p:childTnLst>
+                                </p:cTn>
+                              </p:par>
+                            </p:childTnLst>
+                          </p:cTn>
+                        </p:par>
+                      </p:childTnLst>
+                    </p:cTn>
+                  </p:par>
+                  <p:par>
+                    <p:cTn id="15" fill="hold">
+                      <p:stCondLst>
+                        <p:cond delay="indefinite"/>
+                      </p:stCondLst>
+                      <p:childTnLst>
+                        <p:par>
+                          <p:cTn id="16" fill="hold">
+                            <p:stCondLst>
+                              <p:cond delay="0"/>
+                            </p:stCondLst>
+                            <p:childTnLst>
+                              <p:par>
+                                <p:cTn id="17" presetID="1" presetClass="entr" presetSubtype="0" fill="hold" nodeType="clickEffect">
+                                  <p:stCondLst>
+                                    <p:cond delay="0"/>
+                                  </p:stCondLst>
+                                  <p:childTnLst>
+                                    <p:set>
+                                      <p:cBhvr>
+                                        <p:cTn id="18" dur="1" fill="hold">
+                                          <p:stCondLst>
+                                            <p:cond delay="0"/>
+                                          </p:stCondLst>
+                                        </p:cTn>
+                                        <p:tgtEl>
+                                          <p:spTgt spid="7"/>
+                                        </p:tgtEl>
+                                        <p:attrNameLst>
+                                          <p:attrName>style.visibility</p:attrName>
+                                        </p:attrNameLst>
+                                      </p:cBhvr>
+                                      <p:to>
+                                        <p:strVal val="visible"/>
+                                      </p:to>
+                                    </p:set>
+                                  </p:childTnLst>
+                                </p:cTn>
+                              </p:par>
+                            </p:childTnLst>
+                          </p:cTn>
+                        </p:par>
+                      </p:childTnLst>
+                    </p:cTn>
+                  </p:par>
+                </p:childTnLst>
+              </p:cTn>
+              <p:prevCondLst>
+                <p:cond evt="onPrev" delay="0">
+                  <p:tgtEl>
+                    <p:sldTgt/>
+                  </p:tgtEl>
+                </p:cond>
+              </p:prevCondLst>
+              <p:nextCondLst>
+                <p:cond evt="onNext" delay="0">
+                  <p:tgtEl>
+                    <p:sldTgt/>
+                  </p:tgtEl>
+                </p:cond>
+              </p:nextCondLst>
+            </p:seq>
+          </p:childTnLst>
+        </p:cTn>
       </p:par>
     </p:tnLst>
   </p:timing>
 </p:sld>
 </file>
 
-<file path=ppt/slides/slide13.xml><?xml version="1.0" encoding="utf-8"?>
+<file path=ppt/slides/slide14.xml><?xml version="1.0" encoding="utf-8"?>
 <p:sld xmlns:a="http://schemas.openxmlformats.org/drawingml/2006/main" xmlns:r="http://schemas.openxmlformats.org/officeDocument/2006/relationships" xmlns:p="http://schemas.openxmlformats.org/presentationml/2006/main">
   <p:cSld>
     <p:spTree>
@@ -4430,14 +5336,791 @@
   <p:timing>
     <p:tnLst>
       <p:par>
-        <p:cTn id="1" dur="indefinite" restart="never" nodeType="tmRoot"/>
+        <p:cTn id="1" dur="indefinite" restart="never" nodeType="tmRoot">
+          <p:childTnLst>
+            <p:seq concurrent="1" nextAc="seek">
+              <p:cTn id="2" dur="indefinite" nodeType="mainSeq">
+                <p:childTnLst>
+                  <p:par>
+                    <p:cTn id="3" fill="hold">
+                      <p:stCondLst>
+                        <p:cond delay="indefinite"/>
+                      </p:stCondLst>
+                      <p:childTnLst>
+                        <p:par>
+                          <p:cTn id="4" fill="hold">
+                            <p:stCondLst>
+                              <p:cond delay="0"/>
+                            </p:stCondLst>
+                            <p:childTnLst>
+                              <p:par>
+                                <p:cTn id="5" presetID="1" presetClass="entr" presetSubtype="0" fill="hold" grpId="0" nodeType="clickEffect">
+                                  <p:stCondLst>
+                                    <p:cond delay="0"/>
+                                  </p:stCondLst>
+                                  <p:childTnLst>
+                                    <p:set>
+                                      <p:cBhvr>
+                                        <p:cTn id="6" dur="1" fill="hold">
+                                          <p:stCondLst>
+                                            <p:cond delay="0"/>
+                                          </p:stCondLst>
+                                        </p:cTn>
+                                        <p:tgtEl>
+                                          <p:spTgt spid="3">
+                                            <p:txEl>
+                                              <p:pRg st="0" end="0"/>
+                                            </p:txEl>
+                                          </p:spTgt>
+                                        </p:tgtEl>
+                                        <p:attrNameLst>
+                                          <p:attrName>style.visibility</p:attrName>
+                                        </p:attrNameLst>
+                                      </p:cBhvr>
+                                      <p:to>
+                                        <p:strVal val="visible"/>
+                                      </p:to>
+                                    </p:set>
+                                  </p:childTnLst>
+                                </p:cTn>
+                              </p:par>
+                            </p:childTnLst>
+                          </p:cTn>
+                        </p:par>
+                      </p:childTnLst>
+                    </p:cTn>
+                  </p:par>
+                  <p:par>
+                    <p:cTn id="7" fill="hold">
+                      <p:stCondLst>
+                        <p:cond delay="indefinite"/>
+                      </p:stCondLst>
+                      <p:childTnLst>
+                        <p:par>
+                          <p:cTn id="8" fill="hold">
+                            <p:stCondLst>
+                              <p:cond delay="0"/>
+                            </p:stCondLst>
+                            <p:childTnLst>
+                              <p:par>
+                                <p:cTn id="9" presetID="1" presetClass="entr" presetSubtype="0" fill="hold" grpId="0" nodeType="clickEffect">
+                                  <p:stCondLst>
+                                    <p:cond delay="0"/>
+                                  </p:stCondLst>
+                                  <p:childTnLst>
+                                    <p:set>
+                                      <p:cBhvr>
+                                        <p:cTn id="10" dur="1" fill="hold">
+                                          <p:stCondLst>
+                                            <p:cond delay="0"/>
+                                          </p:stCondLst>
+                                        </p:cTn>
+                                        <p:tgtEl>
+                                          <p:spTgt spid="3">
+                                            <p:txEl>
+                                              <p:pRg st="1" end="1"/>
+                                            </p:txEl>
+                                          </p:spTgt>
+                                        </p:tgtEl>
+                                        <p:attrNameLst>
+                                          <p:attrName>style.visibility</p:attrName>
+                                        </p:attrNameLst>
+                                      </p:cBhvr>
+                                      <p:to>
+                                        <p:strVal val="visible"/>
+                                      </p:to>
+                                    </p:set>
+                                  </p:childTnLst>
+                                </p:cTn>
+                              </p:par>
+                            </p:childTnLst>
+                          </p:cTn>
+                        </p:par>
+                      </p:childTnLst>
+                    </p:cTn>
+                  </p:par>
+                  <p:par>
+                    <p:cTn id="11" fill="hold">
+                      <p:stCondLst>
+                        <p:cond delay="indefinite"/>
+                      </p:stCondLst>
+                      <p:childTnLst>
+                        <p:par>
+                          <p:cTn id="12" fill="hold">
+                            <p:stCondLst>
+                              <p:cond delay="0"/>
+                            </p:stCondLst>
+                            <p:childTnLst>
+                              <p:par>
+                                <p:cTn id="13" presetID="1" presetClass="entr" presetSubtype="0" fill="hold" grpId="0" nodeType="clickEffect">
+                                  <p:stCondLst>
+                                    <p:cond delay="0"/>
+                                  </p:stCondLst>
+                                  <p:childTnLst>
+                                    <p:set>
+                                      <p:cBhvr>
+                                        <p:cTn id="14" dur="1" fill="hold">
+                                          <p:stCondLst>
+                                            <p:cond delay="0"/>
+                                          </p:stCondLst>
+                                        </p:cTn>
+                                        <p:tgtEl>
+                                          <p:spTgt spid="3">
+                                            <p:txEl>
+                                              <p:pRg st="2" end="2"/>
+                                            </p:txEl>
+                                          </p:spTgt>
+                                        </p:tgtEl>
+                                        <p:attrNameLst>
+                                          <p:attrName>style.visibility</p:attrName>
+                                        </p:attrNameLst>
+                                      </p:cBhvr>
+                                      <p:to>
+                                        <p:strVal val="visible"/>
+                                      </p:to>
+                                    </p:set>
+                                  </p:childTnLst>
+                                </p:cTn>
+                              </p:par>
+                            </p:childTnLst>
+                          </p:cTn>
+                        </p:par>
+                      </p:childTnLst>
+                    </p:cTn>
+                  </p:par>
+                </p:childTnLst>
+              </p:cTn>
+              <p:prevCondLst>
+                <p:cond evt="onPrev" delay="0">
+                  <p:tgtEl>
+                    <p:sldTgt/>
+                  </p:tgtEl>
+                </p:cond>
+              </p:prevCondLst>
+              <p:nextCondLst>
+                <p:cond evt="onNext" delay="0">
+                  <p:tgtEl>
+                    <p:sldTgt/>
+                  </p:tgtEl>
+                </p:cond>
+              </p:nextCondLst>
+            </p:seq>
+          </p:childTnLst>
+        </p:cTn>
       </p:par>
     </p:tnLst>
+    <p:bldLst>
+      <p:bldP spid="3" grpId="0" build="p"/>
+    </p:bldLst>
   </p:timing>
 </p:sld>
 </file>
 
-<file path=ppt/slides/slide14.xml><?xml version="1.0" encoding="utf-8"?>
+<file path=ppt/slides/slide15.xml><?xml version="1.0" encoding="utf-8"?>
+<p:sld xmlns:a="http://schemas.openxmlformats.org/drawingml/2006/main" xmlns:r="http://schemas.openxmlformats.org/officeDocument/2006/relationships" xmlns:p="http://schemas.openxmlformats.org/presentationml/2006/main">
+  <p:cSld>
+    <p:spTree>
+      <p:nvGrpSpPr>
+        <p:cNvPr id="1" name=""/>
+        <p:cNvGrpSpPr/>
+        <p:nvPr/>
+      </p:nvGrpSpPr>
+      <p:grpSpPr>
+        <a:xfrm>
+          <a:off x="0" y="0"/>
+          <a:ext cx="0" cy="0"/>
+          <a:chOff x="0" y="0"/>
+          <a:chExt cx="0" cy="0"/>
+        </a:xfrm>
+      </p:grpSpPr>
+      <p:sp>
+        <p:nvSpPr>
+          <p:cNvPr id="2" name="Title 1"/>
+          <p:cNvSpPr>
+            <a:spLocks noGrp="1"/>
+          </p:cNvSpPr>
+          <p:nvPr>
+            <p:ph type="title"/>
+          </p:nvPr>
+        </p:nvSpPr>
+        <p:spPr>
+          <a:xfrm>
+            <a:off x="0" y="0"/>
+            <a:ext cx="10515600" cy="818216"/>
+          </a:xfrm>
+        </p:spPr>
+        <p:txBody>
+          <a:bodyPr/>
+          <a:lstStyle/>
+          <a:p>
+            <a:r>
+              <a:rPr lang="en-CA" dirty="0" smtClean="0"/>
+              <a:t>Choosing number of clusters</a:t>
+            </a:r>
+            <a:endParaRPr lang="en-CA" dirty="0"/>
+          </a:p>
+        </p:txBody>
+      </p:sp>
+      <mc:AlternateContent xmlns:mc="http://schemas.openxmlformats.org/markup-compatibility/2006">
+        <mc:Choice xmlns:a14="http://schemas.microsoft.com/office/drawing/2010/main" Requires="a14">
+          <p:sp>
+            <p:nvSpPr>
+              <p:cNvPr id="3" name="Content Placeholder 2"/>
+              <p:cNvSpPr>
+                <a:spLocks noGrp="1"/>
+              </p:cNvSpPr>
+              <p:nvPr>
+                <p:ph idx="1"/>
+              </p:nvPr>
+            </p:nvSpPr>
+            <p:spPr>
+              <a:xfrm>
+                <a:off x="1" y="1220507"/>
+                <a:ext cx="12191999" cy="4897904"/>
+              </a:xfrm>
+            </p:spPr>
+            <p:txBody>
+              <a:bodyPr/>
+              <a:lstStyle/>
+              <a:p>
+                <a:r>
+                  <a:rPr lang="en-CA" dirty="0" smtClean="0"/>
+                  <a:t>Suppose we are working with data for which we have no idea about the number of clusters. How to choose k?</a:t>
+                </a:r>
+              </a:p>
+              <a:p>
+                <a:r>
+                  <a:rPr lang="en-CA" dirty="0" smtClean="0"/>
+                  <a:t>One way is to start with a small number (k=2), and try k-means repeatedly with successively larger k (k=3, k=4, k=5,…etc.), finding the best value for k based on minimizing the distance formula</a:t>
+                </a:r>
+              </a:p>
+              <a:p>
+                <a14:m>
+                  <m:oMath xmlns:m="http://schemas.openxmlformats.org/officeDocument/2006/math">
+                    <m:r>
+                      <m:rPr>
+                        <m:sty m:val="p"/>
+                      </m:rPr>
+                      <a:rPr lang="en-CA">
+                        <a:latin typeface="Cambria Math" panose="02040503050406030204" pitchFamily="18" charset="0"/>
+                      </a:rPr>
+                      <m:t>min</m:t>
+                    </m:r>
+                    <m:r>
+                      <a:rPr lang="en-CA">
+                        <a:latin typeface="Cambria Math" panose="02040503050406030204" pitchFamily="18" charset="0"/>
+                      </a:rPr>
+                      <m:t>(</m:t>
+                    </m:r>
+                    <m:nary>
+                      <m:naryPr>
+                        <m:chr m:val="∑"/>
+                        <m:ctrlPr>
+                          <a:rPr lang="en-CA" i="1">
+                            <a:latin typeface="Cambria Math" panose="02040503050406030204" pitchFamily="18" charset="0"/>
+                          </a:rPr>
+                        </m:ctrlPr>
+                      </m:naryPr>
+                      <m:sub>
+                        <m:r>
+                          <m:rPr>
+                            <m:sty m:val="p"/>
+                            <m:brk m:alnAt="23"/>
+                          </m:rPr>
+                          <a:rPr lang="en-CA">
+                            <a:latin typeface="Cambria Math" panose="02040503050406030204" pitchFamily="18" charset="0"/>
+                          </a:rPr>
+                          <m:t>i</m:t>
+                        </m:r>
+                        <m:r>
+                          <a:rPr lang="en-CA">
+                            <a:latin typeface="Cambria Math" panose="02040503050406030204" pitchFamily="18" charset="0"/>
+                          </a:rPr>
+                          <m:t>=1</m:t>
+                        </m:r>
+                      </m:sub>
+                      <m:sup>
+                        <m:r>
+                          <m:rPr>
+                            <m:sty m:val="p"/>
+                          </m:rPr>
+                          <a:rPr lang="en-CA">
+                            <a:latin typeface="Cambria Math" panose="02040503050406030204" pitchFamily="18" charset="0"/>
+                          </a:rPr>
+                          <m:t>k</m:t>
+                        </m:r>
+                      </m:sup>
+                      <m:e>
+                        <m:nary>
+                          <m:naryPr>
+                            <m:chr m:val="∑"/>
+                            <m:supHide m:val="on"/>
+                            <m:ctrlPr>
+                              <a:rPr lang="en-CA" i="1">
+                                <a:latin typeface="Cambria Math" panose="02040503050406030204" pitchFamily="18" charset="0"/>
+                              </a:rPr>
+                            </m:ctrlPr>
+                          </m:naryPr>
+                          <m:sub>
+                            <m:r>
+                              <m:rPr>
+                                <m:sty m:val="p"/>
+                                <m:brk m:alnAt="7"/>
+                              </m:rPr>
+                              <a:rPr lang="en-CA">
+                                <a:latin typeface="Cambria Math" panose="02040503050406030204" pitchFamily="18" charset="0"/>
+                              </a:rPr>
+                              <m:t>x</m:t>
+                            </m:r>
+                            <m:r>
+                              <m:rPr>
+                                <m:sty m:val="p"/>
+                              </m:rPr>
+                              <a:rPr lang="en-CA">
+                                <a:latin typeface="Cambria Math" panose="02040503050406030204" pitchFamily="18" charset="0"/>
+                                <a:ea typeface="Cambria Math" panose="02040503050406030204" pitchFamily="18" charset="0"/>
+                              </a:rPr>
+                              <m:t>ϵS</m:t>
+                            </m:r>
+                            <m:r>
+                              <m:rPr>
+                                <m:sty m:val="p"/>
+                              </m:rPr>
+                              <a:rPr lang="en-CA" baseline="-25000">
+                                <a:latin typeface="Cambria Math" panose="02040503050406030204" pitchFamily="18" charset="0"/>
+                                <a:ea typeface="Cambria Math" panose="02040503050406030204" pitchFamily="18" charset="0"/>
+                              </a:rPr>
+                              <m:t>i</m:t>
+                            </m:r>
+                          </m:sub>
+                          <m:sup/>
+                          <m:e>
+                            <m:d>
+                              <m:dPr>
+                                <m:begChr m:val="‖"/>
+                                <m:endChr m:val="‖"/>
+                                <m:ctrlPr>
+                                  <a:rPr lang="en-CA" i="1">
+                                    <a:latin typeface="Cambria Math" panose="02040503050406030204" pitchFamily="18" charset="0"/>
+                                  </a:rPr>
+                                </m:ctrlPr>
+                              </m:dPr>
+                              <m:e>
+                                <m:r>
+                                  <m:rPr>
+                                    <m:sty m:val="p"/>
+                                  </m:rPr>
+                                  <a:rPr lang="en-CA">
+                                    <a:latin typeface="Cambria Math" panose="02040503050406030204" pitchFamily="18" charset="0"/>
+                                  </a:rPr>
+                                  <m:t>x</m:t>
+                                </m:r>
+                                <m:r>
+                                  <a:rPr lang="en-CA">
+                                    <a:latin typeface="Cambria Math" panose="02040503050406030204" pitchFamily="18" charset="0"/>
+                                  </a:rPr>
+                                  <m:t>−</m:t>
+                                </m:r>
+                                <m:r>
+                                  <m:rPr>
+                                    <m:sty m:val="p"/>
+                                  </m:rPr>
+                                  <a:rPr lang="en-CA">
+                                    <a:latin typeface="Cambria Math" panose="02040503050406030204" pitchFamily="18" charset="0"/>
+                                    <a:ea typeface="Cambria Math" panose="02040503050406030204" pitchFamily="18" charset="0"/>
+                                  </a:rPr>
+                                  <m:t>μ</m:t>
+                                </m:r>
+                                <m:r>
+                                  <m:rPr>
+                                    <m:sty m:val="p"/>
+                                  </m:rPr>
+                                  <a:rPr lang="en-CA" baseline="-25000">
+                                    <a:latin typeface="Cambria Math" panose="02040503050406030204" pitchFamily="18" charset="0"/>
+                                    <a:ea typeface="Cambria Math" panose="02040503050406030204" pitchFamily="18" charset="0"/>
+                                  </a:rPr>
+                                  <m:t>i</m:t>
+                                </m:r>
+                              </m:e>
+                            </m:d>
+                            <m:r>
+                              <a:rPr lang="en-CA" baseline="30000">
+                                <a:latin typeface="Cambria Math" panose="02040503050406030204" pitchFamily="18" charset="0"/>
+                              </a:rPr>
+                              <m:t>2</m:t>
+                            </m:r>
+                          </m:e>
+                        </m:nary>
+                      </m:e>
+                    </m:nary>
+                    <m:r>
+                      <a:rPr lang="en-CA">
+                        <a:latin typeface="Cambria Math" panose="02040503050406030204" pitchFamily="18" charset="0"/>
+                      </a:rPr>
+                      <m:t>)</m:t>
+                    </m:r>
+                  </m:oMath>
+                </a14:m>
+                <a:endParaRPr lang="en-CA" dirty="0" smtClean="0"/>
+              </a:p>
+              <a:p>
+                <a:r>
+                  <a:rPr lang="en-CA" dirty="0" smtClean="0"/>
+                  <a:t>Using a large value for ‘k’ is problematic, because the ‘k’ that minimizes the distance formula is k=number of instances (which is useless, overfitting)</a:t>
+                </a:r>
+              </a:p>
+              <a:p>
+                <a:r>
+                  <a:rPr lang="en-CA" dirty="0"/>
+                  <a:t>W</a:t>
+                </a:r>
+                <a:r>
+                  <a:rPr lang="en-CA" dirty="0" smtClean="0"/>
+                  <a:t>e can combine the above approach with something called ‘</a:t>
+                </a:r>
+                <a:r>
+                  <a:rPr lang="en-CA" i="1" dirty="0" smtClean="0"/>
+                  <a:t>minimum descriptor length</a:t>
+                </a:r>
+                <a:r>
+                  <a:rPr lang="en-CA" dirty="0" smtClean="0"/>
+                  <a:t>’ criterion (Chapter 5), which penalizes solutions with many clusters</a:t>
+                </a:r>
+                <a:endParaRPr lang="en-CA" dirty="0"/>
+              </a:p>
+            </p:txBody>
+          </p:sp>
+        </mc:Choice>
+        <mc:Fallback>
+          <p:sp>
+            <p:nvSpPr>
+              <p:cNvPr id="3" name="Content Placeholder 2"/>
+              <p:cNvSpPr>
+                <a:spLocks noGrp="1" noRot="1" noChangeAspect="1" noMove="1" noResize="1" noEditPoints="1" noAdjustHandles="1" noChangeArrowheads="1" noChangeShapeType="1" noTextEdit="1"/>
+              </p:cNvSpPr>
+              <p:nvPr>
+                <p:ph idx="1"/>
+              </p:nvPr>
+            </p:nvSpPr>
+            <p:spPr>
+              <a:xfrm>
+                <a:off x="1" y="1220507"/>
+                <a:ext cx="12191999" cy="4897904"/>
+              </a:xfrm>
+              <a:blipFill>
+                <a:blip r:embed="rId2"/>
+                <a:stretch>
+                  <a:fillRect l="-900" t="-1990" r="-800"/>
+                </a:stretch>
+              </a:blipFill>
+            </p:spPr>
+            <p:txBody>
+              <a:bodyPr/>
+              <a:lstStyle/>
+              <a:p>
+                <a:r>
+                  <a:rPr lang="en-CA">
+                    <a:noFill/>
+                  </a:rPr>
+                  <a:t> </a:t>
+                </a:r>
+              </a:p>
+            </p:txBody>
+          </p:sp>
+        </mc:Fallback>
+      </mc:AlternateContent>
+    </p:spTree>
+    <p:extLst>
+      <p:ext uri="{BB962C8B-B14F-4D97-AF65-F5344CB8AC3E}">
+        <p14:creationId xmlns:p14="http://schemas.microsoft.com/office/powerpoint/2010/main" val="3644718382"/>
+      </p:ext>
+    </p:extLst>
+  </p:cSld>
+  <p:clrMapOvr>
+    <a:masterClrMapping/>
+  </p:clrMapOvr>
+  <p:timing>
+    <p:tnLst>
+      <p:par>
+        <p:cTn id="1" dur="indefinite" restart="never" nodeType="tmRoot">
+          <p:childTnLst>
+            <p:seq concurrent="1" nextAc="seek">
+              <p:cTn id="2" dur="indefinite" nodeType="mainSeq">
+                <p:childTnLst>
+                  <p:par>
+                    <p:cTn id="3" fill="hold">
+                      <p:stCondLst>
+                        <p:cond delay="indefinite"/>
+                      </p:stCondLst>
+                      <p:childTnLst>
+                        <p:par>
+                          <p:cTn id="4" fill="hold">
+                            <p:stCondLst>
+                              <p:cond delay="0"/>
+                            </p:stCondLst>
+                            <p:childTnLst>
+                              <p:par>
+                                <p:cTn id="5" presetID="1" presetClass="entr" presetSubtype="0" fill="hold" grpId="0" nodeType="clickEffect">
+                                  <p:stCondLst>
+                                    <p:cond delay="0"/>
+                                  </p:stCondLst>
+                                  <p:childTnLst>
+                                    <p:set>
+                                      <p:cBhvr>
+                                        <p:cTn id="6" dur="1" fill="hold">
+                                          <p:stCondLst>
+                                            <p:cond delay="0"/>
+                                          </p:stCondLst>
+                                        </p:cTn>
+                                        <p:tgtEl>
+                                          <p:spTgt spid="3">
+                                            <p:txEl>
+                                              <p:pRg st="0" end="0"/>
+                                            </p:txEl>
+                                          </p:spTgt>
+                                        </p:tgtEl>
+                                        <p:attrNameLst>
+                                          <p:attrName>style.visibility</p:attrName>
+                                        </p:attrNameLst>
+                                      </p:cBhvr>
+                                      <p:to>
+                                        <p:strVal val="visible"/>
+                                      </p:to>
+                                    </p:set>
+                                  </p:childTnLst>
+                                </p:cTn>
+                              </p:par>
+                            </p:childTnLst>
+                          </p:cTn>
+                        </p:par>
+                      </p:childTnLst>
+                    </p:cTn>
+                  </p:par>
+                  <p:par>
+                    <p:cTn id="7" fill="hold">
+                      <p:stCondLst>
+                        <p:cond delay="indefinite"/>
+                      </p:stCondLst>
+                      <p:childTnLst>
+                        <p:par>
+                          <p:cTn id="8" fill="hold">
+                            <p:stCondLst>
+                              <p:cond delay="0"/>
+                            </p:stCondLst>
+                            <p:childTnLst>
+                              <p:par>
+                                <p:cTn id="9" presetID="1" presetClass="entr" presetSubtype="0" fill="hold" grpId="0" nodeType="clickEffect">
+                                  <p:stCondLst>
+                                    <p:cond delay="0"/>
+                                  </p:stCondLst>
+                                  <p:childTnLst>
+                                    <p:set>
+                                      <p:cBhvr>
+                                        <p:cTn id="10" dur="1" fill="hold">
+                                          <p:stCondLst>
+                                            <p:cond delay="0"/>
+                                          </p:stCondLst>
+                                        </p:cTn>
+                                        <p:tgtEl>
+                                          <p:spTgt spid="3">
+                                            <p:txEl>
+                                              <p:pRg st="1" end="1"/>
+                                            </p:txEl>
+                                          </p:spTgt>
+                                        </p:tgtEl>
+                                        <p:attrNameLst>
+                                          <p:attrName>style.visibility</p:attrName>
+                                        </p:attrNameLst>
+                                      </p:cBhvr>
+                                      <p:to>
+                                        <p:strVal val="visible"/>
+                                      </p:to>
+                                    </p:set>
+                                  </p:childTnLst>
+                                </p:cTn>
+                              </p:par>
+                            </p:childTnLst>
+                          </p:cTn>
+                        </p:par>
+                      </p:childTnLst>
+                    </p:cTn>
+                  </p:par>
+                  <p:par>
+                    <p:cTn id="11" fill="hold">
+                      <p:stCondLst>
+                        <p:cond delay="indefinite"/>
+                      </p:stCondLst>
+                      <p:childTnLst>
+                        <p:par>
+                          <p:cTn id="12" fill="hold">
+                            <p:stCondLst>
+                              <p:cond delay="0"/>
+                            </p:stCondLst>
+                            <p:childTnLst>
+                              <p:par>
+                                <p:cTn id="13" presetID="1" presetClass="entr" presetSubtype="0" fill="hold" grpId="0" nodeType="clickEffect">
+                                  <p:stCondLst>
+                                    <p:cond delay="0"/>
+                                  </p:stCondLst>
+                                  <p:childTnLst>
+                                    <p:set>
+                                      <p:cBhvr>
+                                        <p:cTn id="14" dur="1" fill="hold">
+                                          <p:stCondLst>
+                                            <p:cond delay="0"/>
+                                          </p:stCondLst>
+                                        </p:cTn>
+                                        <p:tgtEl>
+                                          <p:spTgt spid="3">
+                                            <p:txEl>
+                                              <p:pRg st="2" end="2"/>
+                                            </p:txEl>
+                                          </p:spTgt>
+                                        </p:tgtEl>
+                                        <p:attrNameLst>
+                                          <p:attrName>style.visibility</p:attrName>
+                                        </p:attrNameLst>
+                                      </p:cBhvr>
+                                      <p:to>
+                                        <p:strVal val="visible"/>
+                                      </p:to>
+                                    </p:set>
+                                  </p:childTnLst>
+                                </p:cTn>
+                              </p:par>
+                            </p:childTnLst>
+                          </p:cTn>
+                        </p:par>
+                      </p:childTnLst>
+                    </p:cTn>
+                  </p:par>
+                  <p:par>
+                    <p:cTn id="15" fill="hold">
+                      <p:stCondLst>
+                        <p:cond delay="indefinite"/>
+                      </p:stCondLst>
+                      <p:childTnLst>
+                        <p:par>
+                          <p:cTn id="16" fill="hold">
+                            <p:stCondLst>
+                              <p:cond delay="0"/>
+                            </p:stCondLst>
+                            <p:childTnLst>
+                              <p:par>
+                                <p:cTn id="17" presetID="1" presetClass="entr" presetSubtype="0" fill="hold" grpId="0" nodeType="clickEffect">
+                                  <p:stCondLst>
+                                    <p:cond delay="0"/>
+                                  </p:stCondLst>
+                                  <p:childTnLst>
+                                    <p:set>
+                                      <p:cBhvr>
+                                        <p:cTn id="18" dur="1" fill="hold">
+                                          <p:stCondLst>
+                                            <p:cond delay="0"/>
+                                          </p:stCondLst>
+                                        </p:cTn>
+                                        <p:tgtEl>
+                                          <p:spTgt spid="3">
+                                            <p:txEl>
+                                              <p:pRg st="3" end="3"/>
+                                            </p:txEl>
+                                          </p:spTgt>
+                                        </p:tgtEl>
+                                        <p:attrNameLst>
+                                          <p:attrName>style.visibility</p:attrName>
+                                        </p:attrNameLst>
+                                      </p:cBhvr>
+                                      <p:to>
+                                        <p:strVal val="visible"/>
+                                      </p:to>
+                                    </p:set>
+                                  </p:childTnLst>
+                                </p:cTn>
+                              </p:par>
+                            </p:childTnLst>
+                          </p:cTn>
+                        </p:par>
+                      </p:childTnLst>
+                    </p:cTn>
+                  </p:par>
+                  <p:par>
+                    <p:cTn id="19" fill="hold">
+                      <p:stCondLst>
+                        <p:cond delay="indefinite"/>
+                      </p:stCondLst>
+                      <p:childTnLst>
+                        <p:par>
+                          <p:cTn id="20" fill="hold">
+                            <p:stCondLst>
+                              <p:cond delay="0"/>
+                            </p:stCondLst>
+                            <p:childTnLst>
+                              <p:par>
+                                <p:cTn id="21" presetID="1" presetClass="entr" presetSubtype="0" fill="hold" grpId="0" nodeType="clickEffect">
+                                  <p:stCondLst>
+                                    <p:cond delay="0"/>
+                                  </p:stCondLst>
+                                  <p:childTnLst>
+                                    <p:set>
+                                      <p:cBhvr>
+                                        <p:cTn id="22" dur="1" fill="hold">
+                                          <p:stCondLst>
+                                            <p:cond delay="0"/>
+                                          </p:stCondLst>
+                                        </p:cTn>
+                                        <p:tgtEl>
+                                          <p:spTgt spid="3">
+                                            <p:txEl>
+                                              <p:pRg st="4" end="4"/>
+                                            </p:txEl>
+                                          </p:spTgt>
+                                        </p:tgtEl>
+                                        <p:attrNameLst>
+                                          <p:attrName>style.visibility</p:attrName>
+                                        </p:attrNameLst>
+                                      </p:cBhvr>
+                                      <p:to>
+                                        <p:strVal val="visible"/>
+                                      </p:to>
+                                    </p:set>
+                                  </p:childTnLst>
+                                </p:cTn>
+                              </p:par>
+                            </p:childTnLst>
+                          </p:cTn>
+                        </p:par>
+                      </p:childTnLst>
+                    </p:cTn>
+                  </p:par>
+                </p:childTnLst>
+              </p:cTn>
+              <p:prevCondLst>
+                <p:cond evt="onPrev" delay="0">
+                  <p:tgtEl>
+                    <p:sldTgt/>
+                  </p:tgtEl>
+                </p:cond>
+              </p:prevCondLst>
+              <p:nextCondLst>
+                <p:cond evt="onNext" delay="0">
+                  <p:tgtEl>
+                    <p:sldTgt/>
+                  </p:tgtEl>
+                </p:cond>
+              </p:nextCondLst>
+            </p:seq>
+          </p:childTnLst>
+        </p:cTn>
+      </p:par>
+    </p:tnLst>
+    <p:bldLst>
+      <p:bldP spid="3" grpId="0" build="p"/>
+    </p:bldLst>
+  </p:timing>
+</p:sld>
+</file>
+
+<file path=ppt/slides/slide16.xml><?xml version="1.0" encoding="utf-8"?>
 <p:sld xmlns:a="http://schemas.openxmlformats.org/drawingml/2006/main" xmlns:r="http://schemas.openxmlformats.org/officeDocument/2006/relationships" xmlns:p="http://schemas.openxmlformats.org/presentationml/2006/main">
   <p:cSld>
     <p:spTree>
@@ -4545,7 +6228,7 @@
           <a:p>
             <a:r>
               <a:rPr lang="en-CA" dirty="0" smtClean="0"/>
-              <a:t>How to measure distance between two clusters?</a:t>
+              <a:t>How to measure distance between two clusters? (many metrics)</a:t>
             </a:r>
           </a:p>
           <a:p>
@@ -4593,7 +6276,14 @@
               <a:rPr lang="en-CA" i="1" dirty="0" smtClean="0"/>
               <a:t>Ward’s linkage </a:t>
             </a:r>
-            <a:endParaRPr lang="en-CA" dirty="0" smtClean="0"/>
+            <a:r>
+              <a:rPr lang="en-CA" dirty="0"/>
+              <a:t> </a:t>
+            </a:r>
+            <a:r>
+              <a:rPr lang="en-CA" dirty="0" smtClean="0"/>
+              <a:t>(minimize within cluster variance)</a:t>
+            </a:r>
           </a:p>
           <a:p>
             <a:endParaRPr lang="en-CA" dirty="0"/>
@@ -4613,14 +6303,579 @@
   <p:timing>
     <p:tnLst>
       <p:par>
-        <p:cTn id="1" dur="indefinite" restart="never" nodeType="tmRoot"/>
+        <p:cTn id="1" dur="indefinite" restart="never" nodeType="tmRoot">
+          <p:childTnLst>
+            <p:seq concurrent="1" nextAc="seek">
+              <p:cTn id="2" dur="indefinite" nodeType="mainSeq">
+                <p:childTnLst>
+                  <p:par>
+                    <p:cTn id="3" fill="hold">
+                      <p:stCondLst>
+                        <p:cond delay="indefinite"/>
+                      </p:stCondLst>
+                      <p:childTnLst>
+                        <p:par>
+                          <p:cTn id="4" fill="hold">
+                            <p:stCondLst>
+                              <p:cond delay="0"/>
+                            </p:stCondLst>
+                            <p:childTnLst>
+                              <p:par>
+                                <p:cTn id="5" presetID="1" presetClass="entr" presetSubtype="0" fill="hold" grpId="0" nodeType="clickEffect">
+                                  <p:stCondLst>
+                                    <p:cond delay="0"/>
+                                  </p:stCondLst>
+                                  <p:childTnLst>
+                                    <p:set>
+                                      <p:cBhvr>
+                                        <p:cTn id="6" dur="1" fill="hold">
+                                          <p:stCondLst>
+                                            <p:cond delay="0"/>
+                                          </p:stCondLst>
+                                        </p:cTn>
+                                        <p:tgtEl>
+                                          <p:spTgt spid="3">
+                                            <p:txEl>
+                                              <p:pRg st="0" end="0"/>
+                                            </p:txEl>
+                                          </p:spTgt>
+                                        </p:tgtEl>
+                                        <p:attrNameLst>
+                                          <p:attrName>style.visibility</p:attrName>
+                                        </p:attrNameLst>
+                                      </p:cBhvr>
+                                      <p:to>
+                                        <p:strVal val="visible"/>
+                                      </p:to>
+                                    </p:set>
+                                  </p:childTnLst>
+                                </p:cTn>
+                              </p:par>
+                            </p:childTnLst>
+                          </p:cTn>
+                        </p:par>
+                      </p:childTnLst>
+                    </p:cTn>
+                  </p:par>
+                  <p:par>
+                    <p:cTn id="7" fill="hold">
+                      <p:stCondLst>
+                        <p:cond delay="indefinite"/>
+                      </p:stCondLst>
+                      <p:childTnLst>
+                        <p:par>
+                          <p:cTn id="8" fill="hold">
+                            <p:stCondLst>
+                              <p:cond delay="0"/>
+                            </p:stCondLst>
+                            <p:childTnLst>
+                              <p:par>
+                                <p:cTn id="9" presetID="1" presetClass="entr" presetSubtype="0" fill="hold" grpId="0" nodeType="clickEffect">
+                                  <p:stCondLst>
+                                    <p:cond delay="0"/>
+                                  </p:stCondLst>
+                                  <p:childTnLst>
+                                    <p:set>
+                                      <p:cBhvr>
+                                        <p:cTn id="10" dur="1" fill="hold">
+                                          <p:stCondLst>
+                                            <p:cond delay="0"/>
+                                          </p:stCondLst>
+                                        </p:cTn>
+                                        <p:tgtEl>
+                                          <p:spTgt spid="3">
+                                            <p:txEl>
+                                              <p:pRg st="1" end="1"/>
+                                            </p:txEl>
+                                          </p:spTgt>
+                                        </p:tgtEl>
+                                        <p:attrNameLst>
+                                          <p:attrName>style.visibility</p:attrName>
+                                        </p:attrNameLst>
+                                      </p:cBhvr>
+                                      <p:to>
+                                        <p:strVal val="visible"/>
+                                      </p:to>
+                                    </p:set>
+                                  </p:childTnLst>
+                                </p:cTn>
+                              </p:par>
+                            </p:childTnLst>
+                          </p:cTn>
+                        </p:par>
+                      </p:childTnLst>
+                    </p:cTn>
+                  </p:par>
+                  <p:par>
+                    <p:cTn id="11" fill="hold">
+                      <p:stCondLst>
+                        <p:cond delay="indefinite"/>
+                      </p:stCondLst>
+                      <p:childTnLst>
+                        <p:par>
+                          <p:cTn id="12" fill="hold">
+                            <p:stCondLst>
+                              <p:cond delay="0"/>
+                            </p:stCondLst>
+                            <p:childTnLst>
+                              <p:par>
+                                <p:cTn id="13" presetID="1" presetClass="entr" presetSubtype="0" fill="hold" grpId="0" nodeType="clickEffect">
+                                  <p:stCondLst>
+                                    <p:cond delay="0"/>
+                                  </p:stCondLst>
+                                  <p:childTnLst>
+                                    <p:set>
+                                      <p:cBhvr>
+                                        <p:cTn id="14" dur="1" fill="hold">
+                                          <p:stCondLst>
+                                            <p:cond delay="0"/>
+                                          </p:stCondLst>
+                                        </p:cTn>
+                                        <p:tgtEl>
+                                          <p:spTgt spid="3">
+                                            <p:txEl>
+                                              <p:pRg st="2" end="2"/>
+                                            </p:txEl>
+                                          </p:spTgt>
+                                        </p:tgtEl>
+                                        <p:attrNameLst>
+                                          <p:attrName>style.visibility</p:attrName>
+                                        </p:attrNameLst>
+                                      </p:cBhvr>
+                                      <p:to>
+                                        <p:strVal val="visible"/>
+                                      </p:to>
+                                    </p:set>
+                                  </p:childTnLst>
+                                </p:cTn>
+                              </p:par>
+                            </p:childTnLst>
+                          </p:cTn>
+                        </p:par>
+                      </p:childTnLst>
+                    </p:cTn>
+                  </p:par>
+                  <p:par>
+                    <p:cTn id="15" fill="hold">
+                      <p:stCondLst>
+                        <p:cond delay="indefinite"/>
+                      </p:stCondLst>
+                      <p:childTnLst>
+                        <p:par>
+                          <p:cTn id="16" fill="hold">
+                            <p:stCondLst>
+                              <p:cond delay="0"/>
+                            </p:stCondLst>
+                            <p:childTnLst>
+                              <p:par>
+                                <p:cTn id="17" presetID="1" presetClass="entr" presetSubtype="0" fill="hold" grpId="0" nodeType="clickEffect">
+                                  <p:stCondLst>
+                                    <p:cond delay="0"/>
+                                  </p:stCondLst>
+                                  <p:childTnLst>
+                                    <p:set>
+                                      <p:cBhvr>
+                                        <p:cTn id="18" dur="1" fill="hold">
+                                          <p:stCondLst>
+                                            <p:cond delay="0"/>
+                                          </p:stCondLst>
+                                        </p:cTn>
+                                        <p:tgtEl>
+                                          <p:spTgt spid="3">
+                                            <p:txEl>
+                                              <p:pRg st="3" end="3"/>
+                                            </p:txEl>
+                                          </p:spTgt>
+                                        </p:tgtEl>
+                                        <p:attrNameLst>
+                                          <p:attrName>style.visibility</p:attrName>
+                                        </p:attrNameLst>
+                                      </p:cBhvr>
+                                      <p:to>
+                                        <p:strVal val="visible"/>
+                                      </p:to>
+                                    </p:set>
+                                  </p:childTnLst>
+                                </p:cTn>
+                              </p:par>
+                            </p:childTnLst>
+                          </p:cTn>
+                        </p:par>
+                      </p:childTnLst>
+                    </p:cTn>
+                  </p:par>
+                  <p:par>
+                    <p:cTn id="19" fill="hold">
+                      <p:stCondLst>
+                        <p:cond delay="indefinite"/>
+                      </p:stCondLst>
+                      <p:childTnLst>
+                        <p:par>
+                          <p:cTn id="20" fill="hold">
+                            <p:stCondLst>
+                              <p:cond delay="0"/>
+                            </p:stCondLst>
+                            <p:childTnLst>
+                              <p:par>
+                                <p:cTn id="21" presetID="1" presetClass="entr" presetSubtype="0" fill="hold" grpId="0" nodeType="clickEffect">
+                                  <p:stCondLst>
+                                    <p:cond delay="0"/>
+                                  </p:stCondLst>
+                                  <p:childTnLst>
+                                    <p:set>
+                                      <p:cBhvr>
+                                        <p:cTn id="22" dur="1" fill="hold">
+                                          <p:stCondLst>
+                                            <p:cond delay="0"/>
+                                          </p:stCondLst>
+                                        </p:cTn>
+                                        <p:tgtEl>
+                                          <p:spTgt spid="3">
+                                            <p:txEl>
+                                              <p:pRg st="4" end="4"/>
+                                            </p:txEl>
+                                          </p:spTgt>
+                                        </p:tgtEl>
+                                        <p:attrNameLst>
+                                          <p:attrName>style.visibility</p:attrName>
+                                        </p:attrNameLst>
+                                      </p:cBhvr>
+                                      <p:to>
+                                        <p:strVal val="visible"/>
+                                      </p:to>
+                                    </p:set>
+                                  </p:childTnLst>
+                                </p:cTn>
+                              </p:par>
+                            </p:childTnLst>
+                          </p:cTn>
+                        </p:par>
+                      </p:childTnLst>
+                    </p:cTn>
+                  </p:par>
+                  <p:par>
+                    <p:cTn id="23" fill="hold">
+                      <p:stCondLst>
+                        <p:cond delay="indefinite"/>
+                      </p:stCondLst>
+                      <p:childTnLst>
+                        <p:par>
+                          <p:cTn id="24" fill="hold">
+                            <p:stCondLst>
+                              <p:cond delay="0"/>
+                            </p:stCondLst>
+                            <p:childTnLst>
+                              <p:par>
+                                <p:cTn id="25" presetID="1" presetClass="entr" presetSubtype="0" fill="hold" grpId="0" nodeType="clickEffect">
+                                  <p:stCondLst>
+                                    <p:cond delay="0"/>
+                                  </p:stCondLst>
+                                  <p:childTnLst>
+                                    <p:set>
+                                      <p:cBhvr>
+                                        <p:cTn id="26" dur="1" fill="hold">
+                                          <p:stCondLst>
+                                            <p:cond delay="0"/>
+                                          </p:stCondLst>
+                                        </p:cTn>
+                                        <p:tgtEl>
+                                          <p:spTgt spid="3">
+                                            <p:txEl>
+                                              <p:pRg st="5" end="5"/>
+                                            </p:txEl>
+                                          </p:spTgt>
+                                        </p:tgtEl>
+                                        <p:attrNameLst>
+                                          <p:attrName>style.visibility</p:attrName>
+                                        </p:attrNameLst>
+                                      </p:cBhvr>
+                                      <p:to>
+                                        <p:strVal val="visible"/>
+                                      </p:to>
+                                    </p:set>
+                                  </p:childTnLst>
+                                </p:cTn>
+                              </p:par>
+                            </p:childTnLst>
+                          </p:cTn>
+                        </p:par>
+                      </p:childTnLst>
+                    </p:cTn>
+                  </p:par>
+                  <p:par>
+                    <p:cTn id="27" fill="hold">
+                      <p:stCondLst>
+                        <p:cond delay="indefinite"/>
+                      </p:stCondLst>
+                      <p:childTnLst>
+                        <p:par>
+                          <p:cTn id="28" fill="hold">
+                            <p:stCondLst>
+                              <p:cond delay="0"/>
+                            </p:stCondLst>
+                            <p:childTnLst>
+                              <p:par>
+                                <p:cTn id="29" presetID="1" presetClass="entr" presetSubtype="0" fill="hold" grpId="0" nodeType="clickEffect">
+                                  <p:stCondLst>
+                                    <p:cond delay="0"/>
+                                  </p:stCondLst>
+                                  <p:childTnLst>
+                                    <p:set>
+                                      <p:cBhvr>
+                                        <p:cTn id="30" dur="1" fill="hold">
+                                          <p:stCondLst>
+                                            <p:cond delay="0"/>
+                                          </p:stCondLst>
+                                        </p:cTn>
+                                        <p:tgtEl>
+                                          <p:spTgt spid="3">
+                                            <p:txEl>
+                                              <p:pRg st="6" end="6"/>
+                                            </p:txEl>
+                                          </p:spTgt>
+                                        </p:tgtEl>
+                                        <p:attrNameLst>
+                                          <p:attrName>style.visibility</p:attrName>
+                                        </p:attrNameLst>
+                                      </p:cBhvr>
+                                      <p:to>
+                                        <p:strVal val="visible"/>
+                                      </p:to>
+                                    </p:set>
+                                  </p:childTnLst>
+                                </p:cTn>
+                              </p:par>
+                            </p:childTnLst>
+                          </p:cTn>
+                        </p:par>
+                      </p:childTnLst>
+                    </p:cTn>
+                  </p:par>
+                  <p:par>
+                    <p:cTn id="31" fill="hold">
+                      <p:stCondLst>
+                        <p:cond delay="indefinite"/>
+                      </p:stCondLst>
+                      <p:childTnLst>
+                        <p:par>
+                          <p:cTn id="32" fill="hold">
+                            <p:stCondLst>
+                              <p:cond delay="0"/>
+                            </p:stCondLst>
+                            <p:childTnLst>
+                              <p:par>
+                                <p:cTn id="33" presetID="1" presetClass="entr" presetSubtype="0" fill="hold" grpId="0" nodeType="clickEffect">
+                                  <p:stCondLst>
+                                    <p:cond delay="0"/>
+                                  </p:stCondLst>
+                                  <p:childTnLst>
+                                    <p:set>
+                                      <p:cBhvr>
+                                        <p:cTn id="34" dur="1" fill="hold">
+                                          <p:stCondLst>
+                                            <p:cond delay="0"/>
+                                          </p:stCondLst>
+                                        </p:cTn>
+                                        <p:tgtEl>
+                                          <p:spTgt spid="3">
+                                            <p:txEl>
+                                              <p:pRg st="7" end="7"/>
+                                            </p:txEl>
+                                          </p:spTgt>
+                                        </p:tgtEl>
+                                        <p:attrNameLst>
+                                          <p:attrName>style.visibility</p:attrName>
+                                        </p:attrNameLst>
+                                      </p:cBhvr>
+                                      <p:to>
+                                        <p:strVal val="visible"/>
+                                      </p:to>
+                                    </p:set>
+                                  </p:childTnLst>
+                                </p:cTn>
+                              </p:par>
+                            </p:childTnLst>
+                          </p:cTn>
+                        </p:par>
+                      </p:childTnLst>
+                    </p:cTn>
+                  </p:par>
+                  <p:par>
+                    <p:cTn id="35" fill="hold">
+                      <p:stCondLst>
+                        <p:cond delay="indefinite"/>
+                      </p:stCondLst>
+                      <p:childTnLst>
+                        <p:par>
+                          <p:cTn id="36" fill="hold">
+                            <p:stCondLst>
+                              <p:cond delay="0"/>
+                            </p:stCondLst>
+                            <p:childTnLst>
+                              <p:par>
+                                <p:cTn id="37" presetID="1" presetClass="entr" presetSubtype="0" fill="hold" grpId="0" nodeType="clickEffect">
+                                  <p:stCondLst>
+                                    <p:cond delay="0"/>
+                                  </p:stCondLst>
+                                  <p:childTnLst>
+                                    <p:set>
+                                      <p:cBhvr>
+                                        <p:cTn id="38" dur="1" fill="hold">
+                                          <p:stCondLst>
+                                            <p:cond delay="0"/>
+                                          </p:stCondLst>
+                                        </p:cTn>
+                                        <p:tgtEl>
+                                          <p:spTgt spid="3">
+                                            <p:txEl>
+                                              <p:pRg st="8" end="8"/>
+                                            </p:txEl>
+                                          </p:spTgt>
+                                        </p:tgtEl>
+                                        <p:attrNameLst>
+                                          <p:attrName>style.visibility</p:attrName>
+                                        </p:attrNameLst>
+                                      </p:cBhvr>
+                                      <p:to>
+                                        <p:strVal val="visible"/>
+                                      </p:to>
+                                    </p:set>
+                                  </p:childTnLst>
+                                </p:cTn>
+                              </p:par>
+                            </p:childTnLst>
+                          </p:cTn>
+                        </p:par>
+                      </p:childTnLst>
+                    </p:cTn>
+                  </p:par>
+                  <p:par>
+                    <p:cTn id="39" fill="hold">
+                      <p:stCondLst>
+                        <p:cond delay="indefinite"/>
+                      </p:stCondLst>
+                      <p:childTnLst>
+                        <p:par>
+                          <p:cTn id="40" fill="hold">
+                            <p:stCondLst>
+                              <p:cond delay="0"/>
+                            </p:stCondLst>
+                            <p:childTnLst>
+                              <p:par>
+                                <p:cTn id="41" presetID="1" presetClass="entr" presetSubtype="0" fill="hold" grpId="0" nodeType="clickEffect">
+                                  <p:stCondLst>
+                                    <p:cond delay="0"/>
+                                  </p:stCondLst>
+                                  <p:childTnLst>
+                                    <p:set>
+                                      <p:cBhvr>
+                                        <p:cTn id="42" dur="1" fill="hold">
+                                          <p:stCondLst>
+                                            <p:cond delay="0"/>
+                                          </p:stCondLst>
+                                        </p:cTn>
+                                        <p:tgtEl>
+                                          <p:spTgt spid="3">
+                                            <p:txEl>
+                                              <p:pRg st="9" end="9"/>
+                                            </p:txEl>
+                                          </p:spTgt>
+                                        </p:tgtEl>
+                                        <p:attrNameLst>
+                                          <p:attrName>style.visibility</p:attrName>
+                                        </p:attrNameLst>
+                                      </p:cBhvr>
+                                      <p:to>
+                                        <p:strVal val="visible"/>
+                                      </p:to>
+                                    </p:set>
+                                  </p:childTnLst>
+                                </p:cTn>
+                              </p:par>
+                            </p:childTnLst>
+                          </p:cTn>
+                        </p:par>
+                      </p:childTnLst>
+                    </p:cTn>
+                  </p:par>
+                  <p:par>
+                    <p:cTn id="43" fill="hold">
+                      <p:stCondLst>
+                        <p:cond delay="indefinite"/>
+                      </p:stCondLst>
+                      <p:childTnLst>
+                        <p:par>
+                          <p:cTn id="44" fill="hold">
+                            <p:stCondLst>
+                              <p:cond delay="0"/>
+                            </p:stCondLst>
+                            <p:childTnLst>
+                              <p:par>
+                                <p:cTn id="45" presetID="1" presetClass="entr" presetSubtype="0" fill="hold" grpId="0" nodeType="clickEffect">
+                                  <p:stCondLst>
+                                    <p:cond delay="0"/>
+                                  </p:stCondLst>
+                                  <p:childTnLst>
+                                    <p:set>
+                                      <p:cBhvr>
+                                        <p:cTn id="46" dur="1" fill="hold">
+                                          <p:stCondLst>
+                                            <p:cond delay="0"/>
+                                          </p:stCondLst>
+                                        </p:cTn>
+                                        <p:tgtEl>
+                                          <p:spTgt spid="3">
+                                            <p:txEl>
+                                              <p:pRg st="10" end="10"/>
+                                            </p:txEl>
+                                          </p:spTgt>
+                                        </p:tgtEl>
+                                        <p:attrNameLst>
+                                          <p:attrName>style.visibility</p:attrName>
+                                        </p:attrNameLst>
+                                      </p:cBhvr>
+                                      <p:to>
+                                        <p:strVal val="visible"/>
+                                      </p:to>
+                                    </p:set>
+                                  </p:childTnLst>
+                                </p:cTn>
+                              </p:par>
+                            </p:childTnLst>
+                          </p:cTn>
+                        </p:par>
+                      </p:childTnLst>
+                    </p:cTn>
+                  </p:par>
+                </p:childTnLst>
+              </p:cTn>
+              <p:prevCondLst>
+                <p:cond evt="onPrev" delay="0">
+                  <p:tgtEl>
+                    <p:sldTgt/>
+                  </p:tgtEl>
+                </p:cond>
+              </p:prevCondLst>
+              <p:nextCondLst>
+                <p:cond evt="onNext" delay="0">
+                  <p:tgtEl>
+                    <p:sldTgt/>
+                  </p:tgtEl>
+                </p:cond>
+              </p:nextCondLst>
+            </p:seq>
+          </p:childTnLst>
+        </p:cTn>
       </p:par>
     </p:tnLst>
+    <p:bldLst>
+      <p:bldP spid="3" grpId="0" build="p"/>
+    </p:bldLst>
   </p:timing>
 </p:sld>
 </file>
 
-<file path=ppt/slides/slide15.xml><?xml version="1.0" encoding="utf-8"?>
+<file path=ppt/slides/slide17.xml><?xml version="1.0" encoding="utf-8"?>
 <p:sld xmlns:a="http://schemas.openxmlformats.org/drawingml/2006/main" xmlns:r="http://schemas.openxmlformats.org/officeDocument/2006/relationships" xmlns:p="http://schemas.openxmlformats.org/presentationml/2006/main">
   <p:cSld>
     <p:spTree>
@@ -4649,8 +6904,8 @@
         </p:nvSpPr>
         <p:spPr>
           <a:xfrm>
-            <a:off x="131619" y="2047299"/>
-            <a:ext cx="3144982" cy="4351338"/>
+            <a:off x="0" y="1245278"/>
+            <a:ext cx="3603811" cy="5263097"/>
           </a:xfrm>
         </p:spPr>
         <p:txBody>
@@ -4721,9 +6976,18 @@
             </a:r>
             <a:r>
               <a:rPr lang="en-CA" dirty="0" smtClean="0"/>
-              <a:t>uclidean distance between instances</a:t>
-            </a:r>
-            <a:endParaRPr lang="en-CA" dirty="0"/>
+              <a:t>uclidean distance between </a:t>
+            </a:r>
+            <a:r>
+              <a:rPr lang="en-CA" dirty="0" smtClean="0"/>
+              <a:t>instances</a:t>
+            </a:r>
+          </a:p>
+          <a:p>
+            <a:r>
+              <a:rPr lang="en-CA" dirty="0" smtClean="0"/>
+              <a:t>(compete linkage distance metric used here)</a:t>
+            </a:r>
           </a:p>
         </p:txBody>
       </p:sp>
@@ -4763,13 +7027,13 @@
         </p:nvSpPr>
         <p:spPr>
           <a:xfrm>
-            <a:off x="263237" y="180110"/>
-            <a:ext cx="5784866" cy="1690254"/>
+            <a:off x="0" y="1"/>
+            <a:ext cx="5784866" cy="1245278"/>
           </a:xfrm>
         </p:spPr>
         <p:txBody>
           <a:bodyPr>
-            <a:normAutofit/>
+            <a:normAutofit fontScale="90000"/>
           </a:bodyPr>
           <a:lstStyle/>
           <a:p>
@@ -4794,14 +7058,463 @@
   <p:timing>
     <p:tnLst>
       <p:par>
-        <p:cTn id="1" dur="indefinite" restart="never" nodeType="tmRoot"/>
+        <p:cTn id="1" dur="indefinite" restart="never" nodeType="tmRoot">
+          <p:childTnLst>
+            <p:seq concurrent="1" nextAc="seek">
+              <p:cTn id="2" dur="indefinite" nodeType="mainSeq">
+                <p:childTnLst>
+                  <p:par>
+                    <p:cTn id="3" fill="hold">
+                      <p:stCondLst>
+                        <p:cond delay="indefinite"/>
+                      </p:stCondLst>
+                      <p:childTnLst>
+                        <p:par>
+                          <p:cTn id="4" fill="hold">
+                            <p:stCondLst>
+                              <p:cond delay="0"/>
+                            </p:stCondLst>
+                            <p:childTnLst>
+                              <p:par>
+                                <p:cTn id="5" presetID="1" presetClass="entr" presetSubtype="0" fill="hold" grpId="0" nodeType="clickEffect">
+                                  <p:stCondLst>
+                                    <p:cond delay="0"/>
+                                  </p:stCondLst>
+                                  <p:childTnLst>
+                                    <p:set>
+                                      <p:cBhvr>
+                                        <p:cTn id="6" dur="1" fill="hold">
+                                          <p:stCondLst>
+                                            <p:cond delay="0"/>
+                                          </p:stCondLst>
+                                        </p:cTn>
+                                        <p:tgtEl>
+                                          <p:spTgt spid="3">
+                                            <p:txEl>
+                                              <p:pRg st="0" end="0"/>
+                                            </p:txEl>
+                                          </p:spTgt>
+                                        </p:tgtEl>
+                                        <p:attrNameLst>
+                                          <p:attrName>style.visibility</p:attrName>
+                                        </p:attrNameLst>
+                                      </p:cBhvr>
+                                      <p:to>
+                                        <p:strVal val="visible"/>
+                                      </p:to>
+                                    </p:set>
+                                  </p:childTnLst>
+                                </p:cTn>
+                              </p:par>
+                            </p:childTnLst>
+                          </p:cTn>
+                        </p:par>
+                      </p:childTnLst>
+                    </p:cTn>
+                  </p:par>
+                  <p:par>
+                    <p:cTn id="7" fill="hold">
+                      <p:stCondLst>
+                        <p:cond delay="indefinite"/>
+                      </p:stCondLst>
+                      <p:childTnLst>
+                        <p:par>
+                          <p:cTn id="8" fill="hold">
+                            <p:stCondLst>
+                              <p:cond delay="0"/>
+                            </p:stCondLst>
+                            <p:childTnLst>
+                              <p:par>
+                                <p:cTn id="9" presetID="1" presetClass="entr" presetSubtype="0" fill="hold" grpId="0" nodeType="clickEffect">
+                                  <p:stCondLst>
+                                    <p:cond delay="0"/>
+                                  </p:stCondLst>
+                                  <p:childTnLst>
+                                    <p:set>
+                                      <p:cBhvr>
+                                        <p:cTn id="10" dur="1" fill="hold">
+                                          <p:stCondLst>
+                                            <p:cond delay="0"/>
+                                          </p:stCondLst>
+                                        </p:cTn>
+                                        <p:tgtEl>
+                                          <p:spTgt spid="3">
+                                            <p:txEl>
+                                              <p:pRg st="1" end="1"/>
+                                            </p:txEl>
+                                          </p:spTgt>
+                                        </p:tgtEl>
+                                        <p:attrNameLst>
+                                          <p:attrName>style.visibility</p:attrName>
+                                        </p:attrNameLst>
+                                      </p:cBhvr>
+                                      <p:to>
+                                        <p:strVal val="visible"/>
+                                      </p:to>
+                                    </p:set>
+                                  </p:childTnLst>
+                                </p:cTn>
+                              </p:par>
+                            </p:childTnLst>
+                          </p:cTn>
+                        </p:par>
+                      </p:childTnLst>
+                    </p:cTn>
+                  </p:par>
+                  <p:par>
+                    <p:cTn id="11" fill="hold">
+                      <p:stCondLst>
+                        <p:cond delay="indefinite"/>
+                      </p:stCondLst>
+                      <p:childTnLst>
+                        <p:par>
+                          <p:cTn id="12" fill="hold">
+                            <p:stCondLst>
+                              <p:cond delay="0"/>
+                            </p:stCondLst>
+                            <p:childTnLst>
+                              <p:par>
+                                <p:cTn id="13" presetID="1" presetClass="entr" presetSubtype="0" fill="hold" grpId="0" nodeType="clickEffect">
+                                  <p:stCondLst>
+                                    <p:cond delay="0"/>
+                                  </p:stCondLst>
+                                  <p:childTnLst>
+                                    <p:set>
+                                      <p:cBhvr>
+                                        <p:cTn id="14" dur="1" fill="hold">
+                                          <p:stCondLst>
+                                            <p:cond delay="0"/>
+                                          </p:stCondLst>
+                                        </p:cTn>
+                                        <p:tgtEl>
+                                          <p:spTgt spid="3">
+                                            <p:txEl>
+                                              <p:pRg st="2" end="2"/>
+                                            </p:txEl>
+                                          </p:spTgt>
+                                        </p:tgtEl>
+                                        <p:attrNameLst>
+                                          <p:attrName>style.visibility</p:attrName>
+                                        </p:attrNameLst>
+                                      </p:cBhvr>
+                                      <p:to>
+                                        <p:strVal val="visible"/>
+                                      </p:to>
+                                    </p:set>
+                                  </p:childTnLst>
+                                </p:cTn>
+                              </p:par>
+                            </p:childTnLst>
+                          </p:cTn>
+                        </p:par>
+                      </p:childTnLst>
+                    </p:cTn>
+                  </p:par>
+                  <p:par>
+                    <p:cTn id="15" fill="hold">
+                      <p:stCondLst>
+                        <p:cond delay="indefinite"/>
+                      </p:stCondLst>
+                      <p:childTnLst>
+                        <p:par>
+                          <p:cTn id="16" fill="hold">
+                            <p:stCondLst>
+                              <p:cond delay="0"/>
+                            </p:stCondLst>
+                            <p:childTnLst>
+                              <p:par>
+                                <p:cTn id="17" presetID="1" presetClass="entr" presetSubtype="0" fill="hold" grpId="0" nodeType="clickEffect">
+                                  <p:stCondLst>
+                                    <p:cond delay="0"/>
+                                  </p:stCondLst>
+                                  <p:childTnLst>
+                                    <p:set>
+                                      <p:cBhvr>
+                                        <p:cTn id="18" dur="1" fill="hold">
+                                          <p:stCondLst>
+                                            <p:cond delay="0"/>
+                                          </p:stCondLst>
+                                        </p:cTn>
+                                        <p:tgtEl>
+                                          <p:spTgt spid="3">
+                                            <p:txEl>
+                                              <p:pRg st="3" end="3"/>
+                                            </p:txEl>
+                                          </p:spTgt>
+                                        </p:tgtEl>
+                                        <p:attrNameLst>
+                                          <p:attrName>style.visibility</p:attrName>
+                                        </p:attrNameLst>
+                                      </p:cBhvr>
+                                      <p:to>
+                                        <p:strVal val="visible"/>
+                                      </p:to>
+                                    </p:set>
+                                  </p:childTnLst>
+                                </p:cTn>
+                              </p:par>
+                            </p:childTnLst>
+                          </p:cTn>
+                        </p:par>
+                      </p:childTnLst>
+                    </p:cTn>
+                  </p:par>
+                </p:childTnLst>
+              </p:cTn>
+              <p:prevCondLst>
+                <p:cond evt="onPrev" delay="0">
+                  <p:tgtEl>
+                    <p:sldTgt/>
+                  </p:tgtEl>
+                </p:cond>
+              </p:prevCondLst>
+              <p:nextCondLst>
+                <p:cond evt="onNext" delay="0">
+                  <p:tgtEl>
+                    <p:sldTgt/>
+                  </p:tgtEl>
+                </p:cond>
+              </p:nextCondLst>
+            </p:seq>
+          </p:childTnLst>
+        </p:cTn>
       </p:par>
     </p:tnLst>
+    <p:bldLst>
+      <p:bldP spid="3" grpId="0" build="p"/>
+    </p:bldLst>
   </p:timing>
 </p:sld>
 </file>
 
-<file path=ppt/slides/slide16.xml><?xml version="1.0" encoding="utf-8"?>
+<file path=ppt/slides/slide18.xml><?xml version="1.0" encoding="utf-8"?>
+<p:sld xmlns:a="http://schemas.openxmlformats.org/drawingml/2006/main" xmlns:r="http://schemas.openxmlformats.org/officeDocument/2006/relationships" xmlns:p="http://schemas.openxmlformats.org/presentationml/2006/main">
+  <p:cSld>
+    <p:spTree>
+      <p:nvGrpSpPr>
+        <p:cNvPr id="1" name=""/>
+        <p:cNvGrpSpPr/>
+        <p:nvPr/>
+      </p:nvGrpSpPr>
+      <p:grpSpPr>
+        <a:xfrm>
+          <a:off x="0" y="0"/>
+          <a:ext cx="0" cy="0"/>
+          <a:chOff x="0" y="0"/>
+          <a:chExt cx="0" cy="0"/>
+        </a:xfrm>
+      </p:grpSpPr>
+      <p:pic>
+        <p:nvPicPr>
+          <p:cNvPr id="6" name="Picture 5"/>
+          <p:cNvPicPr>
+            <a:picLocks noChangeAspect="1"/>
+          </p:cNvPicPr>
+          <p:nvPr/>
+        </p:nvPicPr>
+        <p:blipFill>
+          <a:blip r:embed="rId2"/>
+          <a:stretch>
+            <a:fillRect/>
+          </a:stretch>
+        </p:blipFill>
+        <p:spPr>
+          <a:xfrm>
+            <a:off x="3622678" y="30007"/>
+            <a:ext cx="8493119" cy="6747311"/>
+          </a:xfrm>
+          <a:prstGeom prst="rect">
+            <a:avLst/>
+          </a:prstGeom>
+        </p:spPr>
+      </p:pic>
+      <p:sp>
+        <p:nvSpPr>
+          <p:cNvPr id="7" name="Content Placeholder 2"/>
+          <p:cNvSpPr>
+            <a:spLocks noGrp="1"/>
+          </p:cNvSpPr>
+          <p:nvPr>
+            <p:ph idx="1"/>
+          </p:nvPr>
+        </p:nvSpPr>
+        <p:spPr>
+          <a:xfrm>
+            <a:off x="5419" y="0"/>
+            <a:ext cx="5373405" cy="2622176"/>
+          </a:xfrm>
+        </p:spPr>
+        <p:txBody>
+          <a:bodyPr>
+            <a:normAutofit/>
+          </a:bodyPr>
+          <a:lstStyle/>
+          <a:p>
+            <a:r>
+              <a:rPr lang="en-CA" dirty="0"/>
+              <a:t>Same dataset, but for single-linkage distance metric</a:t>
+            </a:r>
+          </a:p>
+          <a:p>
+            <a:r>
+              <a:rPr lang="en-CA" b="1" dirty="0"/>
+              <a:t>Single linkage </a:t>
+            </a:r>
+            <a:r>
+              <a:rPr lang="en-CA" dirty="0"/>
+              <a:t>produces clusters with large diameters at low levels of the tree. Why? </a:t>
+            </a:r>
+          </a:p>
+          <a:p>
+            <a:endParaRPr lang="en-CA" dirty="0"/>
+          </a:p>
+        </p:txBody>
+      </p:sp>
+    </p:spTree>
+    <p:extLst>
+      <p:ext uri="{BB962C8B-B14F-4D97-AF65-F5344CB8AC3E}">
+        <p14:creationId xmlns:p14="http://schemas.microsoft.com/office/powerpoint/2010/main" val="3152941279"/>
+      </p:ext>
+    </p:extLst>
+  </p:cSld>
+  <p:clrMapOvr>
+    <a:masterClrMapping/>
+  </p:clrMapOvr>
+  <p:timing>
+    <p:tnLst>
+      <p:par>
+        <p:cTn id="1" dur="indefinite" restart="never" nodeType="tmRoot">
+          <p:childTnLst>
+            <p:seq concurrent="1" nextAc="seek">
+              <p:cTn id="2" dur="indefinite" nodeType="mainSeq">
+                <p:childTnLst>
+                  <p:par>
+                    <p:cTn id="3" fill="hold">
+                      <p:stCondLst>
+                        <p:cond delay="indefinite"/>
+                      </p:stCondLst>
+                      <p:childTnLst>
+                        <p:par>
+                          <p:cTn id="4" fill="hold">
+                            <p:stCondLst>
+                              <p:cond delay="0"/>
+                            </p:stCondLst>
+                            <p:childTnLst>
+                              <p:par>
+                                <p:cTn id="5" presetID="1" presetClass="entr" presetSubtype="0" fill="hold" grpId="0" nodeType="clickEffect">
+                                  <p:stCondLst>
+                                    <p:cond delay="0"/>
+                                  </p:stCondLst>
+                                  <p:childTnLst>
+                                    <p:set>
+                                      <p:cBhvr>
+                                        <p:cTn id="6" dur="1" fill="hold">
+                                          <p:stCondLst>
+                                            <p:cond delay="0"/>
+                                          </p:stCondLst>
+                                        </p:cTn>
+                                        <p:tgtEl>
+                                          <p:spTgt spid="7">
+                                            <p:txEl>
+                                              <p:pRg st="0" end="0"/>
+                                            </p:txEl>
+                                          </p:spTgt>
+                                        </p:tgtEl>
+                                        <p:attrNameLst>
+                                          <p:attrName>style.visibility</p:attrName>
+                                        </p:attrNameLst>
+                                      </p:cBhvr>
+                                      <p:to>
+                                        <p:strVal val="visible"/>
+                                      </p:to>
+                                    </p:set>
+                                  </p:childTnLst>
+                                </p:cTn>
+                              </p:par>
+                            </p:childTnLst>
+                          </p:cTn>
+                        </p:par>
+                      </p:childTnLst>
+                    </p:cTn>
+                  </p:par>
+                  <p:par>
+                    <p:cTn id="7" fill="hold">
+                      <p:stCondLst>
+                        <p:cond delay="indefinite"/>
+                      </p:stCondLst>
+                      <p:childTnLst>
+                        <p:par>
+                          <p:cTn id="8" fill="hold">
+                            <p:stCondLst>
+                              <p:cond delay="0"/>
+                            </p:stCondLst>
+                            <p:childTnLst>
+                              <p:par>
+                                <p:cTn id="9" presetID="1" presetClass="entr" presetSubtype="0" fill="hold" grpId="0" nodeType="clickEffect">
+                                  <p:stCondLst>
+                                    <p:cond delay="0"/>
+                                  </p:stCondLst>
+                                  <p:childTnLst>
+                                    <p:set>
+                                      <p:cBhvr>
+                                        <p:cTn id="10" dur="1" fill="hold">
+                                          <p:stCondLst>
+                                            <p:cond delay="0"/>
+                                          </p:stCondLst>
+                                        </p:cTn>
+                                        <p:tgtEl>
+                                          <p:spTgt spid="7">
+                                            <p:txEl>
+                                              <p:pRg st="1" end="1"/>
+                                            </p:txEl>
+                                          </p:spTgt>
+                                        </p:tgtEl>
+                                        <p:attrNameLst>
+                                          <p:attrName>style.visibility</p:attrName>
+                                        </p:attrNameLst>
+                                      </p:cBhvr>
+                                      <p:to>
+                                        <p:strVal val="visible"/>
+                                      </p:to>
+                                    </p:set>
+                                  </p:childTnLst>
+                                </p:cTn>
+                              </p:par>
+                            </p:childTnLst>
+                          </p:cTn>
+                        </p:par>
+                      </p:childTnLst>
+                    </p:cTn>
+                  </p:par>
+                </p:childTnLst>
+              </p:cTn>
+              <p:prevCondLst>
+                <p:cond evt="onPrev" delay="0">
+                  <p:tgtEl>
+                    <p:sldTgt/>
+                  </p:tgtEl>
+                </p:cond>
+              </p:prevCondLst>
+              <p:nextCondLst>
+                <p:cond evt="onNext" delay="0">
+                  <p:tgtEl>
+                    <p:sldTgt/>
+                  </p:tgtEl>
+                </p:cond>
+              </p:nextCondLst>
+            </p:seq>
+          </p:childTnLst>
+        </p:cTn>
+      </p:par>
+    </p:tnLst>
+    <p:bldLst>
+      <p:bldP spid="7" grpId="0" build="p"/>
+    </p:bldLst>
+  </p:timing>
+</p:sld>
+</file>
+
+<file path=ppt/slides/slide19.xml><?xml version="1.0" encoding="utf-8"?>
 <p:sld xmlns:a="http://schemas.openxmlformats.org/drawingml/2006/main" xmlns:r="http://schemas.openxmlformats.org/officeDocument/2006/relationships" xmlns:p="http://schemas.openxmlformats.org/presentationml/2006/main">
   <p:cSld>
     <p:spTree>
@@ -4885,12 +7598,12 @@
         <p:spPr>
           <a:xfrm>
             <a:off x="0" y="1540019"/>
-            <a:ext cx="3823855" cy="5317981"/>
+            <a:ext cx="3422843" cy="5317981"/>
           </a:xfrm>
         </p:spPr>
         <p:txBody>
           <a:bodyPr>
-            <a:normAutofit lnSpcReduction="10000"/>
+            <a:normAutofit fontScale="77500" lnSpcReduction="20000"/>
           </a:bodyPr>
           <a:lstStyle/>
           <a:p>
@@ -4908,8 +7621,35 @@
           <a:p>
             <a:r>
               <a:rPr lang="en-CA" dirty="0" smtClean="0"/>
-              <a:t>Incremental clustering works incrementally, instance by instance</a:t>
-            </a:r>
+              <a:t>Incremental clustering works incrementally</a:t>
+            </a:r>
+            <a:r>
+              <a:rPr lang="en-CA" dirty="0" smtClean="0"/>
+              <a:t>, building a tree </a:t>
+            </a:r>
+            <a:r>
+              <a:rPr lang="en-CA" dirty="0" smtClean="0"/>
+              <a:t>instance by </a:t>
+            </a:r>
+            <a:r>
+              <a:rPr lang="en-CA" dirty="0" smtClean="0"/>
+              <a:t>instance</a:t>
+            </a:r>
+          </a:p>
+          <a:p>
+            <a:r>
+              <a:rPr lang="en-CA" dirty="0" smtClean="0"/>
+              <a:t>The key in deciding how and where to update the tree is a quantity called </a:t>
+            </a:r>
+            <a:r>
+              <a:rPr lang="en-CA" i="1" dirty="0" smtClean="0"/>
+              <a:t>category utility </a:t>
+            </a:r>
+            <a:r>
+              <a:rPr lang="en-CA" dirty="0" smtClean="0"/>
+              <a:t>which measures the overall quality of a partition into clusters</a:t>
+            </a:r>
+            <a:endParaRPr lang="en-CA" i="1" dirty="0" smtClean="0"/>
           </a:p>
           <a:p>
             <a:r>
@@ -5026,7 +7766,7 @@
         </p:blipFill>
         <p:spPr>
           <a:xfrm>
-            <a:off x="8624277" y="1681140"/>
+            <a:off x="8624277" y="1694587"/>
             <a:ext cx="3533577" cy="1736741"/>
           </a:xfrm>
           <a:prstGeom prst="rect">
@@ -5303,14 +8043,1340 @@
   <p:timing>
     <p:tnLst>
       <p:par>
-        <p:cTn id="1" dur="indefinite" restart="never" nodeType="tmRoot"/>
+        <p:cTn id="1" dur="indefinite" restart="never" nodeType="tmRoot">
+          <p:childTnLst>
+            <p:seq concurrent="1" nextAc="seek">
+              <p:cTn id="2" dur="indefinite" nodeType="mainSeq">
+                <p:childTnLst>
+                  <p:par>
+                    <p:cTn id="3" fill="hold">
+                      <p:stCondLst>
+                        <p:cond delay="indefinite"/>
+                      </p:stCondLst>
+                      <p:childTnLst>
+                        <p:par>
+                          <p:cTn id="4" fill="hold">
+                            <p:stCondLst>
+                              <p:cond delay="0"/>
+                            </p:stCondLst>
+                            <p:childTnLst>
+                              <p:par>
+                                <p:cTn id="5" presetID="1" presetClass="entr" presetSubtype="0" fill="hold" grpId="0" nodeType="clickEffect">
+                                  <p:stCondLst>
+                                    <p:cond delay="0"/>
+                                  </p:stCondLst>
+                                  <p:childTnLst>
+                                    <p:set>
+                                      <p:cBhvr>
+                                        <p:cTn id="6" dur="1" fill="hold">
+                                          <p:stCondLst>
+                                            <p:cond delay="0"/>
+                                          </p:stCondLst>
+                                        </p:cTn>
+                                        <p:tgtEl>
+                                          <p:spTgt spid="3">
+                                            <p:txEl>
+                                              <p:pRg st="0" end="0"/>
+                                            </p:txEl>
+                                          </p:spTgt>
+                                        </p:tgtEl>
+                                        <p:attrNameLst>
+                                          <p:attrName>style.visibility</p:attrName>
+                                        </p:attrNameLst>
+                                      </p:cBhvr>
+                                      <p:to>
+                                        <p:strVal val="visible"/>
+                                      </p:to>
+                                    </p:set>
+                                  </p:childTnLst>
+                                </p:cTn>
+                              </p:par>
+                            </p:childTnLst>
+                          </p:cTn>
+                        </p:par>
+                      </p:childTnLst>
+                    </p:cTn>
+                  </p:par>
+                  <p:par>
+                    <p:cTn id="7" fill="hold">
+                      <p:stCondLst>
+                        <p:cond delay="indefinite"/>
+                      </p:stCondLst>
+                      <p:childTnLst>
+                        <p:par>
+                          <p:cTn id="8" fill="hold">
+                            <p:stCondLst>
+                              <p:cond delay="0"/>
+                            </p:stCondLst>
+                            <p:childTnLst>
+                              <p:par>
+                                <p:cTn id="9" presetID="1" presetClass="entr" presetSubtype="0" fill="hold" grpId="0" nodeType="clickEffect">
+                                  <p:stCondLst>
+                                    <p:cond delay="0"/>
+                                  </p:stCondLst>
+                                  <p:childTnLst>
+                                    <p:set>
+                                      <p:cBhvr>
+                                        <p:cTn id="10" dur="1" fill="hold">
+                                          <p:stCondLst>
+                                            <p:cond delay="0"/>
+                                          </p:stCondLst>
+                                        </p:cTn>
+                                        <p:tgtEl>
+                                          <p:spTgt spid="3">
+                                            <p:txEl>
+                                              <p:pRg st="1" end="1"/>
+                                            </p:txEl>
+                                          </p:spTgt>
+                                        </p:tgtEl>
+                                        <p:attrNameLst>
+                                          <p:attrName>style.visibility</p:attrName>
+                                        </p:attrNameLst>
+                                      </p:cBhvr>
+                                      <p:to>
+                                        <p:strVal val="visible"/>
+                                      </p:to>
+                                    </p:set>
+                                  </p:childTnLst>
+                                </p:cTn>
+                              </p:par>
+                            </p:childTnLst>
+                          </p:cTn>
+                        </p:par>
+                      </p:childTnLst>
+                    </p:cTn>
+                  </p:par>
+                  <p:par>
+                    <p:cTn id="11" fill="hold">
+                      <p:stCondLst>
+                        <p:cond delay="indefinite"/>
+                      </p:stCondLst>
+                      <p:childTnLst>
+                        <p:par>
+                          <p:cTn id="12" fill="hold">
+                            <p:stCondLst>
+                              <p:cond delay="0"/>
+                            </p:stCondLst>
+                            <p:childTnLst>
+                              <p:par>
+                                <p:cTn id="13" presetID="1" presetClass="entr" presetSubtype="0" fill="hold" grpId="0" nodeType="clickEffect">
+                                  <p:stCondLst>
+                                    <p:cond delay="0"/>
+                                  </p:stCondLst>
+                                  <p:childTnLst>
+                                    <p:set>
+                                      <p:cBhvr>
+                                        <p:cTn id="14" dur="1" fill="hold">
+                                          <p:stCondLst>
+                                            <p:cond delay="0"/>
+                                          </p:stCondLst>
+                                        </p:cTn>
+                                        <p:tgtEl>
+                                          <p:spTgt spid="3">
+                                            <p:txEl>
+                                              <p:pRg st="2" end="2"/>
+                                            </p:txEl>
+                                          </p:spTgt>
+                                        </p:tgtEl>
+                                        <p:attrNameLst>
+                                          <p:attrName>style.visibility</p:attrName>
+                                        </p:attrNameLst>
+                                      </p:cBhvr>
+                                      <p:to>
+                                        <p:strVal val="visible"/>
+                                      </p:to>
+                                    </p:set>
+                                  </p:childTnLst>
+                                </p:cTn>
+                              </p:par>
+                            </p:childTnLst>
+                          </p:cTn>
+                        </p:par>
+                      </p:childTnLst>
+                    </p:cTn>
+                  </p:par>
+                  <p:par>
+                    <p:cTn id="15" fill="hold">
+                      <p:stCondLst>
+                        <p:cond delay="indefinite"/>
+                      </p:stCondLst>
+                      <p:childTnLst>
+                        <p:par>
+                          <p:cTn id="16" fill="hold">
+                            <p:stCondLst>
+                              <p:cond delay="0"/>
+                            </p:stCondLst>
+                            <p:childTnLst>
+                              <p:par>
+                                <p:cTn id="17" presetID="1" presetClass="entr" presetSubtype="0" fill="hold" grpId="0" nodeType="clickEffect">
+                                  <p:stCondLst>
+                                    <p:cond delay="0"/>
+                                  </p:stCondLst>
+                                  <p:childTnLst>
+                                    <p:set>
+                                      <p:cBhvr>
+                                        <p:cTn id="18" dur="1" fill="hold">
+                                          <p:stCondLst>
+                                            <p:cond delay="0"/>
+                                          </p:stCondLst>
+                                        </p:cTn>
+                                        <p:tgtEl>
+                                          <p:spTgt spid="3">
+                                            <p:txEl>
+                                              <p:pRg st="3" end="3"/>
+                                            </p:txEl>
+                                          </p:spTgt>
+                                        </p:tgtEl>
+                                        <p:attrNameLst>
+                                          <p:attrName>style.visibility</p:attrName>
+                                        </p:attrNameLst>
+                                      </p:cBhvr>
+                                      <p:to>
+                                        <p:strVal val="visible"/>
+                                      </p:to>
+                                    </p:set>
+                                  </p:childTnLst>
+                                </p:cTn>
+                              </p:par>
+                            </p:childTnLst>
+                          </p:cTn>
+                        </p:par>
+                      </p:childTnLst>
+                    </p:cTn>
+                  </p:par>
+                  <p:par>
+                    <p:cTn id="19" fill="hold">
+                      <p:stCondLst>
+                        <p:cond delay="indefinite"/>
+                      </p:stCondLst>
+                      <p:childTnLst>
+                        <p:par>
+                          <p:cTn id="20" fill="hold">
+                            <p:stCondLst>
+                              <p:cond delay="0"/>
+                            </p:stCondLst>
+                            <p:childTnLst>
+                              <p:par>
+                                <p:cTn id="21" presetID="1" presetClass="entr" presetSubtype="0" fill="hold" grpId="0" nodeType="clickEffect">
+                                  <p:stCondLst>
+                                    <p:cond delay="0"/>
+                                  </p:stCondLst>
+                                  <p:childTnLst>
+                                    <p:set>
+                                      <p:cBhvr>
+                                        <p:cTn id="22" dur="1" fill="hold">
+                                          <p:stCondLst>
+                                            <p:cond delay="0"/>
+                                          </p:stCondLst>
+                                        </p:cTn>
+                                        <p:tgtEl>
+                                          <p:spTgt spid="3">
+                                            <p:txEl>
+                                              <p:pRg st="4" end="4"/>
+                                            </p:txEl>
+                                          </p:spTgt>
+                                        </p:tgtEl>
+                                        <p:attrNameLst>
+                                          <p:attrName>style.visibility</p:attrName>
+                                        </p:attrNameLst>
+                                      </p:cBhvr>
+                                      <p:to>
+                                        <p:strVal val="visible"/>
+                                      </p:to>
+                                    </p:set>
+                                  </p:childTnLst>
+                                </p:cTn>
+                              </p:par>
+                            </p:childTnLst>
+                          </p:cTn>
+                        </p:par>
+                      </p:childTnLst>
+                    </p:cTn>
+                  </p:par>
+                  <p:par>
+                    <p:cTn id="23" fill="hold">
+                      <p:stCondLst>
+                        <p:cond delay="indefinite"/>
+                      </p:stCondLst>
+                      <p:childTnLst>
+                        <p:par>
+                          <p:cTn id="24" fill="hold">
+                            <p:stCondLst>
+                              <p:cond delay="0"/>
+                            </p:stCondLst>
+                            <p:childTnLst>
+                              <p:par>
+                                <p:cTn id="25" presetID="1" presetClass="entr" presetSubtype="0" fill="hold" nodeType="clickEffect">
+                                  <p:stCondLst>
+                                    <p:cond delay="0"/>
+                                  </p:stCondLst>
+                                  <p:childTnLst>
+                                    <p:set>
+                                      <p:cBhvr>
+                                        <p:cTn id="26" dur="1" fill="hold">
+                                          <p:stCondLst>
+                                            <p:cond delay="0"/>
+                                          </p:stCondLst>
+                                        </p:cTn>
+                                        <p:tgtEl>
+                                          <p:spTgt spid="5"/>
+                                        </p:tgtEl>
+                                        <p:attrNameLst>
+                                          <p:attrName>style.visibility</p:attrName>
+                                        </p:attrNameLst>
+                                      </p:cBhvr>
+                                      <p:to>
+                                        <p:strVal val="visible"/>
+                                      </p:to>
+                                    </p:set>
+                                  </p:childTnLst>
+                                </p:cTn>
+                              </p:par>
+                              <p:par>
+                                <p:cTn id="27" presetID="1" presetClass="entr" presetSubtype="0" fill="hold" grpId="0" nodeType="withEffect">
+                                  <p:stCondLst>
+                                    <p:cond delay="0"/>
+                                  </p:stCondLst>
+                                  <p:childTnLst>
+                                    <p:set>
+                                      <p:cBhvr>
+                                        <p:cTn id="28" dur="1" fill="hold">
+                                          <p:stCondLst>
+                                            <p:cond delay="0"/>
+                                          </p:stCondLst>
+                                        </p:cTn>
+                                        <p:tgtEl>
+                                          <p:spTgt spid="11"/>
+                                        </p:tgtEl>
+                                        <p:attrNameLst>
+                                          <p:attrName>style.visibility</p:attrName>
+                                        </p:attrNameLst>
+                                      </p:cBhvr>
+                                      <p:to>
+                                        <p:strVal val="visible"/>
+                                      </p:to>
+                                    </p:set>
+                                  </p:childTnLst>
+                                </p:cTn>
+                              </p:par>
+                            </p:childTnLst>
+                          </p:cTn>
+                        </p:par>
+                      </p:childTnLst>
+                    </p:cTn>
+                  </p:par>
+                  <p:par>
+                    <p:cTn id="29" fill="hold">
+                      <p:stCondLst>
+                        <p:cond delay="indefinite"/>
+                      </p:stCondLst>
+                      <p:childTnLst>
+                        <p:par>
+                          <p:cTn id="30" fill="hold">
+                            <p:stCondLst>
+                              <p:cond delay="0"/>
+                            </p:stCondLst>
+                            <p:childTnLst>
+                              <p:par>
+                                <p:cTn id="31" presetID="1" presetClass="entr" presetSubtype="0" fill="hold" nodeType="clickEffect">
+                                  <p:stCondLst>
+                                    <p:cond delay="0"/>
+                                  </p:stCondLst>
+                                  <p:childTnLst>
+                                    <p:set>
+                                      <p:cBhvr>
+                                        <p:cTn id="32" dur="1" fill="hold">
+                                          <p:stCondLst>
+                                            <p:cond delay="0"/>
+                                          </p:stCondLst>
+                                        </p:cTn>
+                                        <p:tgtEl>
+                                          <p:spTgt spid="6"/>
+                                        </p:tgtEl>
+                                        <p:attrNameLst>
+                                          <p:attrName>style.visibility</p:attrName>
+                                        </p:attrNameLst>
+                                      </p:cBhvr>
+                                      <p:to>
+                                        <p:strVal val="visible"/>
+                                      </p:to>
+                                    </p:set>
+                                  </p:childTnLst>
+                                </p:cTn>
+                              </p:par>
+                              <p:par>
+                                <p:cTn id="33" presetID="1" presetClass="entr" presetSubtype="0" fill="hold" grpId="0" nodeType="withEffect">
+                                  <p:stCondLst>
+                                    <p:cond delay="0"/>
+                                  </p:stCondLst>
+                                  <p:childTnLst>
+                                    <p:set>
+                                      <p:cBhvr>
+                                        <p:cTn id="34" dur="1" fill="hold">
+                                          <p:stCondLst>
+                                            <p:cond delay="0"/>
+                                          </p:stCondLst>
+                                        </p:cTn>
+                                        <p:tgtEl>
+                                          <p:spTgt spid="12"/>
+                                        </p:tgtEl>
+                                        <p:attrNameLst>
+                                          <p:attrName>style.visibility</p:attrName>
+                                        </p:attrNameLst>
+                                      </p:cBhvr>
+                                      <p:to>
+                                        <p:strVal val="visible"/>
+                                      </p:to>
+                                    </p:set>
+                                  </p:childTnLst>
+                                </p:cTn>
+                              </p:par>
+                            </p:childTnLst>
+                          </p:cTn>
+                        </p:par>
+                      </p:childTnLst>
+                    </p:cTn>
+                  </p:par>
+                  <p:par>
+                    <p:cTn id="35" fill="hold">
+                      <p:stCondLst>
+                        <p:cond delay="indefinite"/>
+                      </p:stCondLst>
+                      <p:childTnLst>
+                        <p:par>
+                          <p:cTn id="36" fill="hold">
+                            <p:stCondLst>
+                              <p:cond delay="0"/>
+                            </p:stCondLst>
+                            <p:childTnLst>
+                              <p:par>
+                                <p:cTn id="37" presetID="1" presetClass="entr" presetSubtype="0" fill="hold" nodeType="clickEffect">
+                                  <p:stCondLst>
+                                    <p:cond delay="0"/>
+                                  </p:stCondLst>
+                                  <p:childTnLst>
+                                    <p:set>
+                                      <p:cBhvr>
+                                        <p:cTn id="38" dur="1" fill="hold">
+                                          <p:stCondLst>
+                                            <p:cond delay="0"/>
+                                          </p:stCondLst>
+                                        </p:cTn>
+                                        <p:tgtEl>
+                                          <p:spTgt spid="7"/>
+                                        </p:tgtEl>
+                                        <p:attrNameLst>
+                                          <p:attrName>style.visibility</p:attrName>
+                                        </p:attrNameLst>
+                                      </p:cBhvr>
+                                      <p:to>
+                                        <p:strVal val="visible"/>
+                                      </p:to>
+                                    </p:set>
+                                  </p:childTnLst>
+                                </p:cTn>
+                              </p:par>
+                              <p:par>
+                                <p:cTn id="39" presetID="1" presetClass="entr" presetSubtype="0" fill="hold" grpId="0" nodeType="withEffect">
+                                  <p:stCondLst>
+                                    <p:cond delay="0"/>
+                                  </p:stCondLst>
+                                  <p:childTnLst>
+                                    <p:set>
+                                      <p:cBhvr>
+                                        <p:cTn id="40" dur="1" fill="hold">
+                                          <p:stCondLst>
+                                            <p:cond delay="0"/>
+                                          </p:stCondLst>
+                                        </p:cTn>
+                                        <p:tgtEl>
+                                          <p:spTgt spid="13"/>
+                                        </p:tgtEl>
+                                        <p:attrNameLst>
+                                          <p:attrName>style.visibility</p:attrName>
+                                        </p:attrNameLst>
+                                      </p:cBhvr>
+                                      <p:to>
+                                        <p:strVal val="visible"/>
+                                      </p:to>
+                                    </p:set>
+                                  </p:childTnLst>
+                                </p:cTn>
+                              </p:par>
+                            </p:childTnLst>
+                          </p:cTn>
+                        </p:par>
+                      </p:childTnLst>
+                    </p:cTn>
+                  </p:par>
+                  <p:par>
+                    <p:cTn id="41" fill="hold">
+                      <p:stCondLst>
+                        <p:cond delay="indefinite"/>
+                      </p:stCondLst>
+                      <p:childTnLst>
+                        <p:par>
+                          <p:cTn id="42" fill="hold">
+                            <p:stCondLst>
+                              <p:cond delay="0"/>
+                            </p:stCondLst>
+                            <p:childTnLst>
+                              <p:par>
+                                <p:cTn id="43" presetID="1" presetClass="entr" presetSubtype="0" fill="hold" nodeType="clickEffect">
+                                  <p:stCondLst>
+                                    <p:cond delay="0"/>
+                                  </p:stCondLst>
+                                  <p:childTnLst>
+                                    <p:set>
+                                      <p:cBhvr>
+                                        <p:cTn id="44" dur="1" fill="hold">
+                                          <p:stCondLst>
+                                            <p:cond delay="0"/>
+                                          </p:stCondLst>
+                                        </p:cTn>
+                                        <p:tgtEl>
+                                          <p:spTgt spid="8"/>
+                                        </p:tgtEl>
+                                        <p:attrNameLst>
+                                          <p:attrName>style.visibility</p:attrName>
+                                        </p:attrNameLst>
+                                      </p:cBhvr>
+                                      <p:to>
+                                        <p:strVal val="visible"/>
+                                      </p:to>
+                                    </p:set>
+                                  </p:childTnLst>
+                                </p:cTn>
+                              </p:par>
+                              <p:par>
+                                <p:cTn id="45" presetID="1" presetClass="entr" presetSubtype="0" fill="hold" grpId="0" nodeType="withEffect">
+                                  <p:stCondLst>
+                                    <p:cond delay="0"/>
+                                  </p:stCondLst>
+                                  <p:childTnLst>
+                                    <p:set>
+                                      <p:cBhvr>
+                                        <p:cTn id="46" dur="1" fill="hold">
+                                          <p:stCondLst>
+                                            <p:cond delay="0"/>
+                                          </p:stCondLst>
+                                        </p:cTn>
+                                        <p:tgtEl>
+                                          <p:spTgt spid="15"/>
+                                        </p:tgtEl>
+                                        <p:attrNameLst>
+                                          <p:attrName>style.visibility</p:attrName>
+                                        </p:attrNameLst>
+                                      </p:cBhvr>
+                                      <p:to>
+                                        <p:strVal val="visible"/>
+                                      </p:to>
+                                    </p:set>
+                                  </p:childTnLst>
+                                </p:cTn>
+                              </p:par>
+                            </p:childTnLst>
+                          </p:cTn>
+                        </p:par>
+                      </p:childTnLst>
+                    </p:cTn>
+                  </p:par>
+                  <p:par>
+                    <p:cTn id="47" fill="hold">
+                      <p:stCondLst>
+                        <p:cond delay="indefinite"/>
+                      </p:stCondLst>
+                      <p:childTnLst>
+                        <p:par>
+                          <p:cTn id="48" fill="hold">
+                            <p:stCondLst>
+                              <p:cond delay="0"/>
+                            </p:stCondLst>
+                            <p:childTnLst>
+                              <p:par>
+                                <p:cTn id="49" presetID="1" presetClass="entr" presetSubtype="0" fill="hold" grpId="0" nodeType="clickEffect">
+                                  <p:stCondLst>
+                                    <p:cond delay="0"/>
+                                  </p:stCondLst>
+                                  <p:childTnLst>
+                                    <p:set>
+                                      <p:cBhvr>
+                                        <p:cTn id="50" dur="1" fill="hold">
+                                          <p:stCondLst>
+                                            <p:cond delay="0"/>
+                                          </p:stCondLst>
+                                        </p:cTn>
+                                        <p:tgtEl>
+                                          <p:spTgt spid="16"/>
+                                        </p:tgtEl>
+                                        <p:attrNameLst>
+                                          <p:attrName>style.visibility</p:attrName>
+                                        </p:attrNameLst>
+                                      </p:cBhvr>
+                                      <p:to>
+                                        <p:strVal val="visible"/>
+                                      </p:to>
+                                    </p:set>
+                                  </p:childTnLst>
+                                </p:cTn>
+                              </p:par>
+                            </p:childTnLst>
+                          </p:cTn>
+                        </p:par>
+                      </p:childTnLst>
+                    </p:cTn>
+                  </p:par>
+                  <p:par>
+                    <p:cTn id="51" fill="hold">
+                      <p:stCondLst>
+                        <p:cond delay="indefinite"/>
+                      </p:stCondLst>
+                      <p:childTnLst>
+                        <p:par>
+                          <p:cTn id="52" fill="hold">
+                            <p:stCondLst>
+                              <p:cond delay="0"/>
+                            </p:stCondLst>
+                            <p:childTnLst>
+                              <p:par>
+                                <p:cTn id="53" presetID="1" presetClass="entr" presetSubtype="0" fill="hold" nodeType="clickEffect">
+                                  <p:stCondLst>
+                                    <p:cond delay="0"/>
+                                  </p:stCondLst>
+                                  <p:childTnLst>
+                                    <p:set>
+                                      <p:cBhvr>
+                                        <p:cTn id="54" dur="1" fill="hold">
+                                          <p:stCondLst>
+                                            <p:cond delay="0"/>
+                                          </p:stCondLst>
+                                        </p:cTn>
+                                        <p:tgtEl>
+                                          <p:spTgt spid="9"/>
+                                        </p:tgtEl>
+                                        <p:attrNameLst>
+                                          <p:attrName>style.visibility</p:attrName>
+                                        </p:attrNameLst>
+                                      </p:cBhvr>
+                                      <p:to>
+                                        <p:strVal val="visible"/>
+                                      </p:to>
+                                    </p:set>
+                                  </p:childTnLst>
+                                </p:cTn>
+                              </p:par>
+                              <p:par>
+                                <p:cTn id="55" presetID="1" presetClass="entr" presetSubtype="0" fill="hold" grpId="0" nodeType="withEffect">
+                                  <p:stCondLst>
+                                    <p:cond delay="0"/>
+                                  </p:stCondLst>
+                                  <p:childTnLst>
+                                    <p:set>
+                                      <p:cBhvr>
+                                        <p:cTn id="56" dur="1" fill="hold">
+                                          <p:stCondLst>
+                                            <p:cond delay="0"/>
+                                          </p:stCondLst>
+                                        </p:cTn>
+                                        <p:tgtEl>
+                                          <p:spTgt spid="17"/>
+                                        </p:tgtEl>
+                                        <p:attrNameLst>
+                                          <p:attrName>style.visibility</p:attrName>
+                                        </p:attrNameLst>
+                                      </p:cBhvr>
+                                      <p:to>
+                                        <p:strVal val="visible"/>
+                                      </p:to>
+                                    </p:set>
+                                  </p:childTnLst>
+                                </p:cTn>
+                              </p:par>
+                            </p:childTnLst>
+                          </p:cTn>
+                        </p:par>
+                      </p:childTnLst>
+                    </p:cTn>
+                  </p:par>
+                  <p:par>
+                    <p:cTn id="57" fill="hold">
+                      <p:stCondLst>
+                        <p:cond delay="indefinite"/>
+                      </p:stCondLst>
+                      <p:childTnLst>
+                        <p:par>
+                          <p:cTn id="58" fill="hold">
+                            <p:stCondLst>
+                              <p:cond delay="0"/>
+                            </p:stCondLst>
+                            <p:childTnLst>
+                              <p:par>
+                                <p:cTn id="59" presetID="1" presetClass="entr" presetSubtype="0" fill="hold" grpId="0" nodeType="clickEffect">
+                                  <p:stCondLst>
+                                    <p:cond delay="0"/>
+                                  </p:stCondLst>
+                                  <p:childTnLst>
+                                    <p:set>
+                                      <p:cBhvr>
+                                        <p:cTn id="60" dur="1" fill="hold">
+                                          <p:stCondLst>
+                                            <p:cond delay="0"/>
+                                          </p:stCondLst>
+                                        </p:cTn>
+                                        <p:tgtEl>
+                                          <p:spTgt spid="19"/>
+                                        </p:tgtEl>
+                                        <p:attrNameLst>
+                                          <p:attrName>style.visibility</p:attrName>
+                                        </p:attrNameLst>
+                                      </p:cBhvr>
+                                      <p:to>
+                                        <p:strVal val="visible"/>
+                                      </p:to>
+                                    </p:set>
+                                  </p:childTnLst>
+                                </p:cTn>
+                              </p:par>
+                              <p:par>
+                                <p:cTn id="61" presetID="1" presetClass="entr" presetSubtype="0" fill="hold" nodeType="withEffect">
+                                  <p:stCondLst>
+                                    <p:cond delay="0"/>
+                                  </p:stCondLst>
+                                  <p:childTnLst>
+                                    <p:set>
+                                      <p:cBhvr>
+                                        <p:cTn id="62" dur="1" fill="hold">
+                                          <p:stCondLst>
+                                            <p:cond delay="0"/>
+                                          </p:stCondLst>
+                                        </p:cTn>
+                                        <p:tgtEl>
+                                          <p:spTgt spid="10"/>
+                                        </p:tgtEl>
+                                        <p:attrNameLst>
+                                          <p:attrName>style.visibility</p:attrName>
+                                        </p:attrNameLst>
+                                      </p:cBhvr>
+                                      <p:to>
+                                        <p:strVal val="visible"/>
+                                      </p:to>
+                                    </p:set>
+                                  </p:childTnLst>
+                                </p:cTn>
+                              </p:par>
+                            </p:childTnLst>
+                          </p:cTn>
+                        </p:par>
+                      </p:childTnLst>
+                    </p:cTn>
+                  </p:par>
+                </p:childTnLst>
+              </p:cTn>
+              <p:prevCondLst>
+                <p:cond evt="onPrev" delay="0">
+                  <p:tgtEl>
+                    <p:sldTgt/>
+                  </p:tgtEl>
+                </p:cond>
+              </p:prevCondLst>
+              <p:nextCondLst>
+                <p:cond evt="onNext" delay="0">
+                  <p:tgtEl>
+                    <p:sldTgt/>
+                  </p:tgtEl>
+                </p:cond>
+              </p:nextCondLst>
+            </p:seq>
+          </p:childTnLst>
+        </p:cTn>
       </p:par>
     </p:tnLst>
+    <p:bldLst>
+      <p:bldP spid="3" grpId="0" build="p"/>
+      <p:bldP spid="13" grpId="0"/>
+      <p:bldP spid="11" grpId="0"/>
+      <p:bldP spid="15" grpId="0"/>
+      <p:bldP spid="16" grpId="0"/>
+      <p:bldP spid="17" grpId="0"/>
+      <p:bldP spid="12" grpId="0"/>
+      <p:bldP spid="19" grpId="0"/>
+    </p:bldLst>
   </p:timing>
 </p:sld>
 </file>
 
-<file path=ppt/slides/slide17.xml><?xml version="1.0" encoding="utf-8"?>
+<file path=ppt/slides/slide2.xml><?xml version="1.0" encoding="utf-8"?>
+<p:sld xmlns:a="http://schemas.openxmlformats.org/drawingml/2006/main" xmlns:r="http://schemas.openxmlformats.org/officeDocument/2006/relationships" xmlns:p="http://schemas.openxmlformats.org/presentationml/2006/main">
+  <p:cSld>
+    <p:spTree>
+      <p:nvGrpSpPr>
+        <p:cNvPr id="1" name=""/>
+        <p:cNvGrpSpPr/>
+        <p:nvPr/>
+      </p:nvGrpSpPr>
+      <p:grpSpPr>
+        <a:xfrm>
+          <a:off x="0" y="0"/>
+          <a:ext cx="0" cy="0"/>
+          <a:chOff x="0" y="0"/>
+          <a:chExt cx="0" cy="0"/>
+        </a:xfrm>
+      </p:grpSpPr>
+      <p:sp>
+        <p:nvSpPr>
+          <p:cNvPr id="2" name="Title 1"/>
+          <p:cNvSpPr>
+            <a:spLocks noGrp="1"/>
+          </p:cNvSpPr>
+          <p:nvPr>
+            <p:ph type="title"/>
+          </p:nvPr>
+        </p:nvSpPr>
+        <p:spPr/>
+        <p:txBody>
+          <a:bodyPr/>
+          <a:lstStyle/>
+          <a:p>
+            <a:r>
+              <a:rPr lang="en-CA" dirty="0" smtClean="0"/>
+              <a:t>4.7 Instance based </a:t>
+            </a:r>
+            <a:r>
+              <a:rPr lang="en-CA" dirty="0" smtClean="0"/>
+              <a:t>‘learning’</a:t>
+            </a:r>
+            <a:endParaRPr lang="en-CA" dirty="0"/>
+          </a:p>
+        </p:txBody>
+      </p:sp>
+      <p:sp>
+        <p:nvSpPr>
+          <p:cNvPr id="3" name="Content Placeholder 2"/>
+          <p:cNvSpPr>
+            <a:spLocks noGrp="1"/>
+          </p:cNvSpPr>
+          <p:nvPr>
+            <p:ph idx="1"/>
+          </p:nvPr>
+        </p:nvSpPr>
+        <p:spPr>
+          <a:xfrm>
+            <a:off x="0" y="1616617"/>
+            <a:ext cx="4906213" cy="4351338"/>
+          </a:xfrm>
+        </p:spPr>
+        <p:txBody>
+          <a:bodyPr>
+            <a:normAutofit fontScale="92500"/>
+          </a:bodyPr>
+          <a:lstStyle/>
+          <a:p>
+            <a:r>
+              <a:rPr lang="en-CA" dirty="0" smtClean="0"/>
+              <a:t>Instance based learning works by storing training examples, and classifying new instances based on </a:t>
+            </a:r>
+            <a:r>
+              <a:rPr lang="en-CA" b="1" dirty="0" smtClean="0"/>
+              <a:t>distance</a:t>
+            </a:r>
+            <a:r>
+              <a:rPr lang="en-CA" dirty="0" smtClean="0"/>
+              <a:t> from training examples</a:t>
+            </a:r>
+          </a:p>
+          <a:p>
+            <a:r>
+              <a:rPr lang="en-CA" dirty="0" smtClean="0"/>
+              <a:t>Lazy learner (waits for new instances, performs computation at classification time)</a:t>
+            </a:r>
+          </a:p>
+          <a:p>
+            <a:r>
+              <a:rPr lang="en-CA" dirty="0" smtClean="0"/>
+              <a:t>Non-parametric method (works </a:t>
+            </a:r>
+            <a:r>
+              <a:rPr lang="en-CA" dirty="0" smtClean="0"/>
+              <a:t>well even </a:t>
+            </a:r>
+            <a:r>
+              <a:rPr lang="en-CA" dirty="0" smtClean="0"/>
+              <a:t>when decision boundary is irregular)</a:t>
+            </a:r>
+            <a:endParaRPr lang="en-CA" dirty="0"/>
+          </a:p>
+        </p:txBody>
+      </p:sp>
+      <p:pic>
+        <p:nvPicPr>
+          <p:cNvPr id="4" name="Picture 3"/>
+          <p:cNvPicPr>
+            <a:picLocks noChangeAspect="1"/>
+          </p:cNvPicPr>
+          <p:nvPr/>
+        </p:nvPicPr>
+        <p:blipFill>
+          <a:blip r:embed="rId2"/>
+          <a:stretch>
+            <a:fillRect/>
+          </a:stretch>
+        </p:blipFill>
+        <p:spPr>
+          <a:xfrm>
+            <a:off x="8494873" y="1690688"/>
+            <a:ext cx="3477613" cy="4164084"/>
+          </a:xfrm>
+          <a:prstGeom prst="rect">
+            <a:avLst/>
+          </a:prstGeom>
+        </p:spPr>
+      </p:pic>
+      <p:pic>
+        <p:nvPicPr>
+          <p:cNvPr id="5" name="Picture 4"/>
+          <p:cNvPicPr>
+            <a:picLocks noChangeAspect="1"/>
+          </p:cNvPicPr>
+          <p:nvPr/>
+        </p:nvPicPr>
+        <p:blipFill>
+          <a:blip r:embed="rId3"/>
+          <a:stretch>
+            <a:fillRect/>
+          </a:stretch>
+        </p:blipFill>
+        <p:spPr>
+          <a:xfrm>
+            <a:off x="4906213" y="1690688"/>
+            <a:ext cx="3494654" cy="4145521"/>
+          </a:xfrm>
+          <a:prstGeom prst="rect">
+            <a:avLst/>
+          </a:prstGeom>
+        </p:spPr>
+      </p:pic>
+      <p:sp>
+        <p:nvSpPr>
+          <p:cNvPr id="6" name="TextBox 5"/>
+          <p:cNvSpPr txBox="1"/>
+          <p:nvPr/>
+        </p:nvSpPr>
+        <p:spPr>
+          <a:xfrm>
+            <a:off x="243840" y="6175139"/>
+            <a:ext cx="11704320" cy="369332"/>
+          </a:xfrm>
+          <a:prstGeom prst="rect">
+            <a:avLst/>
+          </a:prstGeom>
+          <a:noFill/>
+        </p:spPr>
+        <p:txBody>
+          <a:bodyPr wrap="square" rtlCol="0">
+            <a:spAutoFit/>
+          </a:bodyPr>
+          <a:lstStyle/>
+          <a:p>
+            <a:r>
+              <a:rPr lang="en-CA" dirty="0">
+                <a:hlinkClick r:id="rId4"/>
+              </a:rPr>
+              <a:t>https://scikit-learn.org/stable/auto_examples/classification/plot_classifier_comparison.html</a:t>
+            </a:r>
+            <a:endParaRPr lang="en-CA" dirty="0"/>
+          </a:p>
+        </p:txBody>
+      </p:sp>
+      <p:sp>
+        <p:nvSpPr>
+          <p:cNvPr id="7" name="TextBox 6"/>
+          <p:cNvSpPr txBox="1"/>
+          <p:nvPr/>
+        </p:nvSpPr>
+        <p:spPr>
+          <a:xfrm>
+            <a:off x="257915" y="6514069"/>
+            <a:ext cx="7807669" cy="369332"/>
+          </a:xfrm>
+          <a:prstGeom prst="rect">
+            <a:avLst/>
+          </a:prstGeom>
+          <a:noFill/>
+        </p:spPr>
+        <p:txBody>
+          <a:bodyPr wrap="square" rtlCol="0">
+            <a:spAutoFit/>
+          </a:bodyPr>
+          <a:lstStyle/>
+          <a:p>
+            <a:r>
+              <a:rPr lang="en-CA" dirty="0">
+                <a:hlinkClick r:id="rId5"/>
+              </a:rPr>
+              <a:t>https://scikit-learn.org/stable/modules/neighbors.html</a:t>
+            </a:r>
+            <a:endParaRPr lang="en-CA" dirty="0"/>
+          </a:p>
+        </p:txBody>
+      </p:sp>
+    </p:spTree>
+    <p:extLst>
+      <p:ext uri="{BB962C8B-B14F-4D97-AF65-F5344CB8AC3E}">
+        <p14:creationId xmlns:p14="http://schemas.microsoft.com/office/powerpoint/2010/main" val="2072954820"/>
+      </p:ext>
+    </p:extLst>
+  </p:cSld>
+  <p:clrMapOvr>
+    <a:masterClrMapping/>
+  </p:clrMapOvr>
+  <p:timing>
+    <p:tnLst>
+      <p:par>
+        <p:cTn id="1" dur="indefinite" restart="never" nodeType="tmRoot">
+          <p:childTnLst>
+            <p:seq concurrent="1" nextAc="seek">
+              <p:cTn id="2" dur="indefinite" nodeType="mainSeq">
+                <p:childTnLst>
+                  <p:par>
+                    <p:cTn id="3" fill="hold">
+                      <p:stCondLst>
+                        <p:cond delay="indefinite"/>
+                      </p:stCondLst>
+                      <p:childTnLst>
+                        <p:par>
+                          <p:cTn id="4" fill="hold">
+                            <p:stCondLst>
+                              <p:cond delay="0"/>
+                            </p:stCondLst>
+                            <p:childTnLst>
+                              <p:par>
+                                <p:cTn id="5" presetID="1" presetClass="entr" presetSubtype="0" fill="hold" grpId="0" nodeType="clickEffect">
+                                  <p:stCondLst>
+                                    <p:cond delay="0"/>
+                                  </p:stCondLst>
+                                  <p:childTnLst>
+                                    <p:set>
+                                      <p:cBhvr>
+                                        <p:cTn id="6" dur="1" fill="hold">
+                                          <p:stCondLst>
+                                            <p:cond delay="0"/>
+                                          </p:stCondLst>
+                                        </p:cTn>
+                                        <p:tgtEl>
+                                          <p:spTgt spid="3">
+                                            <p:txEl>
+                                              <p:pRg st="0" end="0"/>
+                                            </p:txEl>
+                                          </p:spTgt>
+                                        </p:tgtEl>
+                                        <p:attrNameLst>
+                                          <p:attrName>style.visibility</p:attrName>
+                                        </p:attrNameLst>
+                                      </p:cBhvr>
+                                      <p:to>
+                                        <p:strVal val="visible"/>
+                                      </p:to>
+                                    </p:set>
+                                  </p:childTnLst>
+                                </p:cTn>
+                              </p:par>
+                            </p:childTnLst>
+                          </p:cTn>
+                        </p:par>
+                      </p:childTnLst>
+                    </p:cTn>
+                  </p:par>
+                  <p:par>
+                    <p:cTn id="7" fill="hold">
+                      <p:stCondLst>
+                        <p:cond delay="indefinite"/>
+                      </p:stCondLst>
+                      <p:childTnLst>
+                        <p:par>
+                          <p:cTn id="8" fill="hold">
+                            <p:stCondLst>
+                              <p:cond delay="0"/>
+                            </p:stCondLst>
+                            <p:childTnLst>
+                              <p:par>
+                                <p:cTn id="9" presetID="1" presetClass="entr" presetSubtype="0" fill="hold" nodeType="clickEffect">
+                                  <p:stCondLst>
+                                    <p:cond delay="0"/>
+                                  </p:stCondLst>
+                                  <p:childTnLst>
+                                    <p:set>
+                                      <p:cBhvr>
+                                        <p:cTn id="10" dur="1" fill="hold">
+                                          <p:stCondLst>
+                                            <p:cond delay="0"/>
+                                          </p:stCondLst>
+                                        </p:cTn>
+                                        <p:tgtEl>
+                                          <p:spTgt spid="5"/>
+                                        </p:tgtEl>
+                                        <p:attrNameLst>
+                                          <p:attrName>style.visibility</p:attrName>
+                                        </p:attrNameLst>
+                                      </p:cBhvr>
+                                      <p:to>
+                                        <p:strVal val="visible"/>
+                                      </p:to>
+                                    </p:set>
+                                  </p:childTnLst>
+                                </p:cTn>
+                              </p:par>
+                            </p:childTnLst>
+                          </p:cTn>
+                        </p:par>
+                      </p:childTnLst>
+                    </p:cTn>
+                  </p:par>
+                  <p:par>
+                    <p:cTn id="11" fill="hold">
+                      <p:stCondLst>
+                        <p:cond delay="indefinite"/>
+                      </p:stCondLst>
+                      <p:childTnLst>
+                        <p:par>
+                          <p:cTn id="12" fill="hold">
+                            <p:stCondLst>
+                              <p:cond delay="0"/>
+                            </p:stCondLst>
+                            <p:childTnLst>
+                              <p:par>
+                                <p:cTn id="13" presetID="1" presetClass="entr" presetSubtype="0" fill="hold" nodeType="clickEffect">
+                                  <p:stCondLst>
+                                    <p:cond delay="0"/>
+                                  </p:stCondLst>
+                                  <p:childTnLst>
+                                    <p:set>
+                                      <p:cBhvr>
+                                        <p:cTn id="14" dur="1" fill="hold">
+                                          <p:stCondLst>
+                                            <p:cond delay="0"/>
+                                          </p:stCondLst>
+                                        </p:cTn>
+                                        <p:tgtEl>
+                                          <p:spTgt spid="4"/>
+                                        </p:tgtEl>
+                                        <p:attrNameLst>
+                                          <p:attrName>style.visibility</p:attrName>
+                                        </p:attrNameLst>
+                                      </p:cBhvr>
+                                      <p:to>
+                                        <p:strVal val="visible"/>
+                                      </p:to>
+                                    </p:set>
+                                  </p:childTnLst>
+                                </p:cTn>
+                              </p:par>
+                            </p:childTnLst>
+                          </p:cTn>
+                        </p:par>
+                      </p:childTnLst>
+                    </p:cTn>
+                  </p:par>
+                  <p:par>
+                    <p:cTn id="15" fill="hold">
+                      <p:stCondLst>
+                        <p:cond delay="indefinite"/>
+                      </p:stCondLst>
+                      <p:childTnLst>
+                        <p:par>
+                          <p:cTn id="16" fill="hold">
+                            <p:stCondLst>
+                              <p:cond delay="0"/>
+                            </p:stCondLst>
+                            <p:childTnLst>
+                              <p:par>
+                                <p:cTn id="17" presetID="1" presetClass="entr" presetSubtype="0" fill="hold" grpId="0" nodeType="clickEffect">
+                                  <p:stCondLst>
+                                    <p:cond delay="0"/>
+                                  </p:stCondLst>
+                                  <p:childTnLst>
+                                    <p:set>
+                                      <p:cBhvr>
+                                        <p:cTn id="18" dur="1" fill="hold">
+                                          <p:stCondLst>
+                                            <p:cond delay="0"/>
+                                          </p:stCondLst>
+                                        </p:cTn>
+                                        <p:tgtEl>
+                                          <p:spTgt spid="3">
+                                            <p:txEl>
+                                              <p:pRg st="1" end="1"/>
+                                            </p:txEl>
+                                          </p:spTgt>
+                                        </p:tgtEl>
+                                        <p:attrNameLst>
+                                          <p:attrName>style.visibility</p:attrName>
+                                        </p:attrNameLst>
+                                      </p:cBhvr>
+                                      <p:to>
+                                        <p:strVal val="visible"/>
+                                      </p:to>
+                                    </p:set>
+                                  </p:childTnLst>
+                                </p:cTn>
+                              </p:par>
+                            </p:childTnLst>
+                          </p:cTn>
+                        </p:par>
+                      </p:childTnLst>
+                    </p:cTn>
+                  </p:par>
+                  <p:par>
+                    <p:cTn id="19" fill="hold">
+                      <p:stCondLst>
+                        <p:cond delay="indefinite"/>
+                      </p:stCondLst>
+                      <p:childTnLst>
+                        <p:par>
+                          <p:cTn id="20" fill="hold">
+                            <p:stCondLst>
+                              <p:cond delay="0"/>
+                            </p:stCondLst>
+                            <p:childTnLst>
+                              <p:par>
+                                <p:cTn id="21" presetID="1" presetClass="entr" presetSubtype="0" fill="hold" grpId="0" nodeType="clickEffect">
+                                  <p:stCondLst>
+                                    <p:cond delay="0"/>
+                                  </p:stCondLst>
+                                  <p:childTnLst>
+                                    <p:set>
+                                      <p:cBhvr>
+                                        <p:cTn id="22" dur="1" fill="hold">
+                                          <p:stCondLst>
+                                            <p:cond delay="0"/>
+                                          </p:stCondLst>
+                                        </p:cTn>
+                                        <p:tgtEl>
+                                          <p:spTgt spid="3">
+                                            <p:txEl>
+                                              <p:pRg st="2" end="2"/>
+                                            </p:txEl>
+                                          </p:spTgt>
+                                        </p:tgtEl>
+                                        <p:attrNameLst>
+                                          <p:attrName>style.visibility</p:attrName>
+                                        </p:attrNameLst>
+                                      </p:cBhvr>
+                                      <p:to>
+                                        <p:strVal val="visible"/>
+                                      </p:to>
+                                    </p:set>
+                                  </p:childTnLst>
+                                </p:cTn>
+                              </p:par>
+                            </p:childTnLst>
+                          </p:cTn>
+                        </p:par>
+                      </p:childTnLst>
+                    </p:cTn>
+                  </p:par>
+                  <p:par>
+                    <p:cTn id="23" fill="hold">
+                      <p:stCondLst>
+                        <p:cond delay="indefinite"/>
+                      </p:stCondLst>
+                      <p:childTnLst>
+                        <p:par>
+                          <p:cTn id="24" fill="hold">
+                            <p:stCondLst>
+                              <p:cond delay="0"/>
+                            </p:stCondLst>
+                            <p:childTnLst>
+                              <p:par>
+                                <p:cTn id="25" presetID="1" presetClass="entr" presetSubtype="0" fill="hold" grpId="0" nodeType="clickEffect">
+                                  <p:stCondLst>
+                                    <p:cond delay="0"/>
+                                  </p:stCondLst>
+                                  <p:childTnLst>
+                                    <p:set>
+                                      <p:cBhvr>
+                                        <p:cTn id="26" dur="1" fill="hold">
+                                          <p:stCondLst>
+                                            <p:cond delay="0"/>
+                                          </p:stCondLst>
+                                        </p:cTn>
+                                        <p:tgtEl>
+                                          <p:spTgt spid="6"/>
+                                        </p:tgtEl>
+                                        <p:attrNameLst>
+                                          <p:attrName>style.visibility</p:attrName>
+                                        </p:attrNameLst>
+                                      </p:cBhvr>
+                                      <p:to>
+                                        <p:strVal val="visible"/>
+                                      </p:to>
+                                    </p:set>
+                                  </p:childTnLst>
+                                </p:cTn>
+                              </p:par>
+                              <p:par>
+                                <p:cTn id="27" presetID="1" presetClass="entr" presetSubtype="0" fill="hold" grpId="0" nodeType="withEffect">
+                                  <p:stCondLst>
+                                    <p:cond delay="0"/>
+                                  </p:stCondLst>
+                                  <p:childTnLst>
+                                    <p:set>
+                                      <p:cBhvr>
+                                        <p:cTn id="28" dur="1" fill="hold">
+                                          <p:stCondLst>
+                                            <p:cond delay="0"/>
+                                          </p:stCondLst>
+                                        </p:cTn>
+                                        <p:tgtEl>
+                                          <p:spTgt spid="7"/>
+                                        </p:tgtEl>
+                                        <p:attrNameLst>
+                                          <p:attrName>style.visibility</p:attrName>
+                                        </p:attrNameLst>
+                                      </p:cBhvr>
+                                      <p:to>
+                                        <p:strVal val="visible"/>
+                                      </p:to>
+                                    </p:set>
+                                  </p:childTnLst>
+                                </p:cTn>
+                              </p:par>
+                            </p:childTnLst>
+                          </p:cTn>
+                        </p:par>
+                      </p:childTnLst>
+                    </p:cTn>
+                  </p:par>
+                </p:childTnLst>
+              </p:cTn>
+              <p:prevCondLst>
+                <p:cond evt="onPrev" delay="0">
+                  <p:tgtEl>
+                    <p:sldTgt/>
+                  </p:tgtEl>
+                </p:cond>
+              </p:prevCondLst>
+              <p:nextCondLst>
+                <p:cond evt="onNext" delay="0">
+                  <p:tgtEl>
+                    <p:sldTgt/>
+                  </p:tgtEl>
+                </p:cond>
+              </p:nextCondLst>
+            </p:seq>
+          </p:childTnLst>
+        </p:cTn>
+      </p:par>
+    </p:tnLst>
+    <p:bldLst>
+      <p:bldP spid="3" grpId="0" uiExpand="1" build="p"/>
+      <p:bldP spid="6" grpId="0"/>
+      <p:bldP spid="7" grpId="0"/>
+    </p:bldLst>
+  </p:timing>
+</p:sld>
+</file>
+
+<file path=ppt/slides/slide20.xml><?xml version="1.0" encoding="utf-8"?>
 <p:sld xmlns:a="http://schemas.openxmlformats.org/drawingml/2006/main" xmlns:r="http://schemas.openxmlformats.org/officeDocument/2006/relationships" xmlns:p="http://schemas.openxmlformats.org/presentationml/2006/main">
   <p:cSld>
     <p:spTree>
@@ -5349,18 +9415,14 @@
           <a:p>
             <a:r>
               <a:rPr lang="en-CA" dirty="0" smtClean="0"/>
-              <a:t>Category </a:t>
-            </a:r>
-            <a:r>
-              <a:rPr lang="en-CA" dirty="0" smtClean="0"/>
-              <a:t>Utility (nominal attributes)</a:t>
+              <a:t>Category Utility (nominal attributes)</a:t>
             </a:r>
             <a:endParaRPr lang="en-CA" dirty="0"/>
           </a:p>
         </p:txBody>
       </p:sp>
-      <mc:AlternateContent xmlns:mc="http://schemas.openxmlformats.org/markup-compatibility/2006">
-        <mc:Choice xmlns:a14="http://schemas.microsoft.com/office/drawing/2010/main" Requires="a14">
+      <mc:AlternateContent xmlns:mc="http://schemas.openxmlformats.org/markup-compatibility/2006" xmlns:a14="http://schemas.microsoft.com/office/drawing/2010/main">
+        <mc:Choice Requires="a14">
           <p:sp>
             <p:nvSpPr>
               <p:cNvPr id="3" name="Content Placeholder 2"/>
@@ -5391,11 +9453,7 @@
               <a:p>
                 <a:r>
                   <a:rPr lang="en-CA" dirty="0" smtClean="0"/>
-                  <a:t>Category </a:t>
-                </a:r>
-                <a:r>
-                  <a:rPr lang="en-CA" dirty="0" smtClean="0"/>
-                  <a:t>utility (</a:t>
+                  <a:t>Category utility (</a:t>
                 </a:r>
                 <a:r>
                   <a:rPr lang="en-CA" dirty="0" smtClean="0">
@@ -5406,11 +9464,7 @@
                 </a:r>
                 <a:r>
                   <a:rPr lang="en-CA" dirty="0" smtClean="0"/>
-                  <a:t>) </a:t>
-                </a:r>
-                <a:r>
-                  <a:rPr lang="en-CA" dirty="0" smtClean="0"/>
-                  <a:t>resembles a quadratic loss function defined on conditional probabilities</a:t>
+                  <a:t>) resembles a quadratic loss function defined on conditional probabilities</a:t>
                 </a:r>
               </a:p>
               <a:p>
@@ -5428,7 +9482,7 @@
                     <m:d>
                       <m:dPr>
                         <m:ctrlPr>
-                          <a:rPr lang="en-CA" sz="3800" b="0" smtClean="0">
+                          <a:rPr lang="en-CA" sz="3800" b="0" i="1" smtClean="0">
                             <a:latin typeface="Cambria Math" panose="02040503050406030204" pitchFamily="18" charset="0"/>
                           </a:rPr>
                         </m:ctrlPr>
@@ -5479,7 +9533,7 @@
                         <m:sSub>
                           <m:sSubPr>
                             <m:ctrlPr>
-                              <a:rPr lang="en-CA" sz="3800" b="0" smtClean="0">
+                              <a:rPr lang="en-CA" sz="3800" b="0" i="1" smtClean="0">
                                 <a:latin typeface="Cambria Math" panose="02040503050406030204" pitchFamily="18" charset="0"/>
                               </a:rPr>
                             </m:ctrlPr>
@@ -5513,18 +9567,12 @@
                       <a:rPr lang="en-CA" sz="3800" b="0" i="0" smtClean="0">
                         <a:latin typeface="Cambria Math" panose="02040503050406030204" pitchFamily="18" charset="0"/>
                       </a:rPr>
-                      <m:t>=</m:t>
-                    </m:r>
-                    <m:r>
-                      <a:rPr lang="en-CA" sz="3800" b="0" i="0" smtClean="0">
-                        <a:latin typeface="Cambria Math" panose="02040503050406030204" pitchFamily="18" charset="0"/>
-                      </a:rPr>
-                      <m:t> </m:t>
+                      <m:t>= </m:t>
                     </m:r>
                     <m:f>
                       <m:fPr>
                         <m:ctrlPr>
-                          <a:rPr lang="en-CA" sz="3800" b="0" smtClean="0">
+                          <a:rPr lang="en-CA" sz="3800" b="0" i="1" smtClean="0">
                             <a:latin typeface="Cambria Math" panose="02040503050406030204" pitchFamily="18" charset="0"/>
                           </a:rPr>
                         </m:ctrlPr>
@@ -5535,7 +9583,7 @@
                             <m:chr m:val="∑"/>
                             <m:supHide m:val="on"/>
                             <m:ctrlPr>
-                              <a:rPr lang="en-CA" sz="3800" b="0" smtClean="0">
+                              <a:rPr lang="en-CA" sz="3800" b="0" i="1" smtClean="0">
                                 <a:latin typeface="Cambria Math" panose="02040503050406030204" pitchFamily="18" charset="0"/>
                               </a:rPr>
                             </m:ctrlPr>
@@ -5572,7 +9620,7 @@
                             <m:sSub>
                               <m:sSubPr>
                                 <m:ctrlPr>
-                                  <a:rPr lang="en-CA" sz="3800" b="0" smtClean="0">
+                                  <a:rPr lang="en-CA" sz="3800" b="0" i="1" smtClean="0">
                                     <a:latin typeface="Cambria Math" panose="02040503050406030204" pitchFamily="18" charset="0"/>
                                   </a:rPr>
                                 </m:ctrlPr>
@@ -5611,7 +9659,7 @@
                                 <m:chr m:val="∑"/>
                                 <m:supHide m:val="on"/>
                                 <m:ctrlPr>
-                                  <a:rPr lang="en-CA" sz="3800" b="0" smtClean="0">
+                                  <a:rPr lang="en-CA" sz="3800" b="0" i="1" smtClean="0">
                                     <a:latin typeface="Cambria Math" panose="02040503050406030204" pitchFamily="18" charset="0"/>
                                   </a:rPr>
                                 </m:ctrlPr>
@@ -5635,7 +9683,7 @@
                                     <m:chr m:val="∑"/>
                                     <m:supHide m:val="on"/>
                                     <m:ctrlPr>
-                                      <a:rPr lang="en-CA" sz="3800" b="0" smtClean="0">
+                                      <a:rPr lang="en-CA" sz="3800" b="0" i="1" smtClean="0">
                                         <a:latin typeface="Cambria Math" panose="02040503050406030204" pitchFamily="18" charset="0"/>
                                       </a:rPr>
                                     </m:ctrlPr>
@@ -5672,7 +9720,7 @@
                                     <m:d>
                                       <m:dPr>
                                         <m:ctrlPr>
-                                          <a:rPr lang="en-CA" sz="3800" b="0" smtClean="0">
+                                          <a:rPr lang="en-CA" sz="3800" b="0" i="1" smtClean="0">
                                             <a:latin typeface="Cambria Math" panose="02040503050406030204" pitchFamily="18" charset="0"/>
                                           </a:rPr>
                                         </m:ctrlPr>
@@ -5705,7 +9753,7 @@
                                         <m:sSub>
                                           <m:sSubPr>
                                             <m:ctrlPr>
-                                              <a:rPr lang="en-CA" sz="3800" b="0" smtClean="0">
+                                              <a:rPr lang="en-CA" sz="3800" b="0" i="1" smtClean="0">
                                                 <a:latin typeface="Cambria Math" panose="02040503050406030204" pitchFamily="18" charset="0"/>
                                               </a:rPr>
                                             </m:ctrlPr>
@@ -5785,7 +9833,7 @@
                                     <m:d>
                                       <m:dPr>
                                         <m:ctrlPr>
-                                          <a:rPr lang="en-CA" sz="3800" b="0" smtClean="0">
+                                          <a:rPr lang="en-CA" sz="3800" b="0" i="1" smtClean="0">
                                             <a:latin typeface="Cambria Math" panose="02040503050406030204" pitchFamily="18" charset="0"/>
                                           </a:rPr>
                                         </m:ctrlPr>
@@ -5818,7 +9866,7 @@
                                         <m:sSub>
                                           <m:sSubPr>
                                             <m:ctrlPr>
-                                              <a:rPr lang="en-CA" sz="3800" b="0" smtClean="0">
+                                              <a:rPr lang="en-CA" sz="3800" b="0" i="1" smtClean="0">
                                                 <a:latin typeface="Cambria Math" panose="02040503050406030204" pitchFamily="18" charset="0"/>
                                               </a:rPr>
                                             </m:ctrlPr>
@@ -5935,7 +9983,7 @@
                     <m:sSub>
                       <m:sSubPr>
                         <m:ctrlPr>
-                          <a:rPr lang="en-CA">
+                          <a:rPr lang="en-CA" i="1">
                             <a:latin typeface="Cambria Math" panose="02040503050406030204" pitchFamily="18" charset="0"/>
                           </a:rPr>
                         </m:ctrlPr>
@@ -5997,7 +10045,7 @@
                     <m:d>
                       <m:dPr>
                         <m:ctrlPr>
-                          <a:rPr lang="en-CA" b="0" smtClean="0">
+                          <a:rPr lang="en-CA" b="0" i="1" smtClean="0">
                             <a:latin typeface="Cambria Math" panose="02040503050406030204" pitchFamily="18" charset="0"/>
                           </a:rPr>
                         </m:ctrlPr>
@@ -6006,7 +10054,7 @@
                         <m:sSub>
                           <m:sSubPr>
                             <m:ctrlPr>
-                              <a:rPr lang="en-CA" b="0" smtClean="0">
+                              <a:rPr lang="en-CA" b="0" i="1" smtClean="0">
                                 <a:latin typeface="Cambria Math" panose="02040503050406030204" pitchFamily="18" charset="0"/>
                               </a:rPr>
                             </m:ctrlPr>
@@ -6043,7 +10091,7 @@
                         <m:sSub>
                           <m:sSubPr>
                             <m:ctrlPr>
-                              <a:rPr lang="en-CA" b="0" smtClean="0">
+                              <a:rPr lang="en-CA" b="0" i="1" smtClean="0">
                                 <a:latin typeface="Cambria Math" panose="02040503050406030204" pitchFamily="18" charset="0"/>
                               </a:rPr>
                             </m:ctrlPr>
@@ -6076,7 +10124,7 @@
                         <m:sSub>
                           <m:sSubPr>
                             <m:ctrlPr>
-                              <a:rPr lang="en-CA" b="0" smtClean="0">
+                              <a:rPr lang="en-CA" b="0" i="1" smtClean="0">
                                 <a:latin typeface="Cambria Math" panose="02040503050406030204" pitchFamily="18" charset="0"/>
                               </a:rPr>
                             </m:ctrlPr>
@@ -6132,7 +10180,7 @@
                     <m:sSub>
                       <m:sSubPr>
                         <m:ctrlPr>
-                          <a:rPr lang="en-CA" b="0" smtClean="0">
+                          <a:rPr lang="en-CA" b="0" i="1" smtClean="0">
                             <a:latin typeface="Cambria Math" panose="02040503050406030204" pitchFamily="18" charset="0"/>
                           </a:rPr>
                         </m:ctrlPr>
@@ -6169,7 +10217,7 @@
                     <m:sSub>
                       <m:sSubPr>
                         <m:ctrlPr>
-                          <a:rPr lang="en-CA" b="0" smtClean="0">
+                          <a:rPr lang="en-CA" b="0" i="1" smtClean="0">
                             <a:latin typeface="Cambria Math" panose="02040503050406030204" pitchFamily="18" charset="0"/>
                           </a:rPr>
                         </m:ctrlPr>
@@ -6207,11 +10255,7 @@
                 </a14:m>
                 <a:r>
                   <a:rPr lang="en-CA" dirty="0" smtClean="0"/>
-                  <a:t>. If knowledge about which cluster an</a:t>
-                </a:r>
-                <a:r>
-                  <a:rPr lang="en-CA" dirty="0" smtClean="0"/>
-                  <a:t> instance belongs to doesn’t help predict instance’s attributes, cluster is useless</a:t>
+                  <a:t>. If knowledge about which cluster an instance belongs to doesn’t help predict instance’s attributes, cluster is useless</a:t>
                 </a:r>
               </a:p>
               <a:p>
@@ -6224,7 +10268,7 @@
             </p:txBody>
           </p:sp>
         </mc:Choice>
-        <mc:Fallback>
+        <mc:Fallback xmlns="">
           <p:sp>
             <p:nvSpPr>
               <p:cNvPr id="3" name="Content Placeholder 2"/>
@@ -6275,14 +10319,334 @@
   <p:timing>
     <p:tnLst>
       <p:par>
-        <p:cTn id="1" dur="indefinite" restart="never" nodeType="tmRoot"/>
+        <p:cTn id="1" dur="indefinite" restart="never" nodeType="tmRoot">
+          <p:childTnLst>
+            <p:seq concurrent="1" nextAc="seek">
+              <p:cTn id="2" dur="indefinite" nodeType="mainSeq">
+                <p:childTnLst>
+                  <p:par>
+                    <p:cTn id="3" fill="hold">
+                      <p:stCondLst>
+                        <p:cond delay="indefinite"/>
+                      </p:stCondLst>
+                      <p:childTnLst>
+                        <p:par>
+                          <p:cTn id="4" fill="hold">
+                            <p:stCondLst>
+                              <p:cond delay="0"/>
+                            </p:stCondLst>
+                            <p:childTnLst>
+                              <p:par>
+                                <p:cTn id="5" presetID="1" presetClass="entr" presetSubtype="0" fill="hold" grpId="0" nodeType="clickEffect">
+                                  <p:stCondLst>
+                                    <p:cond delay="0"/>
+                                  </p:stCondLst>
+                                  <p:childTnLst>
+                                    <p:set>
+                                      <p:cBhvr>
+                                        <p:cTn id="6" dur="1" fill="hold">
+                                          <p:stCondLst>
+                                            <p:cond delay="0"/>
+                                          </p:stCondLst>
+                                        </p:cTn>
+                                        <p:tgtEl>
+                                          <p:spTgt spid="3">
+                                            <p:txEl>
+                                              <p:pRg st="0" end="0"/>
+                                            </p:txEl>
+                                          </p:spTgt>
+                                        </p:tgtEl>
+                                        <p:attrNameLst>
+                                          <p:attrName>style.visibility</p:attrName>
+                                        </p:attrNameLst>
+                                      </p:cBhvr>
+                                      <p:to>
+                                        <p:strVal val="visible"/>
+                                      </p:to>
+                                    </p:set>
+                                  </p:childTnLst>
+                                </p:cTn>
+                              </p:par>
+                            </p:childTnLst>
+                          </p:cTn>
+                        </p:par>
+                      </p:childTnLst>
+                    </p:cTn>
+                  </p:par>
+                  <p:par>
+                    <p:cTn id="7" fill="hold">
+                      <p:stCondLst>
+                        <p:cond delay="indefinite"/>
+                      </p:stCondLst>
+                      <p:childTnLst>
+                        <p:par>
+                          <p:cTn id="8" fill="hold">
+                            <p:stCondLst>
+                              <p:cond delay="0"/>
+                            </p:stCondLst>
+                            <p:childTnLst>
+                              <p:par>
+                                <p:cTn id="9" presetID="1" presetClass="entr" presetSubtype="0" fill="hold" grpId="0" nodeType="clickEffect">
+                                  <p:stCondLst>
+                                    <p:cond delay="0"/>
+                                  </p:stCondLst>
+                                  <p:childTnLst>
+                                    <p:set>
+                                      <p:cBhvr>
+                                        <p:cTn id="10" dur="1" fill="hold">
+                                          <p:stCondLst>
+                                            <p:cond delay="0"/>
+                                          </p:stCondLst>
+                                        </p:cTn>
+                                        <p:tgtEl>
+                                          <p:spTgt spid="3">
+                                            <p:txEl>
+                                              <p:pRg st="1" end="1"/>
+                                            </p:txEl>
+                                          </p:spTgt>
+                                        </p:tgtEl>
+                                        <p:attrNameLst>
+                                          <p:attrName>style.visibility</p:attrName>
+                                        </p:attrNameLst>
+                                      </p:cBhvr>
+                                      <p:to>
+                                        <p:strVal val="visible"/>
+                                      </p:to>
+                                    </p:set>
+                                  </p:childTnLst>
+                                </p:cTn>
+                              </p:par>
+                            </p:childTnLst>
+                          </p:cTn>
+                        </p:par>
+                      </p:childTnLst>
+                    </p:cTn>
+                  </p:par>
+                  <p:par>
+                    <p:cTn id="11" fill="hold">
+                      <p:stCondLst>
+                        <p:cond delay="indefinite"/>
+                      </p:stCondLst>
+                      <p:childTnLst>
+                        <p:par>
+                          <p:cTn id="12" fill="hold">
+                            <p:stCondLst>
+                              <p:cond delay="0"/>
+                            </p:stCondLst>
+                            <p:childTnLst>
+                              <p:par>
+                                <p:cTn id="13" presetID="1" presetClass="entr" presetSubtype="0" fill="hold" grpId="0" nodeType="clickEffect">
+                                  <p:stCondLst>
+                                    <p:cond delay="0"/>
+                                  </p:stCondLst>
+                                  <p:childTnLst>
+                                    <p:set>
+                                      <p:cBhvr>
+                                        <p:cTn id="14" dur="1" fill="hold">
+                                          <p:stCondLst>
+                                            <p:cond delay="0"/>
+                                          </p:stCondLst>
+                                        </p:cTn>
+                                        <p:tgtEl>
+                                          <p:spTgt spid="3">
+                                            <p:txEl>
+                                              <p:pRg st="2" end="2"/>
+                                            </p:txEl>
+                                          </p:spTgt>
+                                        </p:tgtEl>
+                                        <p:attrNameLst>
+                                          <p:attrName>style.visibility</p:attrName>
+                                        </p:attrNameLst>
+                                      </p:cBhvr>
+                                      <p:to>
+                                        <p:strVal val="visible"/>
+                                      </p:to>
+                                    </p:set>
+                                  </p:childTnLst>
+                                </p:cTn>
+                              </p:par>
+                            </p:childTnLst>
+                          </p:cTn>
+                        </p:par>
+                      </p:childTnLst>
+                    </p:cTn>
+                  </p:par>
+                  <p:par>
+                    <p:cTn id="15" fill="hold">
+                      <p:stCondLst>
+                        <p:cond delay="indefinite"/>
+                      </p:stCondLst>
+                      <p:childTnLst>
+                        <p:par>
+                          <p:cTn id="16" fill="hold">
+                            <p:stCondLst>
+                              <p:cond delay="0"/>
+                            </p:stCondLst>
+                            <p:childTnLst>
+                              <p:par>
+                                <p:cTn id="17" presetID="1" presetClass="entr" presetSubtype="0" fill="hold" grpId="0" nodeType="clickEffect">
+                                  <p:stCondLst>
+                                    <p:cond delay="0"/>
+                                  </p:stCondLst>
+                                  <p:childTnLst>
+                                    <p:set>
+                                      <p:cBhvr>
+                                        <p:cTn id="18" dur="1" fill="hold">
+                                          <p:stCondLst>
+                                            <p:cond delay="0"/>
+                                          </p:stCondLst>
+                                        </p:cTn>
+                                        <p:tgtEl>
+                                          <p:spTgt spid="3">
+                                            <p:txEl>
+                                              <p:pRg st="3" end="3"/>
+                                            </p:txEl>
+                                          </p:spTgt>
+                                        </p:tgtEl>
+                                        <p:attrNameLst>
+                                          <p:attrName>style.visibility</p:attrName>
+                                        </p:attrNameLst>
+                                      </p:cBhvr>
+                                      <p:to>
+                                        <p:strVal val="visible"/>
+                                      </p:to>
+                                    </p:set>
+                                  </p:childTnLst>
+                                </p:cTn>
+                              </p:par>
+                            </p:childTnLst>
+                          </p:cTn>
+                        </p:par>
+                      </p:childTnLst>
+                    </p:cTn>
+                  </p:par>
+                  <p:par>
+                    <p:cTn id="19" fill="hold">
+                      <p:stCondLst>
+                        <p:cond delay="indefinite"/>
+                      </p:stCondLst>
+                      <p:childTnLst>
+                        <p:par>
+                          <p:cTn id="20" fill="hold">
+                            <p:stCondLst>
+                              <p:cond delay="0"/>
+                            </p:stCondLst>
+                            <p:childTnLst>
+                              <p:par>
+                                <p:cTn id="21" presetID="1" presetClass="entr" presetSubtype="0" fill="hold" grpId="0" nodeType="clickEffect">
+                                  <p:stCondLst>
+                                    <p:cond delay="0"/>
+                                  </p:stCondLst>
+                                  <p:childTnLst>
+                                    <p:set>
+                                      <p:cBhvr>
+                                        <p:cTn id="22" dur="1" fill="hold">
+                                          <p:stCondLst>
+                                            <p:cond delay="0"/>
+                                          </p:stCondLst>
+                                        </p:cTn>
+                                        <p:tgtEl>
+                                          <p:spTgt spid="3">
+                                            <p:txEl>
+                                              <p:pRg st="4" end="4"/>
+                                            </p:txEl>
+                                          </p:spTgt>
+                                        </p:tgtEl>
+                                        <p:attrNameLst>
+                                          <p:attrName>style.visibility</p:attrName>
+                                        </p:attrNameLst>
+                                      </p:cBhvr>
+                                      <p:to>
+                                        <p:strVal val="visible"/>
+                                      </p:to>
+                                    </p:set>
+                                  </p:childTnLst>
+                                </p:cTn>
+                              </p:par>
+                            </p:childTnLst>
+                          </p:cTn>
+                        </p:par>
+                      </p:childTnLst>
+                    </p:cTn>
+                  </p:par>
+                  <p:par>
+                    <p:cTn id="23" fill="hold">
+                      <p:stCondLst>
+                        <p:cond delay="indefinite"/>
+                      </p:stCondLst>
+                      <p:childTnLst>
+                        <p:par>
+                          <p:cTn id="24" fill="hold">
+                            <p:stCondLst>
+                              <p:cond delay="0"/>
+                            </p:stCondLst>
+                            <p:childTnLst>
+                              <p:par>
+                                <p:cTn id="25" presetID="1" presetClass="entr" presetSubtype="0" fill="hold" grpId="0" nodeType="clickEffect">
+                                  <p:stCondLst>
+                                    <p:cond delay="0"/>
+                                  </p:stCondLst>
+                                  <p:childTnLst>
+                                    <p:set>
+                                      <p:cBhvr>
+                                        <p:cTn id="26" dur="1" fill="hold">
+                                          <p:stCondLst>
+                                            <p:cond delay="0"/>
+                                          </p:stCondLst>
+                                        </p:cTn>
+                                        <p:tgtEl>
+                                          <p:spTgt spid="3">
+                                            <p:txEl>
+                                              <p:pRg st="5" end="5"/>
+                                            </p:txEl>
+                                          </p:spTgt>
+                                        </p:tgtEl>
+                                        <p:attrNameLst>
+                                          <p:attrName>style.visibility</p:attrName>
+                                        </p:attrNameLst>
+                                      </p:cBhvr>
+                                      <p:to>
+                                        <p:strVal val="visible"/>
+                                      </p:to>
+                                    </p:set>
+                                  </p:childTnLst>
+                                </p:cTn>
+                              </p:par>
+                            </p:childTnLst>
+                          </p:cTn>
+                        </p:par>
+                      </p:childTnLst>
+                    </p:cTn>
+                  </p:par>
+                </p:childTnLst>
+              </p:cTn>
+              <p:prevCondLst>
+                <p:cond evt="onPrev" delay="0">
+                  <p:tgtEl>
+                    <p:sldTgt/>
+                  </p:tgtEl>
+                </p:cond>
+              </p:prevCondLst>
+              <p:nextCondLst>
+                <p:cond evt="onNext" delay="0">
+                  <p:tgtEl>
+                    <p:sldTgt/>
+                  </p:tgtEl>
+                </p:cond>
+              </p:nextCondLst>
+            </p:seq>
+          </p:childTnLst>
+        </p:cTn>
       </p:par>
     </p:tnLst>
+    <p:bldLst>
+      <p:bldP spid="3" grpId="0" build="p"/>
+    </p:bldLst>
   </p:timing>
 </p:sld>
 </file>
 
-<file path=ppt/slides/slide18.xml><?xml version="1.0" encoding="utf-8"?>
+<file path=ppt/slides/slide21.xml><?xml version="1.0" encoding="utf-8"?>
 <p:sld xmlns:a="http://schemas.openxmlformats.org/drawingml/2006/main" xmlns:r="http://schemas.openxmlformats.org/officeDocument/2006/relationships" xmlns:p="http://schemas.openxmlformats.org/presentationml/2006/main">
   <p:cSld>
     <p:spTree>
@@ -6387,7 +10751,7 @@
                       <m:d>
                         <m:dPr>
                           <m:ctrlPr>
-                            <a:rPr lang="en-CA" sz="3800" b="0" smtClean="0">
+                            <a:rPr lang="en-CA" sz="3800" b="0" i="1" smtClean="0">
                               <a:latin typeface="Cambria Math" panose="02040503050406030204" pitchFamily="18" charset="0"/>
                             </a:rPr>
                           </m:ctrlPr>
@@ -6413,7 +10777,7 @@
                       <m:f>
                         <m:fPr>
                           <m:ctrlPr>
-                            <a:rPr lang="en-CA" sz="3800" b="0" smtClean="0">
+                            <a:rPr lang="en-CA" sz="3800" b="0" i="1" smtClean="0">
                               <a:latin typeface="Cambria Math" panose="02040503050406030204" pitchFamily="18" charset="0"/>
                             </a:rPr>
                           </m:ctrlPr>
@@ -6431,7 +10795,7 @@
                             <m:radPr>
                               <m:degHide m:val="on"/>
                               <m:ctrlPr>
-                                <a:rPr lang="en-CA" sz="3800" b="0" smtClean="0">
+                                <a:rPr lang="en-CA" sz="3800" b="0" i="1" smtClean="0">
                                   <a:latin typeface="Cambria Math" panose="02040503050406030204" pitchFamily="18" charset="0"/>
                                 </a:rPr>
                               </m:ctrlPr>
@@ -6486,7 +10850,7 @@
                       <m:f>
                         <m:fPr>
                           <m:ctrlPr>
-                            <a:rPr lang="en-CA" sz="3800" b="0" smtClean="0">
+                            <a:rPr lang="en-CA" sz="3800" b="0" i="1" smtClean="0">
                               <a:latin typeface="Cambria Math" panose="02040503050406030204" pitchFamily="18" charset="0"/>
                             </a:rPr>
                           </m:ctrlPr>
@@ -6495,7 +10859,7 @@
                           <m:sSup>
                             <m:sSupPr>
                               <m:ctrlPr>
-                                <a:rPr lang="en-CA" sz="3800" b="0" smtClean="0">
+                                <a:rPr lang="en-CA" sz="3800" b="0" i="1" smtClean="0">
                                   <a:latin typeface="Cambria Math" panose="02040503050406030204" pitchFamily="18" charset="0"/>
                                 </a:rPr>
                               </m:ctrlPr>
@@ -6559,7 +10923,7 @@
                           <m:sSup>
                             <m:sSupPr>
                               <m:ctrlPr>
-                                <a:rPr lang="en-CA" sz="3800" b="0" smtClean="0">
+                                <a:rPr lang="en-CA" sz="3800" b="0" i="1" smtClean="0">
                                   <a:latin typeface="Cambria Math" panose="02040503050406030204" pitchFamily="18" charset="0"/>
                                 </a:rPr>
                               </m:ctrlPr>
@@ -6620,7 +10984,7 @@
                         <m:limLoc m:val="subSup"/>
                         <m:supHide m:val="on"/>
                         <m:ctrlPr>
-                          <a:rPr lang="en-CA" sz="3800" smtClean="0">
+                          <a:rPr lang="en-CA" sz="3800" i="1" smtClean="0">
                             <a:latin typeface="Cambria Math" panose="02040503050406030204" pitchFamily="18" charset="0"/>
                           </a:rPr>
                         </m:ctrlPr>
@@ -6651,7 +11015,7 @@
                         <m:d>
                           <m:dPr>
                             <m:ctrlPr>
-                              <a:rPr lang="en-CA" sz="3800" b="0" smtClean="0">
+                              <a:rPr lang="en-CA" sz="3800" b="0" i="1" smtClean="0">
                                 <a:latin typeface="Cambria Math" panose="02040503050406030204" pitchFamily="18" charset="0"/>
                               </a:rPr>
                             </m:ctrlPr>
@@ -6660,7 +11024,7 @@
                             <m:sSub>
                               <m:sSubPr>
                                 <m:ctrlPr>
-                                  <a:rPr lang="en-CA" sz="3800" b="0" smtClean="0">
+                                  <a:rPr lang="en-CA" sz="3800" b="0" i="1" smtClean="0">
                                     <a:latin typeface="Cambria Math" panose="02040503050406030204" pitchFamily="18" charset="0"/>
                                   </a:rPr>
                                 </m:ctrlPr>
@@ -6697,7 +11061,7 @@
                             <m:sSub>
                               <m:sSubPr>
                                 <m:ctrlPr>
-                                  <a:rPr lang="en-CA" sz="3800" b="0" smtClean="0">
+                                  <a:rPr lang="en-CA" sz="3800" b="0" i="1" smtClean="0">
                                     <a:latin typeface="Cambria Math" panose="02040503050406030204" pitchFamily="18" charset="0"/>
                                   </a:rPr>
                                 </m:ctrlPr>
@@ -6728,17 +11092,23 @@
                           </m:e>
                         </m:d>
                         <m:r>
+                          <a:rPr lang="en-CA" sz="3800" b="0" i="0" baseline="30000" smtClean="0">
+                            <a:latin typeface="Cambria Math" panose="02040503050406030204" pitchFamily="18" charset="0"/>
+                          </a:rPr>
+                          <m:t>2</m:t>
+                        </m:r>
+                        <m:r>
                           <a:rPr lang="en-CA" sz="3800" b="0" i="0" smtClean="0">
                             <a:latin typeface="Cambria Math" panose="02040503050406030204" pitchFamily="18" charset="0"/>
                           </a:rPr>
-                          <m:t>2 </m:t>
+                          <m:t> </m:t>
                         </m:r>
                         <m:groupChr>
                           <m:groupChrPr>
                             <m:chr m:val="⇔"/>
                             <m:pos m:val="top"/>
                             <m:ctrlPr>
-                              <a:rPr lang="en-CA" sz="3800" b="0" smtClean="0">
+                              <a:rPr lang="en-CA" sz="3800" b="0" i="1" smtClean="0">
                                 <a:latin typeface="Cambria Math" panose="02040503050406030204" pitchFamily="18" charset="0"/>
                               </a:rPr>
                             </m:ctrlPr>
@@ -6769,7 +11139,7 @@
                         <m:subHide m:val="on"/>
                         <m:supHide m:val="on"/>
                         <m:ctrlPr>
-                          <a:rPr lang="en-CA" sz="3800" b="0" smtClean="0">
+                          <a:rPr lang="en-CA" sz="3800" b="0" i="1" smtClean="0">
                             <a:latin typeface="Cambria Math" panose="02040503050406030204" pitchFamily="18" charset="0"/>
                           </a:rPr>
                         </m:ctrlPr>
@@ -6780,7 +11150,7 @@
                         <m:sSup>
                           <m:sSupPr>
                             <m:ctrlPr>
-                              <a:rPr lang="en-CA" sz="3800" b="0" smtClean="0">
+                              <a:rPr lang="en-CA" sz="3800" b="0" i="1" smtClean="0">
                                 <a:latin typeface="Cambria Math" panose="02040503050406030204" pitchFamily="18" charset="0"/>
                               </a:rPr>
                             </m:ctrlPr>
@@ -6804,7 +11174,7 @@
                             <m:sSubSup>
                               <m:sSubSupPr>
                                 <m:ctrlPr>
-                                  <a:rPr lang="en-CA" sz="3800" b="0" smtClean="0">
+                                  <a:rPr lang="en-CA" sz="3800" b="0" i="1" smtClean="0">
                                     <a:latin typeface="Cambria Math" panose="02040503050406030204" pitchFamily="18" charset="0"/>
                                   </a:rPr>
                                 </m:ctrlPr>
@@ -6868,7 +11238,7 @@
                         <m:sSub>
                           <m:sSubPr>
                             <m:ctrlPr>
-                              <a:rPr lang="en-CA" sz="3800" b="0" smtClean="0">
+                              <a:rPr lang="en-CA" sz="3800" b="0" i="1" smtClean="0">
                                 <a:latin typeface="Cambria Math" panose="02040503050406030204" pitchFamily="18" charset="0"/>
                               </a:rPr>
                             </m:ctrlPr>
@@ -6905,7 +11275,7 @@
                         <m:f>
                           <m:fPr>
                             <m:ctrlPr>
-                              <a:rPr lang="en-CA" sz="3800" b="0" smtClean="0">
+                              <a:rPr lang="en-CA" sz="3800" b="0" i="1" smtClean="0">
                                 <a:latin typeface="Cambria Math" panose="02040503050406030204" pitchFamily="18" charset="0"/>
                               </a:rPr>
                             </m:ctrlPr>
@@ -6929,7 +11299,7 @@
                               <m:radPr>
                                 <m:degHide m:val="on"/>
                                 <m:ctrlPr>
-                                  <a:rPr lang="en-CA" sz="3800" b="0" smtClean="0">
+                                  <a:rPr lang="en-CA" sz="3800" b="0" i="1" smtClean="0">
                                     <a:latin typeface="Cambria Math" panose="02040503050406030204" pitchFamily="18" charset="0"/>
                                   </a:rPr>
                                 </m:ctrlPr>
@@ -6951,7 +11321,7 @@
                             <m:sSub>
                               <m:sSubPr>
                                 <m:ctrlPr>
-                                  <a:rPr lang="en-CA" sz="3800" b="0" smtClean="0">
+                                  <a:rPr lang="en-CA" sz="3800" b="0" i="1" smtClean="0">
                                     <a:latin typeface="Cambria Math" panose="02040503050406030204" pitchFamily="18" charset="0"/>
                                   </a:rPr>
                                 </m:ctrlPr>
@@ -7001,7 +11371,7 @@
                     <m:sSub>
                       <m:sSubPr>
                         <m:ctrlPr>
-                          <a:rPr lang="en-CA">
+                          <a:rPr lang="en-CA" i="1">
                             <a:latin typeface="Cambria Math" panose="02040503050406030204" pitchFamily="18" charset="0"/>
                           </a:rPr>
                         </m:ctrlPr>
@@ -7041,7 +11411,7 @@
                     <m:sSubSup>
                       <m:sSubSupPr>
                         <m:ctrlPr>
-                          <a:rPr lang="en-CA">
+                          <a:rPr lang="en-CA" i="1">
                             <a:latin typeface="Cambria Math" panose="02040503050406030204" pitchFamily="18" charset="0"/>
                           </a:rPr>
                         </m:ctrlPr>
@@ -7088,7 +11458,7 @@
                     <m:sSubSup>
                       <m:sSubSupPr>
                         <m:ctrlPr>
-                          <a:rPr lang="en-CA" smtClean="0">
+                          <a:rPr lang="en-CA" i="1" smtClean="0">
                             <a:latin typeface="Cambria Math" panose="02040503050406030204" pitchFamily="18" charset="0"/>
                           </a:rPr>
                         </m:ctrlPr>
@@ -7136,7 +11506,7 @@
                     <m:sSub>
                       <m:sSubPr>
                         <m:ctrlPr>
-                          <a:rPr lang="en-CA">
+                          <a:rPr lang="en-CA" i="1">
                             <a:latin typeface="Cambria Math" panose="02040503050406030204" pitchFamily="18" charset="0"/>
                           </a:rPr>
                         </m:ctrlPr>
@@ -7187,7 +11557,7 @@
                     <m:d>
                       <m:dPr>
                         <m:ctrlPr>
-                          <a:rPr lang="en-CA" sz="3800" b="0" smtClean="0">
+                          <a:rPr lang="en-CA" sz="3800" b="0" i="1" smtClean="0">
                             <a:latin typeface="Cambria Math" panose="02040503050406030204" pitchFamily="18" charset="0"/>
                           </a:rPr>
                         </m:ctrlPr>
@@ -7255,7 +11625,7 @@
                     <m:f>
                       <m:fPr>
                         <m:ctrlPr>
-                          <a:rPr lang="en-CA" sz="3800" b="0" smtClean="0">
+                          <a:rPr lang="en-CA" sz="3800" b="0" i="1" smtClean="0">
                             <a:latin typeface="Cambria Math" panose="02040503050406030204" pitchFamily="18" charset="0"/>
                           </a:rPr>
                         </m:ctrlPr>
@@ -7285,7 +11655,7 @@
                         <m:chr m:val="∑"/>
                         <m:supHide m:val="on"/>
                         <m:ctrlPr>
-                          <a:rPr lang="en-CA" sz="3800" b="0" smtClean="0">
+                          <a:rPr lang="en-CA" sz="3800" b="0" i="1" smtClean="0">
                             <a:latin typeface="Cambria Math" panose="02040503050406030204" pitchFamily="18" charset="0"/>
                           </a:rPr>
                         </m:ctrlPr>
@@ -7322,7 +11692,7 @@
                         <m:sSub>
                           <m:sSubPr>
                             <m:ctrlPr>
-                              <a:rPr lang="en-CA" sz="3800" b="0" smtClean="0">
+                              <a:rPr lang="en-CA" sz="3800" b="0" i="1" smtClean="0">
                                 <a:latin typeface="Cambria Math" panose="02040503050406030204" pitchFamily="18" charset="0"/>
                               </a:rPr>
                             </m:ctrlPr>
@@ -7359,7 +11729,7 @@
                         <m:f>
                           <m:fPr>
                             <m:ctrlPr>
-                              <a:rPr lang="en-CA" sz="3800" b="0" smtClean="0">
+                              <a:rPr lang="en-CA" sz="3800" b="0" i="1" smtClean="0">
                                 <a:latin typeface="Cambria Math" panose="02040503050406030204" pitchFamily="18" charset="0"/>
                               </a:rPr>
                             </m:ctrlPr>
@@ -7383,7 +11753,7 @@
                               <m:radPr>
                                 <m:degHide m:val="on"/>
                                 <m:ctrlPr>
-                                  <a:rPr lang="en-CA" sz="3800" b="0" smtClean="0">
+                                  <a:rPr lang="en-CA" sz="3800" b="0" i="1" smtClean="0">
                                     <a:latin typeface="Cambria Math" panose="02040503050406030204" pitchFamily="18" charset="0"/>
                                   </a:rPr>
                                 </m:ctrlPr>
@@ -7409,7 +11779,7 @@
                             <m:chr m:val="∑"/>
                             <m:supHide m:val="on"/>
                             <m:ctrlPr>
-                              <a:rPr lang="en-CA" sz="3800" b="0" smtClean="0">
+                              <a:rPr lang="en-CA" sz="3800" b="0" i="1" smtClean="0">
                                 <a:latin typeface="Cambria Math" panose="02040503050406030204" pitchFamily="18" charset="0"/>
                               </a:rPr>
                             </m:ctrlPr>
@@ -7437,64 +11807,7 @@
                             <m:f>
                               <m:fPr>
                                 <m:ctrlPr>
-                                  <a:rPr lang="en-CA" sz="3800" b="0" smtClean="0">
-                                    <a:latin typeface="Cambria Math" panose="02040503050406030204" pitchFamily="18" charset="0"/>
-                                  </a:rPr>
-                                </m:ctrlPr>
-                              </m:fPr>
-                              <m:num>
-                                <m:r>
-                                  <a:rPr lang="en-CA" sz="3800" b="0" i="0" smtClean="0">
-                                    <a:latin typeface="Cambria Math" panose="02040503050406030204" pitchFamily="18" charset="0"/>
-                                  </a:rPr>
-                                  <m:t>1</m:t>
-                                </m:r>
-                              </m:num>
-                              <m:den>
-                                <m:sSub>
-                                  <m:sSubPr>
-                                    <m:ctrlPr>
-                                      <a:rPr lang="en-CA" sz="3800" b="0" smtClean="0">
-                                        <a:latin typeface="Cambria Math" panose="02040503050406030204" pitchFamily="18" charset="0"/>
-                                      </a:rPr>
-                                    </m:ctrlPr>
-                                  </m:sSubPr>
-                                  <m:e>
-                                    <m:r>
-                                      <m:rPr>
-                                        <m:sty m:val="p"/>
-                                      </m:rPr>
-                                      <a:rPr lang="en-CA" sz="3800" b="0" i="0" smtClean="0">
-                                        <a:latin typeface="Cambria Math" panose="02040503050406030204" pitchFamily="18" charset="0"/>
-                                        <a:ea typeface="Cambria Math" panose="02040503050406030204" pitchFamily="18" charset="0"/>
-                                      </a:rPr>
-                                      <m:t>σ</m:t>
-                                    </m:r>
-                                  </m:e>
-                                  <m:sub>
-                                    <m:r>
-                                      <m:rPr>
-                                        <m:sty m:val="p"/>
-                                      </m:rPr>
-                                      <a:rPr lang="en-CA" sz="3800" b="0" i="0" smtClean="0">
-                                        <a:latin typeface="Cambria Math" panose="02040503050406030204" pitchFamily="18" charset="0"/>
-                                      </a:rPr>
-                                      <m:t>i</m:t>
-                                    </m:r>
-                                  </m:sub>
-                                </m:sSub>
-                              </m:den>
-                            </m:f>
-                            <m:r>
-                              <a:rPr lang="en-CA" sz="3800" b="0" i="0" smtClean="0">
-                                <a:latin typeface="Cambria Math" panose="02040503050406030204" pitchFamily="18" charset="0"/>
-                              </a:rPr>
-                              <m:t>−</m:t>
-                            </m:r>
-                            <m:f>
-                              <m:fPr>
-                                <m:ctrlPr>
-                                  <a:rPr lang="en-CA" sz="3800" b="0" smtClean="0">
+                                  <a:rPr lang="en-CA" sz="3800" b="0" i="1" smtClean="0">
                                     <a:latin typeface="Cambria Math" panose="02040503050406030204" pitchFamily="18" charset="0"/>
                                   </a:rPr>
                                 </m:ctrlPr>
@@ -7511,7 +11824,7 @@
                                 <m:sSubSup>
                                   <m:sSubSupPr>
                                     <m:ctrlPr>
-                                      <a:rPr lang="en-CA" sz="3800" b="0" smtClean="0">
+                                      <a:rPr lang="en-CA" sz="3800" i="1">
                                         <a:latin typeface="Cambria Math" panose="02040503050406030204" pitchFamily="18" charset="0"/>
                                       </a:rPr>
                                     </m:ctrlPr>
@@ -7521,7 +11834,7 @@
                                       <m:rPr>
                                         <m:sty m:val="p"/>
                                       </m:rPr>
-                                      <a:rPr lang="en-CA" sz="3800" b="0" i="0" smtClean="0">
+                                      <a:rPr lang="en-CA" sz="3800">
                                         <a:latin typeface="Cambria Math" panose="02040503050406030204" pitchFamily="18" charset="0"/>
                                         <a:ea typeface="Cambria Math" panose="02040503050406030204" pitchFamily="18" charset="0"/>
                                       </a:rPr>
@@ -7533,7 +11846,72 @@
                                       <m:rPr>
                                         <m:sty m:val="p"/>
                                       </m:rPr>
-                                      <a:rPr lang="en-CA" sz="3800" b="0" i="0" smtClean="0">
+                                      <a:rPr lang="en-CA" sz="3800">
+                                        <a:latin typeface="Cambria Math" panose="02040503050406030204" pitchFamily="18" charset="0"/>
+                                      </a:rPr>
+                                      <m:t>i</m:t>
+                                    </m:r>
+                                  </m:sub>
+                                  <m:sup>
+                                    <m:r>
+                                      <a:rPr lang="en-CA" sz="3800">
+                                        <a:latin typeface="Cambria Math" panose="02040503050406030204" pitchFamily="18" charset="0"/>
+                                      </a:rPr>
+                                      <m:t>′</m:t>
+                                    </m:r>
+                                  </m:sup>
+                                </m:sSubSup>
+                              </m:den>
+                            </m:f>
+                            <m:r>
+                              <a:rPr lang="en-CA" sz="3800" b="0" i="0" smtClean="0">
+                                <a:latin typeface="Cambria Math" panose="02040503050406030204" pitchFamily="18" charset="0"/>
+                              </a:rPr>
+                              <m:t>−</m:t>
+                            </m:r>
+                            <m:f>
+                              <m:fPr>
+                                <m:ctrlPr>
+                                  <a:rPr lang="en-CA" sz="3800" b="0" i="1" smtClean="0">
+                                    <a:latin typeface="Cambria Math" panose="02040503050406030204" pitchFamily="18" charset="0"/>
+                                  </a:rPr>
+                                </m:ctrlPr>
+                              </m:fPr>
+                              <m:num>
+                                <m:r>
+                                  <a:rPr lang="en-CA" sz="3800" b="0" i="0" smtClean="0">
+                                    <a:latin typeface="Cambria Math" panose="02040503050406030204" pitchFamily="18" charset="0"/>
+                                  </a:rPr>
+                                  <m:t>1</m:t>
+                                </m:r>
+                              </m:num>
+                              <m:den>
+                                <m:sSubSup>
+                                  <m:sSubSupPr>
+                                    <m:ctrlPr>
+                                      <a:rPr lang="en-CA" sz="3800" i="1">
+                                        <a:latin typeface="Cambria Math" panose="02040503050406030204" pitchFamily="18" charset="0"/>
+                                      </a:rPr>
+                                    </m:ctrlPr>
+                                  </m:sSubSupPr>
+                                  <m:e>
+                                    <m:r>
+                                      <m:rPr>
+                                        <m:sty m:val="p"/>
+                                      </m:rPr>
+                                      <a:rPr lang="en-CA" sz="3800">
+                                        <a:latin typeface="Cambria Math" panose="02040503050406030204" pitchFamily="18" charset="0"/>
+                                        <a:ea typeface="Cambria Math" panose="02040503050406030204" pitchFamily="18" charset="0"/>
+                                      </a:rPr>
+                                      <m:t>σ</m:t>
+                                    </m:r>
+                                  </m:e>
+                                  <m:sub>
+                                    <m:r>
+                                      <m:rPr>
+                                        <m:sty m:val="p"/>
+                                      </m:rPr>
+                                      <a:rPr lang="en-CA" sz="3800">
                                         <a:latin typeface="Cambria Math" panose="02040503050406030204" pitchFamily="18" charset="0"/>
                                       </a:rPr>
                                       <m:t>i</m:t>
@@ -7544,7 +11922,7 @@
                                       <a:rPr lang="en-CA" sz="3800" b="0" i="0" smtClean="0">
                                         <a:latin typeface="Cambria Math" panose="02040503050406030204" pitchFamily="18" charset="0"/>
                                       </a:rPr>
-                                      <m:t>′</m:t>
+                                      <m:t> </m:t>
                                     </m:r>
                                   </m:sup>
                                 </m:sSubSup>
@@ -7621,14 +11999,334 @@
   <p:timing>
     <p:tnLst>
       <p:par>
-        <p:cTn id="1" dur="indefinite" restart="never" nodeType="tmRoot"/>
+        <p:cTn id="1" dur="indefinite" restart="never" nodeType="tmRoot">
+          <p:childTnLst>
+            <p:seq concurrent="1" nextAc="seek">
+              <p:cTn id="2" dur="indefinite" nodeType="mainSeq">
+                <p:childTnLst>
+                  <p:par>
+                    <p:cTn id="3" fill="hold">
+                      <p:stCondLst>
+                        <p:cond delay="indefinite"/>
+                      </p:stCondLst>
+                      <p:childTnLst>
+                        <p:par>
+                          <p:cTn id="4" fill="hold">
+                            <p:stCondLst>
+                              <p:cond delay="0"/>
+                            </p:stCondLst>
+                            <p:childTnLst>
+                              <p:par>
+                                <p:cTn id="5" presetID="1" presetClass="entr" presetSubtype="0" fill="hold" grpId="0" nodeType="clickEffect">
+                                  <p:stCondLst>
+                                    <p:cond delay="0"/>
+                                  </p:stCondLst>
+                                  <p:childTnLst>
+                                    <p:set>
+                                      <p:cBhvr>
+                                        <p:cTn id="6" dur="1" fill="hold">
+                                          <p:stCondLst>
+                                            <p:cond delay="0"/>
+                                          </p:stCondLst>
+                                        </p:cTn>
+                                        <p:tgtEl>
+                                          <p:spTgt spid="3">
+                                            <p:txEl>
+                                              <p:pRg st="0" end="0"/>
+                                            </p:txEl>
+                                          </p:spTgt>
+                                        </p:tgtEl>
+                                        <p:attrNameLst>
+                                          <p:attrName>style.visibility</p:attrName>
+                                        </p:attrNameLst>
+                                      </p:cBhvr>
+                                      <p:to>
+                                        <p:strVal val="visible"/>
+                                      </p:to>
+                                    </p:set>
+                                  </p:childTnLst>
+                                </p:cTn>
+                              </p:par>
+                            </p:childTnLst>
+                          </p:cTn>
+                        </p:par>
+                      </p:childTnLst>
+                    </p:cTn>
+                  </p:par>
+                  <p:par>
+                    <p:cTn id="7" fill="hold">
+                      <p:stCondLst>
+                        <p:cond delay="indefinite"/>
+                      </p:stCondLst>
+                      <p:childTnLst>
+                        <p:par>
+                          <p:cTn id="8" fill="hold">
+                            <p:stCondLst>
+                              <p:cond delay="0"/>
+                            </p:stCondLst>
+                            <p:childTnLst>
+                              <p:par>
+                                <p:cTn id="9" presetID="1" presetClass="entr" presetSubtype="0" fill="hold" grpId="0" nodeType="clickEffect">
+                                  <p:stCondLst>
+                                    <p:cond delay="0"/>
+                                  </p:stCondLst>
+                                  <p:childTnLst>
+                                    <p:set>
+                                      <p:cBhvr>
+                                        <p:cTn id="10" dur="1" fill="hold">
+                                          <p:stCondLst>
+                                            <p:cond delay="0"/>
+                                          </p:stCondLst>
+                                        </p:cTn>
+                                        <p:tgtEl>
+                                          <p:spTgt spid="3">
+                                            <p:txEl>
+                                              <p:pRg st="1" end="1"/>
+                                            </p:txEl>
+                                          </p:spTgt>
+                                        </p:tgtEl>
+                                        <p:attrNameLst>
+                                          <p:attrName>style.visibility</p:attrName>
+                                        </p:attrNameLst>
+                                      </p:cBhvr>
+                                      <p:to>
+                                        <p:strVal val="visible"/>
+                                      </p:to>
+                                    </p:set>
+                                  </p:childTnLst>
+                                </p:cTn>
+                              </p:par>
+                            </p:childTnLst>
+                          </p:cTn>
+                        </p:par>
+                      </p:childTnLst>
+                    </p:cTn>
+                  </p:par>
+                  <p:par>
+                    <p:cTn id="11" fill="hold">
+                      <p:stCondLst>
+                        <p:cond delay="indefinite"/>
+                      </p:stCondLst>
+                      <p:childTnLst>
+                        <p:par>
+                          <p:cTn id="12" fill="hold">
+                            <p:stCondLst>
+                              <p:cond delay="0"/>
+                            </p:stCondLst>
+                            <p:childTnLst>
+                              <p:par>
+                                <p:cTn id="13" presetID="1" presetClass="entr" presetSubtype="0" fill="hold" grpId="0" nodeType="clickEffect">
+                                  <p:stCondLst>
+                                    <p:cond delay="0"/>
+                                  </p:stCondLst>
+                                  <p:childTnLst>
+                                    <p:set>
+                                      <p:cBhvr>
+                                        <p:cTn id="14" dur="1" fill="hold">
+                                          <p:stCondLst>
+                                            <p:cond delay="0"/>
+                                          </p:stCondLst>
+                                        </p:cTn>
+                                        <p:tgtEl>
+                                          <p:spTgt spid="3">
+                                            <p:txEl>
+                                              <p:pRg st="2" end="2"/>
+                                            </p:txEl>
+                                          </p:spTgt>
+                                        </p:tgtEl>
+                                        <p:attrNameLst>
+                                          <p:attrName>style.visibility</p:attrName>
+                                        </p:attrNameLst>
+                                      </p:cBhvr>
+                                      <p:to>
+                                        <p:strVal val="visible"/>
+                                      </p:to>
+                                    </p:set>
+                                  </p:childTnLst>
+                                </p:cTn>
+                              </p:par>
+                            </p:childTnLst>
+                          </p:cTn>
+                        </p:par>
+                      </p:childTnLst>
+                    </p:cTn>
+                  </p:par>
+                  <p:par>
+                    <p:cTn id="15" fill="hold">
+                      <p:stCondLst>
+                        <p:cond delay="indefinite"/>
+                      </p:stCondLst>
+                      <p:childTnLst>
+                        <p:par>
+                          <p:cTn id="16" fill="hold">
+                            <p:stCondLst>
+                              <p:cond delay="0"/>
+                            </p:stCondLst>
+                            <p:childTnLst>
+                              <p:par>
+                                <p:cTn id="17" presetID="1" presetClass="entr" presetSubtype="0" fill="hold" grpId="0" nodeType="clickEffect">
+                                  <p:stCondLst>
+                                    <p:cond delay="0"/>
+                                  </p:stCondLst>
+                                  <p:childTnLst>
+                                    <p:set>
+                                      <p:cBhvr>
+                                        <p:cTn id="18" dur="1" fill="hold">
+                                          <p:stCondLst>
+                                            <p:cond delay="0"/>
+                                          </p:stCondLst>
+                                        </p:cTn>
+                                        <p:tgtEl>
+                                          <p:spTgt spid="3">
+                                            <p:txEl>
+                                              <p:pRg st="3" end="3"/>
+                                            </p:txEl>
+                                          </p:spTgt>
+                                        </p:tgtEl>
+                                        <p:attrNameLst>
+                                          <p:attrName>style.visibility</p:attrName>
+                                        </p:attrNameLst>
+                                      </p:cBhvr>
+                                      <p:to>
+                                        <p:strVal val="visible"/>
+                                      </p:to>
+                                    </p:set>
+                                  </p:childTnLst>
+                                </p:cTn>
+                              </p:par>
+                            </p:childTnLst>
+                          </p:cTn>
+                        </p:par>
+                      </p:childTnLst>
+                    </p:cTn>
+                  </p:par>
+                  <p:par>
+                    <p:cTn id="19" fill="hold">
+                      <p:stCondLst>
+                        <p:cond delay="indefinite"/>
+                      </p:stCondLst>
+                      <p:childTnLst>
+                        <p:par>
+                          <p:cTn id="20" fill="hold">
+                            <p:stCondLst>
+                              <p:cond delay="0"/>
+                            </p:stCondLst>
+                            <p:childTnLst>
+                              <p:par>
+                                <p:cTn id="21" presetID="1" presetClass="entr" presetSubtype="0" fill="hold" grpId="0" nodeType="clickEffect">
+                                  <p:stCondLst>
+                                    <p:cond delay="0"/>
+                                  </p:stCondLst>
+                                  <p:childTnLst>
+                                    <p:set>
+                                      <p:cBhvr>
+                                        <p:cTn id="22" dur="1" fill="hold">
+                                          <p:stCondLst>
+                                            <p:cond delay="0"/>
+                                          </p:stCondLst>
+                                        </p:cTn>
+                                        <p:tgtEl>
+                                          <p:spTgt spid="3">
+                                            <p:txEl>
+                                              <p:pRg st="4" end="4"/>
+                                            </p:txEl>
+                                          </p:spTgt>
+                                        </p:tgtEl>
+                                        <p:attrNameLst>
+                                          <p:attrName>style.visibility</p:attrName>
+                                        </p:attrNameLst>
+                                      </p:cBhvr>
+                                      <p:to>
+                                        <p:strVal val="visible"/>
+                                      </p:to>
+                                    </p:set>
+                                  </p:childTnLst>
+                                </p:cTn>
+                              </p:par>
+                            </p:childTnLst>
+                          </p:cTn>
+                        </p:par>
+                      </p:childTnLst>
+                    </p:cTn>
+                  </p:par>
+                  <p:par>
+                    <p:cTn id="23" fill="hold">
+                      <p:stCondLst>
+                        <p:cond delay="indefinite"/>
+                      </p:stCondLst>
+                      <p:childTnLst>
+                        <p:par>
+                          <p:cTn id="24" fill="hold">
+                            <p:stCondLst>
+                              <p:cond delay="0"/>
+                            </p:stCondLst>
+                            <p:childTnLst>
+                              <p:par>
+                                <p:cTn id="25" presetID="1" presetClass="entr" presetSubtype="0" fill="hold" grpId="0" nodeType="clickEffect">
+                                  <p:stCondLst>
+                                    <p:cond delay="0"/>
+                                  </p:stCondLst>
+                                  <p:childTnLst>
+                                    <p:set>
+                                      <p:cBhvr>
+                                        <p:cTn id="26" dur="1" fill="hold">
+                                          <p:stCondLst>
+                                            <p:cond delay="0"/>
+                                          </p:stCondLst>
+                                        </p:cTn>
+                                        <p:tgtEl>
+                                          <p:spTgt spid="3">
+                                            <p:txEl>
+                                              <p:pRg st="5" end="5"/>
+                                            </p:txEl>
+                                          </p:spTgt>
+                                        </p:tgtEl>
+                                        <p:attrNameLst>
+                                          <p:attrName>style.visibility</p:attrName>
+                                        </p:attrNameLst>
+                                      </p:cBhvr>
+                                      <p:to>
+                                        <p:strVal val="visible"/>
+                                      </p:to>
+                                    </p:set>
+                                  </p:childTnLst>
+                                </p:cTn>
+                              </p:par>
+                            </p:childTnLst>
+                          </p:cTn>
+                        </p:par>
+                      </p:childTnLst>
+                    </p:cTn>
+                  </p:par>
+                </p:childTnLst>
+              </p:cTn>
+              <p:prevCondLst>
+                <p:cond evt="onPrev" delay="0">
+                  <p:tgtEl>
+                    <p:sldTgt/>
+                  </p:tgtEl>
+                </p:cond>
+              </p:prevCondLst>
+              <p:nextCondLst>
+                <p:cond evt="onNext" delay="0">
+                  <p:tgtEl>
+                    <p:sldTgt/>
+                  </p:tgtEl>
+                </p:cond>
+              </p:nextCondLst>
+            </p:seq>
+          </p:childTnLst>
+        </p:cTn>
       </p:par>
     </p:tnLst>
+    <p:bldLst>
+      <p:bldP spid="3" grpId="0" build="p"/>
+    </p:bldLst>
   </p:timing>
 </p:sld>
 </file>
 
-<file path=ppt/slides/slide19.xml><?xml version="1.0" encoding="utf-8"?>
+<file path=ppt/slides/slide22.xml><?xml version="1.0" encoding="utf-8"?>
 <p:sld xmlns:a="http://schemas.openxmlformats.org/drawingml/2006/main" xmlns:r="http://schemas.openxmlformats.org/officeDocument/2006/relationships" xmlns:p="http://schemas.openxmlformats.org/presentationml/2006/main">
   <p:cSld>
     <p:spTree>
@@ -7680,8 +12378,8 @@
         </p:nvSpPr>
         <p:spPr>
           <a:xfrm>
-            <a:off x="838199" y="1825625"/>
-            <a:ext cx="5097987" cy="4351338"/>
+            <a:off x="838198" y="1825625"/>
+            <a:ext cx="10291355" cy="4351338"/>
           </a:xfrm>
         </p:spPr>
         <p:txBody>
@@ -7690,18 +12388,13 @@
           <a:p>
             <a:r>
               <a:rPr lang="en-CA" dirty="0" smtClean="0"/>
-              <a:t>Cluster the pixels using </a:t>
-            </a:r>
-            <a:r>
-              <a:rPr lang="en-CA" dirty="0" err="1" smtClean="0"/>
-              <a:t>kmeans</a:t>
-            </a:r>
-            <a:endParaRPr lang="en-CA" dirty="0" smtClean="0"/>
+              <a:t>Cluster the pixels using k-means</a:t>
+            </a:r>
           </a:p>
           <a:p>
             <a:r>
               <a:rPr lang="en-CA" dirty="0" smtClean="0"/>
-              <a:t>Build a decision tree </a:t>
+              <a:t>Build a decision tree based on classes assigned by k-means </a:t>
             </a:r>
             <a:endParaRPr lang="en-CA" dirty="0"/>
           </a:p>
@@ -7752,212 +12445,6 @@
 </p:sld>
 </file>
 
-<file path=ppt/slides/slide2.xml><?xml version="1.0" encoding="utf-8"?>
-<p:sld xmlns:a="http://schemas.openxmlformats.org/drawingml/2006/main" xmlns:r="http://schemas.openxmlformats.org/officeDocument/2006/relationships" xmlns:p="http://schemas.openxmlformats.org/presentationml/2006/main">
-  <p:cSld>
-    <p:spTree>
-      <p:nvGrpSpPr>
-        <p:cNvPr id="1" name=""/>
-        <p:cNvGrpSpPr/>
-        <p:nvPr/>
-      </p:nvGrpSpPr>
-      <p:grpSpPr>
-        <a:xfrm>
-          <a:off x="0" y="0"/>
-          <a:ext cx="0" cy="0"/>
-          <a:chOff x="0" y="0"/>
-          <a:chExt cx="0" cy="0"/>
-        </a:xfrm>
-      </p:grpSpPr>
-      <p:sp>
-        <p:nvSpPr>
-          <p:cNvPr id="2" name="Title 1"/>
-          <p:cNvSpPr>
-            <a:spLocks noGrp="1"/>
-          </p:cNvSpPr>
-          <p:nvPr>
-            <p:ph type="title"/>
-          </p:nvPr>
-        </p:nvSpPr>
-        <p:spPr/>
-        <p:txBody>
-          <a:bodyPr/>
-          <a:lstStyle/>
-          <a:p>
-            <a:r>
-              <a:rPr lang="en-CA" dirty="0" smtClean="0"/>
-              <a:t>4.7 Instance based learning</a:t>
-            </a:r>
-            <a:endParaRPr lang="en-CA" dirty="0"/>
-          </a:p>
-        </p:txBody>
-      </p:sp>
-      <p:sp>
-        <p:nvSpPr>
-          <p:cNvPr id="3" name="Content Placeholder 2"/>
-          <p:cNvSpPr>
-            <a:spLocks noGrp="1"/>
-          </p:cNvSpPr>
-          <p:nvPr>
-            <p:ph idx="1"/>
-          </p:nvPr>
-        </p:nvSpPr>
-        <p:spPr>
-          <a:xfrm>
-            <a:off x="838200" y="1825625"/>
-            <a:ext cx="3539836" cy="4351338"/>
-          </a:xfrm>
-        </p:spPr>
-        <p:txBody>
-          <a:bodyPr/>
-          <a:lstStyle/>
-          <a:p>
-            <a:r>
-              <a:rPr lang="en-CA" dirty="0" smtClean="0"/>
-              <a:t>Instance based learning works by storing training examples, and classifying new instances based on </a:t>
-            </a:r>
-            <a:r>
-              <a:rPr lang="en-CA" b="1" dirty="0" smtClean="0"/>
-              <a:t>distance</a:t>
-            </a:r>
-            <a:r>
-              <a:rPr lang="en-CA" dirty="0" smtClean="0"/>
-              <a:t> from training </a:t>
-            </a:r>
-            <a:r>
-              <a:rPr lang="en-CA" dirty="0" smtClean="0"/>
-              <a:t>examples</a:t>
-            </a:r>
-          </a:p>
-          <a:p>
-            <a:r>
-              <a:rPr lang="fr-CA" dirty="0" err="1" smtClean="0"/>
-              <a:t>Lazy</a:t>
-            </a:r>
-            <a:r>
-              <a:rPr lang="fr-CA" dirty="0" smtClean="0"/>
-              <a:t> </a:t>
-            </a:r>
-            <a:r>
-              <a:rPr lang="fr-CA" dirty="0" err="1" smtClean="0"/>
-              <a:t>learner</a:t>
-            </a:r>
-            <a:r>
-              <a:rPr lang="fr-CA" dirty="0" smtClean="0"/>
-              <a:t> (</a:t>
-            </a:r>
-            <a:r>
-              <a:rPr lang="fr-CA" dirty="0" err="1" smtClean="0"/>
-              <a:t>waits</a:t>
-            </a:r>
-            <a:r>
-              <a:rPr lang="fr-CA" dirty="0" smtClean="0"/>
-              <a:t> for new instances)</a:t>
-            </a:r>
-            <a:endParaRPr lang="en-CA" dirty="0"/>
-          </a:p>
-        </p:txBody>
-      </p:sp>
-      <p:pic>
-        <p:nvPicPr>
-          <p:cNvPr id="4" name="Picture 3"/>
-          <p:cNvPicPr>
-            <a:picLocks noChangeAspect="1"/>
-          </p:cNvPicPr>
-          <p:nvPr/>
-        </p:nvPicPr>
-        <p:blipFill>
-          <a:blip r:embed="rId2"/>
-          <a:stretch>
-            <a:fillRect/>
-          </a:stretch>
-        </p:blipFill>
-        <p:spPr>
-          <a:xfrm>
-            <a:off x="8513063" y="2012879"/>
-            <a:ext cx="3477613" cy="4164084"/>
-          </a:xfrm>
-          <a:prstGeom prst="rect">
-            <a:avLst/>
-          </a:prstGeom>
-        </p:spPr>
-      </p:pic>
-      <p:pic>
-        <p:nvPicPr>
-          <p:cNvPr id="5" name="Picture 4"/>
-          <p:cNvPicPr>
-            <a:picLocks noChangeAspect="1"/>
-          </p:cNvPicPr>
-          <p:nvPr/>
-        </p:nvPicPr>
-        <p:blipFill>
-          <a:blip r:embed="rId3"/>
-          <a:stretch>
-            <a:fillRect/>
-          </a:stretch>
-        </p:blipFill>
-        <p:spPr>
-          <a:xfrm>
-            <a:off x="4624110" y="2029618"/>
-            <a:ext cx="3494654" cy="4145521"/>
-          </a:xfrm>
-          <a:prstGeom prst="rect">
-            <a:avLst/>
-          </a:prstGeom>
-        </p:spPr>
-      </p:pic>
-      <p:sp>
-        <p:nvSpPr>
-          <p:cNvPr id="6" name="TextBox 5"/>
-          <p:cNvSpPr txBox="1"/>
-          <p:nvPr/>
-        </p:nvSpPr>
-        <p:spPr>
-          <a:xfrm>
-            <a:off x="243840" y="6488668"/>
-            <a:ext cx="11704320" cy="369332"/>
-          </a:xfrm>
-          <a:prstGeom prst="rect">
-            <a:avLst/>
-          </a:prstGeom>
-          <a:noFill/>
-        </p:spPr>
-        <p:txBody>
-          <a:bodyPr wrap="square" rtlCol="0">
-            <a:spAutoFit/>
-          </a:bodyPr>
-          <a:lstStyle/>
-          <a:p>
-            <a:r>
-              <a:rPr lang="en-CA" dirty="0">
-                <a:hlinkClick r:id="rId4"/>
-              </a:rPr>
-              <a:t>https://scikit-learn.org/stable/auto_examples/classification/plot_classifier_comparison.html</a:t>
-            </a:r>
-            <a:endParaRPr lang="en-CA" dirty="0"/>
-          </a:p>
-        </p:txBody>
-      </p:sp>
-    </p:spTree>
-    <p:extLst>
-      <p:ext uri="{BB962C8B-B14F-4D97-AF65-F5344CB8AC3E}">
-        <p14:creationId xmlns:p14="http://schemas.microsoft.com/office/powerpoint/2010/main" val="2072954820"/>
-      </p:ext>
-    </p:extLst>
-  </p:cSld>
-  <p:clrMapOvr>
-    <a:masterClrMapping/>
-  </p:clrMapOvr>
-  <p:timing>
-    <p:tnLst>
-      <p:par>
-        <p:cTn id="1" dur="indefinite" restart="never" nodeType="tmRoot"/>
-      </p:par>
-    </p:tnLst>
-  </p:timing>
-</p:sld>
-</file>
-
 <file path=ppt/slides/slide3.xml><?xml version="1.0" encoding="utf-8"?>
 <p:sld xmlns:a="http://schemas.openxmlformats.org/drawingml/2006/main" xmlns:r="http://schemas.openxmlformats.org/officeDocument/2006/relationships" xmlns:p="http://schemas.openxmlformats.org/presentationml/2006/main">
   <p:cSld>
@@ -8012,7 +12499,9 @@
             </p:nvSpPr>
             <p:spPr/>
             <p:txBody>
-              <a:bodyPr/>
+              <a:bodyPr>
+                <a:normAutofit lnSpcReduction="10000"/>
+              </a:bodyPr>
               <a:lstStyle/>
               <a:p>
                 <a:r>
@@ -8831,12 +13320,31 @@
                           </a:rPr>
                           <m:t>⁡(</m:t>
                         </m:r>
-                        <m:r>
-                          <a:rPr lang="en-CA" b="0" i="1" smtClean="0">
-                            <a:latin typeface="Cambria Math" panose="02040503050406030204" pitchFamily="18" charset="0"/>
-                          </a:rPr>
-                          <m:t>𝑣𝑖</m:t>
-                        </m:r>
+                        <m:sSub>
+                          <m:sSubPr>
+                            <m:ctrlPr>
+                              <a:rPr lang="en-CA" b="0" i="1" smtClean="0">
+                                <a:latin typeface="Cambria Math" panose="02040503050406030204" pitchFamily="18" charset="0"/>
+                              </a:rPr>
+                            </m:ctrlPr>
+                          </m:sSubPr>
+                          <m:e>
+                            <m:r>
+                              <a:rPr lang="en-CA" b="0" i="1" smtClean="0">
+                                <a:latin typeface="Cambria Math" panose="02040503050406030204" pitchFamily="18" charset="0"/>
+                              </a:rPr>
+                              <m:t>𝑣</m:t>
+                            </m:r>
+                          </m:e>
+                          <m:sub>
+                            <m:r>
+                              <a:rPr lang="en-CA" b="0" i="1" smtClean="0">
+                                <a:latin typeface="Cambria Math" panose="02040503050406030204" pitchFamily="18" charset="0"/>
+                              </a:rPr>
+                              <m:t>𝑖</m:t>
+                            </m:r>
+                          </m:sub>
+                        </m:sSub>
                         <m:r>
                           <a:rPr lang="en-CA" b="0" i="1" smtClean="0">
                             <a:latin typeface="Cambria Math" panose="02040503050406030204" pitchFamily="18" charset="0"/>
@@ -8911,12 +13419,31 @@
                           </a:rPr>
                           <m:t>⁡(</m:t>
                         </m:r>
-                        <m:r>
-                          <a:rPr lang="en-CA" b="0" i="1" smtClean="0">
-                            <a:latin typeface="Cambria Math" panose="02040503050406030204" pitchFamily="18" charset="0"/>
-                          </a:rPr>
-                          <m:t>𝑣𝑖</m:t>
-                        </m:r>
+                        <m:sSub>
+                          <m:sSubPr>
+                            <m:ctrlPr>
+                              <a:rPr lang="en-CA" b="0" i="1" smtClean="0">
+                                <a:latin typeface="Cambria Math" panose="02040503050406030204" pitchFamily="18" charset="0"/>
+                              </a:rPr>
+                            </m:ctrlPr>
+                          </m:sSubPr>
+                          <m:e>
+                            <m:r>
+                              <a:rPr lang="en-CA" b="0" i="1" smtClean="0">
+                                <a:latin typeface="Cambria Math" panose="02040503050406030204" pitchFamily="18" charset="0"/>
+                              </a:rPr>
+                              <m:t>𝑣</m:t>
+                            </m:r>
+                          </m:e>
+                          <m:sub>
+                            <m:r>
+                              <a:rPr lang="en-CA" b="0" i="1" smtClean="0">
+                                <a:latin typeface="Cambria Math" panose="02040503050406030204" pitchFamily="18" charset="0"/>
+                              </a:rPr>
+                              <m:t>𝑖</m:t>
+                            </m:r>
+                          </m:sub>
+                        </m:sSub>
                         <m:r>
                           <a:rPr lang="en-CA" b="0" i="1" smtClean="0">
                             <a:latin typeface="Cambria Math" panose="02040503050406030204" pitchFamily="18" charset="0"/>
@@ -8927,6 +13454,87 @@
                     </m:f>
                   </m:oMath>
                 </a14:m>
+                <a:endParaRPr lang="en-CA" dirty="0" smtClean="0"/>
+              </a:p>
+              <a:p>
+                <a:r>
+                  <a:rPr lang="en-CA" dirty="0" smtClean="0"/>
+                  <a:t>Where </a:t>
+                </a:r>
+                <a14:m>
+                  <m:oMath xmlns:m="http://schemas.openxmlformats.org/officeDocument/2006/math">
+                    <m:sSub>
+                      <m:sSubPr>
+                        <m:ctrlPr>
+                          <a:rPr lang="en-CA" i="1">
+                            <a:latin typeface="Cambria Math" panose="02040503050406030204" pitchFamily="18" charset="0"/>
+                          </a:rPr>
+                        </m:ctrlPr>
+                      </m:sSubPr>
+                      <m:e>
+                        <m:r>
+                          <a:rPr lang="en-CA" i="1">
+                            <a:latin typeface="Cambria Math" panose="02040503050406030204" pitchFamily="18" charset="0"/>
+                          </a:rPr>
+                          <m:t>𝑣</m:t>
+                        </m:r>
+                      </m:e>
+                      <m:sub>
+                        <m:r>
+                          <a:rPr lang="en-CA" i="1">
+                            <a:latin typeface="Cambria Math" panose="02040503050406030204" pitchFamily="18" charset="0"/>
+                          </a:rPr>
+                          <m:t>𝑖</m:t>
+                        </m:r>
+                      </m:sub>
+                    </m:sSub>
+                  </m:oMath>
+                </a14:m>
+                <a:r>
+                  <a:rPr lang="en-CA" dirty="0" smtClean="0"/>
+                  <a:t> is the original value of attribute </a:t>
+                </a:r>
+                <a:r>
+                  <a:rPr lang="en-CA" dirty="0" err="1" smtClean="0"/>
+                  <a:t>i</a:t>
+                </a:r>
+                <a:r>
+                  <a:rPr lang="en-CA" dirty="0" smtClean="0"/>
+                  <a:t>, and </a:t>
+                </a:r>
+                <a14:m>
+                  <m:oMath xmlns:m="http://schemas.openxmlformats.org/officeDocument/2006/math">
+                    <m:sSub>
+                      <m:sSubPr>
+                        <m:ctrlPr>
+                          <a:rPr lang="en-CA" i="1">
+                            <a:latin typeface="Cambria Math" panose="02040503050406030204" pitchFamily="18" charset="0"/>
+                          </a:rPr>
+                        </m:ctrlPr>
+                      </m:sSubPr>
+                      <m:e>
+                        <m:r>
+                          <a:rPr lang="en-CA" i="1">
+                            <a:latin typeface="Cambria Math" panose="02040503050406030204" pitchFamily="18" charset="0"/>
+                          </a:rPr>
+                          <m:t>𝑎</m:t>
+                        </m:r>
+                      </m:e>
+                      <m:sub>
+                        <m:r>
+                          <a:rPr lang="en-CA" i="1">
+                            <a:latin typeface="Cambria Math" panose="02040503050406030204" pitchFamily="18" charset="0"/>
+                          </a:rPr>
+                          <m:t>𝑖</m:t>
+                        </m:r>
+                      </m:sub>
+                    </m:sSub>
+                  </m:oMath>
+                </a14:m>
+                <a:r>
+                  <a:rPr lang="en-CA" dirty="0" smtClean="0"/>
+                  <a:t> is normalized value</a:t>
+                </a:r>
                 <a:endParaRPr lang="en-CA" dirty="0"/>
               </a:p>
             </p:txBody>
@@ -8947,7 +13555,7 @@
               <a:blipFill>
                 <a:blip r:embed="rId2"/>
                 <a:stretch>
-                  <a:fillRect l="-1043" t="-2241"/>
+                  <a:fillRect l="-1043" t="-3081" r="-812" b="-3361"/>
                 </a:stretch>
               </a:blipFill>
             </p:spPr>
@@ -8979,9 +13587,378 @@
   <p:timing>
     <p:tnLst>
       <p:par>
-        <p:cTn id="1" dur="indefinite" restart="never" nodeType="tmRoot"/>
+        <p:cTn id="1" dur="indefinite" restart="never" nodeType="tmRoot">
+          <p:childTnLst>
+            <p:seq concurrent="1" nextAc="seek">
+              <p:cTn id="2" dur="indefinite" nodeType="mainSeq">
+                <p:childTnLst>
+                  <p:par>
+                    <p:cTn id="3" fill="hold">
+                      <p:stCondLst>
+                        <p:cond delay="indefinite"/>
+                      </p:stCondLst>
+                      <p:childTnLst>
+                        <p:par>
+                          <p:cTn id="4" fill="hold">
+                            <p:stCondLst>
+                              <p:cond delay="0"/>
+                            </p:stCondLst>
+                            <p:childTnLst>
+                              <p:par>
+                                <p:cTn id="5" presetID="1" presetClass="entr" presetSubtype="0" fill="hold" grpId="0" nodeType="clickEffect">
+                                  <p:stCondLst>
+                                    <p:cond delay="0"/>
+                                  </p:stCondLst>
+                                  <p:childTnLst>
+                                    <p:set>
+                                      <p:cBhvr>
+                                        <p:cTn id="6" dur="1" fill="hold">
+                                          <p:stCondLst>
+                                            <p:cond delay="0"/>
+                                          </p:stCondLst>
+                                        </p:cTn>
+                                        <p:tgtEl>
+                                          <p:spTgt spid="3">
+                                            <p:txEl>
+                                              <p:pRg st="0" end="0"/>
+                                            </p:txEl>
+                                          </p:spTgt>
+                                        </p:tgtEl>
+                                        <p:attrNameLst>
+                                          <p:attrName>style.visibility</p:attrName>
+                                        </p:attrNameLst>
+                                      </p:cBhvr>
+                                      <p:to>
+                                        <p:strVal val="visible"/>
+                                      </p:to>
+                                    </p:set>
+                                  </p:childTnLst>
+                                </p:cTn>
+                              </p:par>
+                            </p:childTnLst>
+                          </p:cTn>
+                        </p:par>
+                      </p:childTnLst>
+                    </p:cTn>
+                  </p:par>
+                  <p:par>
+                    <p:cTn id="7" fill="hold">
+                      <p:stCondLst>
+                        <p:cond delay="indefinite"/>
+                      </p:stCondLst>
+                      <p:childTnLst>
+                        <p:par>
+                          <p:cTn id="8" fill="hold">
+                            <p:stCondLst>
+                              <p:cond delay="0"/>
+                            </p:stCondLst>
+                            <p:childTnLst>
+                              <p:par>
+                                <p:cTn id="9" presetID="1" presetClass="entr" presetSubtype="0" fill="hold" grpId="0" nodeType="clickEffect">
+                                  <p:stCondLst>
+                                    <p:cond delay="0"/>
+                                  </p:stCondLst>
+                                  <p:childTnLst>
+                                    <p:set>
+                                      <p:cBhvr>
+                                        <p:cTn id="10" dur="1" fill="hold">
+                                          <p:stCondLst>
+                                            <p:cond delay="0"/>
+                                          </p:stCondLst>
+                                        </p:cTn>
+                                        <p:tgtEl>
+                                          <p:spTgt spid="3">
+                                            <p:txEl>
+                                              <p:pRg st="1" end="1"/>
+                                            </p:txEl>
+                                          </p:spTgt>
+                                        </p:tgtEl>
+                                        <p:attrNameLst>
+                                          <p:attrName>style.visibility</p:attrName>
+                                        </p:attrNameLst>
+                                      </p:cBhvr>
+                                      <p:to>
+                                        <p:strVal val="visible"/>
+                                      </p:to>
+                                    </p:set>
+                                  </p:childTnLst>
+                                </p:cTn>
+                              </p:par>
+                            </p:childTnLst>
+                          </p:cTn>
+                        </p:par>
+                      </p:childTnLst>
+                    </p:cTn>
+                  </p:par>
+                  <p:par>
+                    <p:cTn id="11" fill="hold">
+                      <p:stCondLst>
+                        <p:cond delay="indefinite"/>
+                      </p:stCondLst>
+                      <p:childTnLst>
+                        <p:par>
+                          <p:cTn id="12" fill="hold">
+                            <p:stCondLst>
+                              <p:cond delay="0"/>
+                            </p:stCondLst>
+                            <p:childTnLst>
+                              <p:par>
+                                <p:cTn id="13" presetID="1" presetClass="entr" presetSubtype="0" fill="hold" grpId="0" nodeType="clickEffect">
+                                  <p:stCondLst>
+                                    <p:cond delay="0"/>
+                                  </p:stCondLst>
+                                  <p:childTnLst>
+                                    <p:set>
+                                      <p:cBhvr>
+                                        <p:cTn id="14" dur="1" fill="hold">
+                                          <p:stCondLst>
+                                            <p:cond delay="0"/>
+                                          </p:stCondLst>
+                                        </p:cTn>
+                                        <p:tgtEl>
+                                          <p:spTgt spid="3">
+                                            <p:txEl>
+                                              <p:pRg st="2" end="2"/>
+                                            </p:txEl>
+                                          </p:spTgt>
+                                        </p:tgtEl>
+                                        <p:attrNameLst>
+                                          <p:attrName>style.visibility</p:attrName>
+                                        </p:attrNameLst>
+                                      </p:cBhvr>
+                                      <p:to>
+                                        <p:strVal val="visible"/>
+                                      </p:to>
+                                    </p:set>
+                                  </p:childTnLst>
+                                </p:cTn>
+                              </p:par>
+                            </p:childTnLst>
+                          </p:cTn>
+                        </p:par>
+                      </p:childTnLst>
+                    </p:cTn>
+                  </p:par>
+                  <p:par>
+                    <p:cTn id="15" fill="hold">
+                      <p:stCondLst>
+                        <p:cond delay="indefinite"/>
+                      </p:stCondLst>
+                      <p:childTnLst>
+                        <p:par>
+                          <p:cTn id="16" fill="hold">
+                            <p:stCondLst>
+                              <p:cond delay="0"/>
+                            </p:stCondLst>
+                            <p:childTnLst>
+                              <p:par>
+                                <p:cTn id="17" presetID="1" presetClass="entr" presetSubtype="0" fill="hold" grpId="0" nodeType="clickEffect">
+                                  <p:stCondLst>
+                                    <p:cond delay="0"/>
+                                  </p:stCondLst>
+                                  <p:childTnLst>
+                                    <p:set>
+                                      <p:cBhvr>
+                                        <p:cTn id="18" dur="1" fill="hold">
+                                          <p:stCondLst>
+                                            <p:cond delay="0"/>
+                                          </p:stCondLst>
+                                        </p:cTn>
+                                        <p:tgtEl>
+                                          <p:spTgt spid="3">
+                                            <p:txEl>
+                                              <p:pRg st="3" end="3"/>
+                                            </p:txEl>
+                                          </p:spTgt>
+                                        </p:tgtEl>
+                                        <p:attrNameLst>
+                                          <p:attrName>style.visibility</p:attrName>
+                                        </p:attrNameLst>
+                                      </p:cBhvr>
+                                      <p:to>
+                                        <p:strVal val="visible"/>
+                                      </p:to>
+                                    </p:set>
+                                  </p:childTnLst>
+                                </p:cTn>
+                              </p:par>
+                            </p:childTnLst>
+                          </p:cTn>
+                        </p:par>
+                      </p:childTnLst>
+                    </p:cTn>
+                  </p:par>
+                  <p:par>
+                    <p:cTn id="19" fill="hold">
+                      <p:stCondLst>
+                        <p:cond delay="indefinite"/>
+                      </p:stCondLst>
+                      <p:childTnLst>
+                        <p:par>
+                          <p:cTn id="20" fill="hold">
+                            <p:stCondLst>
+                              <p:cond delay="0"/>
+                            </p:stCondLst>
+                            <p:childTnLst>
+                              <p:par>
+                                <p:cTn id="21" presetID="1" presetClass="entr" presetSubtype="0" fill="hold" grpId="0" nodeType="clickEffect">
+                                  <p:stCondLst>
+                                    <p:cond delay="0"/>
+                                  </p:stCondLst>
+                                  <p:childTnLst>
+                                    <p:set>
+                                      <p:cBhvr>
+                                        <p:cTn id="22" dur="1" fill="hold">
+                                          <p:stCondLst>
+                                            <p:cond delay="0"/>
+                                          </p:stCondLst>
+                                        </p:cTn>
+                                        <p:tgtEl>
+                                          <p:spTgt spid="3">
+                                            <p:txEl>
+                                              <p:pRg st="4" end="4"/>
+                                            </p:txEl>
+                                          </p:spTgt>
+                                        </p:tgtEl>
+                                        <p:attrNameLst>
+                                          <p:attrName>style.visibility</p:attrName>
+                                        </p:attrNameLst>
+                                      </p:cBhvr>
+                                      <p:to>
+                                        <p:strVal val="visible"/>
+                                      </p:to>
+                                    </p:set>
+                                  </p:childTnLst>
+                                </p:cTn>
+                              </p:par>
+                            </p:childTnLst>
+                          </p:cTn>
+                        </p:par>
+                      </p:childTnLst>
+                    </p:cTn>
+                  </p:par>
+                  <p:par>
+                    <p:cTn id="23" fill="hold">
+                      <p:stCondLst>
+                        <p:cond delay="indefinite"/>
+                      </p:stCondLst>
+                      <p:childTnLst>
+                        <p:par>
+                          <p:cTn id="24" fill="hold">
+                            <p:stCondLst>
+                              <p:cond delay="0"/>
+                            </p:stCondLst>
+                            <p:childTnLst>
+                              <p:par>
+                                <p:cTn id="25" presetID="1" presetClass="entr" presetSubtype="0" fill="hold" grpId="0" nodeType="clickEffect">
+                                  <p:stCondLst>
+                                    <p:cond delay="0"/>
+                                  </p:stCondLst>
+                                  <p:childTnLst>
+                                    <p:set>
+                                      <p:cBhvr>
+                                        <p:cTn id="26" dur="1" fill="hold">
+                                          <p:stCondLst>
+                                            <p:cond delay="0"/>
+                                          </p:stCondLst>
+                                        </p:cTn>
+                                        <p:tgtEl>
+                                          <p:spTgt spid="3">
+                                            <p:txEl>
+                                              <p:pRg st="5" end="5"/>
+                                            </p:txEl>
+                                          </p:spTgt>
+                                        </p:tgtEl>
+                                        <p:attrNameLst>
+                                          <p:attrName>style.visibility</p:attrName>
+                                        </p:attrNameLst>
+                                      </p:cBhvr>
+                                      <p:to>
+                                        <p:strVal val="visible"/>
+                                      </p:to>
+                                    </p:set>
+                                  </p:childTnLst>
+                                </p:cTn>
+                              </p:par>
+                            </p:childTnLst>
+                          </p:cTn>
+                        </p:par>
+                      </p:childTnLst>
+                    </p:cTn>
+                  </p:par>
+                  <p:par>
+                    <p:cTn id="27" fill="hold">
+                      <p:stCondLst>
+                        <p:cond delay="indefinite"/>
+                      </p:stCondLst>
+                      <p:childTnLst>
+                        <p:par>
+                          <p:cTn id="28" fill="hold">
+                            <p:stCondLst>
+                              <p:cond delay="0"/>
+                            </p:stCondLst>
+                            <p:childTnLst>
+                              <p:par>
+                                <p:cTn id="29" presetID="1" presetClass="entr" presetSubtype="0" fill="hold" grpId="0" nodeType="clickEffect">
+                                  <p:stCondLst>
+                                    <p:cond delay="0"/>
+                                  </p:stCondLst>
+                                  <p:childTnLst>
+                                    <p:set>
+                                      <p:cBhvr>
+                                        <p:cTn id="30" dur="1" fill="hold">
+                                          <p:stCondLst>
+                                            <p:cond delay="0"/>
+                                          </p:stCondLst>
+                                        </p:cTn>
+                                        <p:tgtEl>
+                                          <p:spTgt spid="3">
+                                            <p:txEl>
+                                              <p:pRg st="6" end="6"/>
+                                            </p:txEl>
+                                          </p:spTgt>
+                                        </p:tgtEl>
+                                        <p:attrNameLst>
+                                          <p:attrName>style.visibility</p:attrName>
+                                        </p:attrNameLst>
+                                      </p:cBhvr>
+                                      <p:to>
+                                        <p:strVal val="visible"/>
+                                      </p:to>
+                                    </p:set>
+                                  </p:childTnLst>
+                                </p:cTn>
+                              </p:par>
+                            </p:childTnLst>
+                          </p:cTn>
+                        </p:par>
+                      </p:childTnLst>
+                    </p:cTn>
+                  </p:par>
+                </p:childTnLst>
+              </p:cTn>
+              <p:prevCondLst>
+                <p:cond evt="onPrev" delay="0">
+                  <p:tgtEl>
+                    <p:sldTgt/>
+                  </p:tgtEl>
+                </p:cond>
+              </p:prevCondLst>
+              <p:nextCondLst>
+                <p:cond evt="onNext" delay="0">
+                  <p:tgtEl>
+                    <p:sldTgt/>
+                  </p:tgtEl>
+                </p:cond>
+              </p:nextCondLst>
+            </p:seq>
+          </p:childTnLst>
+        </p:cTn>
       </p:par>
     </p:tnLst>
+    <p:bldLst>
+      <p:bldP spid="3" grpId="0" build="p"/>
+    </p:bldLst>
   </p:timing>
 </p:sld>
 </file>
@@ -9081,7 +14058,7 @@
             </a:r>
             <a:r>
               <a:rPr lang="en-CA" dirty="0" smtClean="0"/>
-              <a:t> trees recursively divide instance space using hyperplanes</a:t>
+              <a:t> trees are binary trees that recursively divide instance space using hyperplanes</a:t>
             </a:r>
           </a:p>
           <a:p>
@@ -9144,9 +14121,374 @@
   <p:timing>
     <p:tnLst>
       <p:par>
-        <p:cTn id="1" dur="indefinite" restart="never" nodeType="tmRoot"/>
+        <p:cTn id="1" dur="indefinite" restart="never" nodeType="tmRoot">
+          <p:childTnLst>
+            <p:seq concurrent="1" nextAc="seek">
+              <p:cTn id="2" dur="indefinite" nodeType="mainSeq">
+                <p:childTnLst>
+                  <p:par>
+                    <p:cTn id="3" fill="hold">
+                      <p:stCondLst>
+                        <p:cond delay="indefinite"/>
+                      </p:stCondLst>
+                      <p:childTnLst>
+                        <p:par>
+                          <p:cTn id="4" fill="hold">
+                            <p:stCondLst>
+                              <p:cond delay="0"/>
+                            </p:stCondLst>
+                            <p:childTnLst>
+                              <p:par>
+                                <p:cTn id="5" presetID="1" presetClass="entr" presetSubtype="0" fill="hold" grpId="0" nodeType="clickEffect">
+                                  <p:stCondLst>
+                                    <p:cond delay="0"/>
+                                  </p:stCondLst>
+                                  <p:childTnLst>
+                                    <p:set>
+                                      <p:cBhvr>
+                                        <p:cTn id="6" dur="1" fill="hold">
+                                          <p:stCondLst>
+                                            <p:cond delay="0"/>
+                                          </p:stCondLst>
+                                        </p:cTn>
+                                        <p:tgtEl>
+                                          <p:spTgt spid="3">
+                                            <p:txEl>
+                                              <p:pRg st="0" end="0"/>
+                                            </p:txEl>
+                                          </p:spTgt>
+                                        </p:tgtEl>
+                                        <p:attrNameLst>
+                                          <p:attrName>style.visibility</p:attrName>
+                                        </p:attrNameLst>
+                                      </p:cBhvr>
+                                      <p:to>
+                                        <p:strVal val="visible"/>
+                                      </p:to>
+                                    </p:set>
+                                  </p:childTnLst>
+                                </p:cTn>
+                              </p:par>
+                            </p:childTnLst>
+                          </p:cTn>
+                        </p:par>
+                      </p:childTnLst>
+                    </p:cTn>
+                  </p:par>
+                  <p:par>
+                    <p:cTn id="7" fill="hold">
+                      <p:stCondLst>
+                        <p:cond delay="indefinite"/>
+                      </p:stCondLst>
+                      <p:childTnLst>
+                        <p:par>
+                          <p:cTn id="8" fill="hold">
+                            <p:stCondLst>
+                              <p:cond delay="0"/>
+                            </p:stCondLst>
+                            <p:childTnLst>
+                              <p:par>
+                                <p:cTn id="9" presetID="1" presetClass="entr" presetSubtype="0" fill="hold" grpId="0" nodeType="clickEffect">
+                                  <p:stCondLst>
+                                    <p:cond delay="0"/>
+                                  </p:stCondLst>
+                                  <p:childTnLst>
+                                    <p:set>
+                                      <p:cBhvr>
+                                        <p:cTn id="10" dur="1" fill="hold">
+                                          <p:stCondLst>
+                                            <p:cond delay="0"/>
+                                          </p:stCondLst>
+                                        </p:cTn>
+                                        <p:tgtEl>
+                                          <p:spTgt spid="3">
+                                            <p:txEl>
+                                              <p:pRg st="1" end="1"/>
+                                            </p:txEl>
+                                          </p:spTgt>
+                                        </p:tgtEl>
+                                        <p:attrNameLst>
+                                          <p:attrName>style.visibility</p:attrName>
+                                        </p:attrNameLst>
+                                      </p:cBhvr>
+                                      <p:to>
+                                        <p:strVal val="visible"/>
+                                      </p:to>
+                                    </p:set>
+                                  </p:childTnLst>
+                                </p:cTn>
+                              </p:par>
+                            </p:childTnLst>
+                          </p:cTn>
+                        </p:par>
+                      </p:childTnLst>
+                    </p:cTn>
+                  </p:par>
+                  <p:par>
+                    <p:cTn id="11" fill="hold">
+                      <p:stCondLst>
+                        <p:cond delay="indefinite"/>
+                      </p:stCondLst>
+                      <p:childTnLst>
+                        <p:par>
+                          <p:cTn id="12" fill="hold">
+                            <p:stCondLst>
+                              <p:cond delay="0"/>
+                            </p:stCondLst>
+                            <p:childTnLst>
+                              <p:par>
+                                <p:cTn id="13" presetID="1" presetClass="entr" presetSubtype="0" fill="hold" grpId="0" nodeType="clickEffect">
+                                  <p:stCondLst>
+                                    <p:cond delay="0"/>
+                                  </p:stCondLst>
+                                  <p:childTnLst>
+                                    <p:set>
+                                      <p:cBhvr>
+                                        <p:cTn id="14" dur="1" fill="hold">
+                                          <p:stCondLst>
+                                            <p:cond delay="0"/>
+                                          </p:stCondLst>
+                                        </p:cTn>
+                                        <p:tgtEl>
+                                          <p:spTgt spid="3">
+                                            <p:txEl>
+                                              <p:pRg st="2" end="2"/>
+                                            </p:txEl>
+                                          </p:spTgt>
+                                        </p:tgtEl>
+                                        <p:attrNameLst>
+                                          <p:attrName>style.visibility</p:attrName>
+                                        </p:attrNameLst>
+                                      </p:cBhvr>
+                                      <p:to>
+                                        <p:strVal val="visible"/>
+                                      </p:to>
+                                    </p:set>
+                                  </p:childTnLst>
+                                </p:cTn>
+                              </p:par>
+                            </p:childTnLst>
+                          </p:cTn>
+                        </p:par>
+                      </p:childTnLst>
+                    </p:cTn>
+                  </p:par>
+                  <p:par>
+                    <p:cTn id="15" fill="hold">
+                      <p:stCondLst>
+                        <p:cond delay="indefinite"/>
+                      </p:stCondLst>
+                      <p:childTnLst>
+                        <p:par>
+                          <p:cTn id="16" fill="hold">
+                            <p:stCondLst>
+                              <p:cond delay="0"/>
+                            </p:stCondLst>
+                            <p:childTnLst>
+                              <p:par>
+                                <p:cTn id="17" presetID="1" presetClass="entr" presetSubtype="0" fill="hold" grpId="0" nodeType="clickEffect">
+                                  <p:stCondLst>
+                                    <p:cond delay="0"/>
+                                  </p:stCondLst>
+                                  <p:childTnLst>
+                                    <p:set>
+                                      <p:cBhvr>
+                                        <p:cTn id="18" dur="1" fill="hold">
+                                          <p:stCondLst>
+                                            <p:cond delay="0"/>
+                                          </p:stCondLst>
+                                        </p:cTn>
+                                        <p:tgtEl>
+                                          <p:spTgt spid="3">
+                                            <p:txEl>
+                                              <p:pRg st="3" end="3"/>
+                                            </p:txEl>
+                                          </p:spTgt>
+                                        </p:tgtEl>
+                                        <p:attrNameLst>
+                                          <p:attrName>style.visibility</p:attrName>
+                                        </p:attrNameLst>
+                                      </p:cBhvr>
+                                      <p:to>
+                                        <p:strVal val="visible"/>
+                                      </p:to>
+                                    </p:set>
+                                  </p:childTnLst>
+                                </p:cTn>
+                              </p:par>
+                            </p:childTnLst>
+                          </p:cTn>
+                        </p:par>
+                      </p:childTnLst>
+                    </p:cTn>
+                  </p:par>
+                  <p:par>
+                    <p:cTn id="19" fill="hold">
+                      <p:stCondLst>
+                        <p:cond delay="indefinite"/>
+                      </p:stCondLst>
+                      <p:childTnLst>
+                        <p:par>
+                          <p:cTn id="20" fill="hold">
+                            <p:stCondLst>
+                              <p:cond delay="0"/>
+                            </p:stCondLst>
+                            <p:childTnLst>
+                              <p:par>
+                                <p:cTn id="21" presetID="1" presetClass="entr" presetSubtype="0" fill="hold" nodeType="clickEffect">
+                                  <p:stCondLst>
+                                    <p:cond delay="0"/>
+                                  </p:stCondLst>
+                                  <p:childTnLst>
+                                    <p:set>
+                                      <p:cBhvr>
+                                        <p:cTn id="22" dur="1" fill="hold">
+                                          <p:stCondLst>
+                                            <p:cond delay="0"/>
+                                          </p:stCondLst>
+                                        </p:cTn>
+                                        <p:tgtEl>
+                                          <p:spTgt spid="5"/>
+                                        </p:tgtEl>
+                                        <p:attrNameLst>
+                                          <p:attrName>style.visibility</p:attrName>
+                                        </p:attrNameLst>
+                                      </p:cBhvr>
+                                      <p:to>
+                                        <p:strVal val="visible"/>
+                                      </p:to>
+                                    </p:set>
+                                  </p:childTnLst>
+                                </p:cTn>
+                              </p:par>
+                            </p:childTnLst>
+                          </p:cTn>
+                        </p:par>
+                      </p:childTnLst>
+                    </p:cTn>
+                  </p:par>
+                  <p:par>
+                    <p:cTn id="23" fill="hold">
+                      <p:stCondLst>
+                        <p:cond delay="indefinite"/>
+                      </p:stCondLst>
+                      <p:childTnLst>
+                        <p:par>
+                          <p:cTn id="24" fill="hold">
+                            <p:stCondLst>
+                              <p:cond delay="0"/>
+                            </p:stCondLst>
+                            <p:childTnLst>
+                              <p:par>
+                                <p:cTn id="25" presetID="1" presetClass="entr" presetSubtype="0" fill="hold" grpId="0" nodeType="clickEffect">
+                                  <p:stCondLst>
+                                    <p:cond delay="0"/>
+                                  </p:stCondLst>
+                                  <p:childTnLst>
+                                    <p:set>
+                                      <p:cBhvr>
+                                        <p:cTn id="26" dur="1" fill="hold">
+                                          <p:stCondLst>
+                                            <p:cond delay="0"/>
+                                          </p:stCondLst>
+                                        </p:cTn>
+                                        <p:tgtEl>
+                                          <p:spTgt spid="3">
+                                            <p:txEl>
+                                              <p:pRg st="4" end="4"/>
+                                            </p:txEl>
+                                          </p:spTgt>
+                                        </p:tgtEl>
+                                        <p:attrNameLst>
+                                          <p:attrName>style.visibility</p:attrName>
+                                        </p:attrNameLst>
+                                      </p:cBhvr>
+                                      <p:to>
+                                        <p:strVal val="visible"/>
+                                      </p:to>
+                                    </p:set>
+                                  </p:childTnLst>
+                                </p:cTn>
+                              </p:par>
+                            </p:childTnLst>
+                          </p:cTn>
+                        </p:par>
+                      </p:childTnLst>
+                    </p:cTn>
+                  </p:par>
+                  <p:par>
+                    <p:cTn id="27" fill="hold">
+                      <p:stCondLst>
+                        <p:cond delay="indefinite"/>
+                      </p:stCondLst>
+                      <p:childTnLst>
+                        <p:par>
+                          <p:cTn id="28" fill="hold">
+                            <p:stCondLst>
+                              <p:cond delay="0"/>
+                            </p:stCondLst>
+                            <p:childTnLst>
+                              <p:par>
+                                <p:cTn id="29" presetID="1" presetClass="entr" presetSubtype="0" fill="hold" grpId="0" nodeType="clickEffect">
+                                  <p:stCondLst>
+                                    <p:cond delay="0"/>
+                                  </p:stCondLst>
+                                  <p:childTnLst>
+                                    <p:set>
+                                      <p:cBhvr>
+                                        <p:cTn id="30" dur="1" fill="hold">
+                                          <p:stCondLst>
+                                            <p:cond delay="0"/>
+                                          </p:stCondLst>
+                                        </p:cTn>
+                                        <p:tgtEl>
+                                          <p:spTgt spid="3">
+                                            <p:txEl>
+                                              <p:pRg st="5" end="5"/>
+                                            </p:txEl>
+                                          </p:spTgt>
+                                        </p:tgtEl>
+                                        <p:attrNameLst>
+                                          <p:attrName>style.visibility</p:attrName>
+                                        </p:attrNameLst>
+                                      </p:cBhvr>
+                                      <p:to>
+                                        <p:strVal val="visible"/>
+                                      </p:to>
+                                    </p:set>
+                                  </p:childTnLst>
+                                </p:cTn>
+                              </p:par>
+                            </p:childTnLst>
+                          </p:cTn>
+                        </p:par>
+                      </p:childTnLst>
+                    </p:cTn>
+                  </p:par>
+                </p:childTnLst>
+              </p:cTn>
+              <p:prevCondLst>
+                <p:cond evt="onPrev" delay="0">
+                  <p:tgtEl>
+                    <p:sldTgt/>
+                  </p:tgtEl>
+                </p:cond>
+              </p:prevCondLst>
+              <p:nextCondLst>
+                <p:cond evt="onNext" delay="0">
+                  <p:tgtEl>
+                    <p:sldTgt/>
+                  </p:tgtEl>
+                </p:cond>
+              </p:nextCondLst>
+            </p:seq>
+          </p:childTnLst>
+        </p:cTn>
       </p:par>
     </p:tnLst>
+    <p:bldLst>
+      <p:bldP spid="3" grpId="0" uiExpand="1" build="p"/>
+    </p:bldLst>
   </p:timing>
 </p:sld>
 </file>
@@ -9222,7 +14564,7 @@
         </p:spPr>
         <p:txBody>
           <a:bodyPr>
-            <a:normAutofit fontScale="85000" lnSpcReduction="10000"/>
+            <a:normAutofit fontScale="85000" lnSpcReduction="20000"/>
           </a:bodyPr>
           <a:lstStyle/>
           <a:p>
@@ -9264,8 +14606,33 @@
           <a:p>
             <a:r>
               <a:rPr lang="en-CA" dirty="0" smtClean="0"/>
-              <a:t>Top right (which is daughter of the upper half node) intersects the circle so we descend into it and find it contains a closer point (green)</a:t>
-            </a:r>
+              <a:t>Top right (which is daughter of the upper half node) intersects the circle so we descend into it and find it contains a closer point </a:t>
+            </a:r>
+            <a:r>
+              <a:rPr lang="en-CA" dirty="0" smtClean="0"/>
+              <a:t>(</a:t>
+            </a:r>
+            <a:r>
+              <a:rPr lang="en-CA" dirty="0" smtClean="0">
+                <a:solidFill>
+                  <a:schemeClr val="accent2">
+                    <a:lumMod val="75000"/>
+                  </a:schemeClr>
+                </a:solidFill>
+              </a:rPr>
+              <a:t>orange</a:t>
+            </a:r>
+            <a:r>
+              <a:rPr lang="en-CA" dirty="0" smtClean="0"/>
+              <a:t>)</a:t>
+            </a:r>
+          </a:p>
+          <a:p>
+            <a:r>
+              <a:rPr lang="en-CA" dirty="0" smtClean="0"/>
+              <a:t>With a “good” (well balanced) tree this procedure takes O(log2(n)) time, where n is #instances</a:t>
+            </a:r>
+            <a:endParaRPr lang="en-CA" dirty="0" smtClean="0"/>
           </a:p>
           <a:p>
             <a:endParaRPr lang="en-CA" dirty="0" smtClean="0"/>
@@ -9312,9 +14679,472 @@
   <p:timing>
     <p:tnLst>
       <p:par>
-        <p:cTn id="1" dur="indefinite" restart="never" nodeType="tmRoot"/>
+        <p:cTn id="1" dur="indefinite" restart="never" nodeType="tmRoot">
+          <p:childTnLst>
+            <p:seq concurrent="1" nextAc="seek">
+              <p:cTn id="2" dur="indefinite" nodeType="mainSeq">
+                <p:childTnLst>
+                  <p:par>
+                    <p:cTn id="3" fill="hold">
+                      <p:stCondLst>
+                        <p:cond delay="indefinite"/>
+                      </p:stCondLst>
+                      <p:childTnLst>
+                        <p:par>
+                          <p:cTn id="4" fill="hold">
+                            <p:stCondLst>
+                              <p:cond delay="0"/>
+                            </p:stCondLst>
+                            <p:childTnLst>
+                              <p:par>
+                                <p:cTn id="5" presetID="1" presetClass="entr" presetSubtype="0" fill="hold" grpId="0" nodeType="clickEffect">
+                                  <p:stCondLst>
+                                    <p:cond delay="0"/>
+                                  </p:stCondLst>
+                                  <p:childTnLst>
+                                    <p:set>
+                                      <p:cBhvr>
+                                        <p:cTn id="6" dur="1" fill="hold">
+                                          <p:stCondLst>
+                                            <p:cond delay="0"/>
+                                          </p:stCondLst>
+                                        </p:cTn>
+                                        <p:tgtEl>
+                                          <p:spTgt spid="3">
+                                            <p:txEl>
+                                              <p:pRg st="0" end="0"/>
+                                            </p:txEl>
+                                          </p:spTgt>
+                                        </p:tgtEl>
+                                        <p:attrNameLst>
+                                          <p:attrName>style.visibility</p:attrName>
+                                        </p:attrNameLst>
+                                      </p:cBhvr>
+                                      <p:to>
+                                        <p:strVal val="visible"/>
+                                      </p:to>
+                                    </p:set>
+                                  </p:childTnLst>
+                                </p:cTn>
+                              </p:par>
+                            </p:childTnLst>
+                          </p:cTn>
+                        </p:par>
+                      </p:childTnLst>
+                    </p:cTn>
+                  </p:par>
+                  <p:par>
+                    <p:cTn id="7" fill="hold">
+                      <p:stCondLst>
+                        <p:cond delay="indefinite"/>
+                      </p:stCondLst>
+                      <p:childTnLst>
+                        <p:par>
+                          <p:cTn id="8" fill="hold">
+                            <p:stCondLst>
+                              <p:cond delay="0"/>
+                            </p:stCondLst>
+                            <p:childTnLst>
+                              <p:par>
+                                <p:cTn id="9" presetID="1" presetClass="entr" presetSubtype="0" fill="hold" nodeType="clickEffect">
+                                  <p:stCondLst>
+                                    <p:cond delay="0"/>
+                                  </p:stCondLst>
+                                  <p:childTnLst>
+                                    <p:set>
+                                      <p:cBhvr>
+                                        <p:cTn id="10" dur="1" fill="hold">
+                                          <p:stCondLst>
+                                            <p:cond delay="0"/>
+                                          </p:stCondLst>
+                                        </p:cTn>
+                                        <p:tgtEl>
+                                          <p:spTgt spid="7"/>
+                                        </p:tgtEl>
+                                        <p:attrNameLst>
+                                          <p:attrName>style.visibility</p:attrName>
+                                        </p:attrNameLst>
+                                      </p:cBhvr>
+                                      <p:to>
+                                        <p:strVal val="visible"/>
+                                      </p:to>
+                                    </p:set>
+                                  </p:childTnLst>
+                                </p:cTn>
+                              </p:par>
+                            </p:childTnLst>
+                          </p:cTn>
+                        </p:par>
+                      </p:childTnLst>
+                    </p:cTn>
+                  </p:par>
+                  <p:par>
+                    <p:cTn id="11" fill="hold">
+                      <p:stCondLst>
+                        <p:cond delay="indefinite"/>
+                      </p:stCondLst>
+                      <p:childTnLst>
+                        <p:par>
+                          <p:cTn id="12" fill="hold">
+                            <p:stCondLst>
+                              <p:cond delay="0"/>
+                            </p:stCondLst>
+                            <p:childTnLst>
+                              <p:par>
+                                <p:cTn id="13" presetID="1" presetClass="entr" presetSubtype="0" fill="hold" grpId="0" nodeType="clickEffect">
+                                  <p:stCondLst>
+                                    <p:cond delay="0"/>
+                                  </p:stCondLst>
+                                  <p:childTnLst>
+                                    <p:set>
+                                      <p:cBhvr>
+                                        <p:cTn id="14" dur="1" fill="hold">
+                                          <p:stCondLst>
+                                            <p:cond delay="0"/>
+                                          </p:stCondLst>
+                                        </p:cTn>
+                                        <p:tgtEl>
+                                          <p:spTgt spid="3">
+                                            <p:txEl>
+                                              <p:pRg st="1" end="1"/>
+                                            </p:txEl>
+                                          </p:spTgt>
+                                        </p:tgtEl>
+                                        <p:attrNameLst>
+                                          <p:attrName>style.visibility</p:attrName>
+                                        </p:attrNameLst>
+                                      </p:cBhvr>
+                                      <p:to>
+                                        <p:strVal val="visible"/>
+                                      </p:to>
+                                    </p:set>
+                                  </p:childTnLst>
+                                </p:cTn>
+                              </p:par>
+                            </p:childTnLst>
+                          </p:cTn>
+                        </p:par>
+                      </p:childTnLst>
+                    </p:cTn>
+                  </p:par>
+                  <p:par>
+                    <p:cTn id="15" fill="hold">
+                      <p:stCondLst>
+                        <p:cond delay="indefinite"/>
+                      </p:stCondLst>
+                      <p:childTnLst>
+                        <p:par>
+                          <p:cTn id="16" fill="hold">
+                            <p:stCondLst>
+                              <p:cond delay="0"/>
+                            </p:stCondLst>
+                            <p:childTnLst>
+                              <p:par>
+                                <p:cTn id="17" presetID="1" presetClass="entr" presetSubtype="0" fill="hold" grpId="0" nodeType="clickEffect">
+                                  <p:stCondLst>
+                                    <p:cond delay="0"/>
+                                  </p:stCondLst>
+                                  <p:childTnLst>
+                                    <p:set>
+                                      <p:cBhvr>
+                                        <p:cTn id="18" dur="1" fill="hold">
+                                          <p:stCondLst>
+                                            <p:cond delay="0"/>
+                                          </p:stCondLst>
+                                        </p:cTn>
+                                        <p:tgtEl>
+                                          <p:spTgt spid="3">
+                                            <p:txEl>
+                                              <p:pRg st="2" end="2"/>
+                                            </p:txEl>
+                                          </p:spTgt>
+                                        </p:tgtEl>
+                                        <p:attrNameLst>
+                                          <p:attrName>style.visibility</p:attrName>
+                                        </p:attrNameLst>
+                                      </p:cBhvr>
+                                      <p:to>
+                                        <p:strVal val="visible"/>
+                                      </p:to>
+                                    </p:set>
+                                  </p:childTnLst>
+                                </p:cTn>
+                              </p:par>
+                            </p:childTnLst>
+                          </p:cTn>
+                        </p:par>
+                      </p:childTnLst>
+                    </p:cTn>
+                  </p:par>
+                  <p:par>
+                    <p:cTn id="19" fill="hold">
+                      <p:stCondLst>
+                        <p:cond delay="indefinite"/>
+                      </p:stCondLst>
+                      <p:childTnLst>
+                        <p:par>
+                          <p:cTn id="20" fill="hold">
+                            <p:stCondLst>
+                              <p:cond delay="0"/>
+                            </p:stCondLst>
+                            <p:childTnLst>
+                              <p:par>
+                                <p:cTn id="21" presetID="1" presetClass="entr" presetSubtype="0" fill="hold" grpId="0" nodeType="clickEffect">
+                                  <p:stCondLst>
+                                    <p:cond delay="0"/>
+                                  </p:stCondLst>
+                                  <p:childTnLst>
+                                    <p:set>
+                                      <p:cBhvr>
+                                        <p:cTn id="22" dur="1" fill="hold">
+                                          <p:stCondLst>
+                                            <p:cond delay="0"/>
+                                          </p:stCondLst>
+                                        </p:cTn>
+                                        <p:tgtEl>
+                                          <p:spTgt spid="3">
+                                            <p:txEl>
+                                              <p:pRg st="3" end="3"/>
+                                            </p:txEl>
+                                          </p:spTgt>
+                                        </p:tgtEl>
+                                        <p:attrNameLst>
+                                          <p:attrName>style.visibility</p:attrName>
+                                        </p:attrNameLst>
+                                      </p:cBhvr>
+                                      <p:to>
+                                        <p:strVal val="visible"/>
+                                      </p:to>
+                                    </p:set>
+                                  </p:childTnLst>
+                                </p:cTn>
+                              </p:par>
+                            </p:childTnLst>
+                          </p:cTn>
+                        </p:par>
+                      </p:childTnLst>
+                    </p:cTn>
+                  </p:par>
+                  <p:par>
+                    <p:cTn id="23" fill="hold">
+                      <p:stCondLst>
+                        <p:cond delay="indefinite"/>
+                      </p:stCondLst>
+                      <p:childTnLst>
+                        <p:par>
+                          <p:cTn id="24" fill="hold">
+                            <p:stCondLst>
+                              <p:cond delay="0"/>
+                            </p:stCondLst>
+                            <p:childTnLst>
+                              <p:par>
+                                <p:cTn id="25" presetID="1" presetClass="entr" presetSubtype="0" fill="hold" grpId="0" nodeType="clickEffect">
+                                  <p:stCondLst>
+                                    <p:cond delay="0"/>
+                                  </p:stCondLst>
+                                  <p:childTnLst>
+                                    <p:set>
+                                      <p:cBhvr>
+                                        <p:cTn id="26" dur="1" fill="hold">
+                                          <p:stCondLst>
+                                            <p:cond delay="0"/>
+                                          </p:stCondLst>
+                                        </p:cTn>
+                                        <p:tgtEl>
+                                          <p:spTgt spid="3">
+                                            <p:txEl>
+                                              <p:pRg st="4" end="4"/>
+                                            </p:txEl>
+                                          </p:spTgt>
+                                        </p:tgtEl>
+                                        <p:attrNameLst>
+                                          <p:attrName>style.visibility</p:attrName>
+                                        </p:attrNameLst>
+                                      </p:cBhvr>
+                                      <p:to>
+                                        <p:strVal val="visible"/>
+                                      </p:to>
+                                    </p:set>
+                                  </p:childTnLst>
+                                </p:cTn>
+                              </p:par>
+                            </p:childTnLst>
+                          </p:cTn>
+                        </p:par>
+                      </p:childTnLst>
+                    </p:cTn>
+                  </p:par>
+                  <p:par>
+                    <p:cTn id="27" fill="hold">
+                      <p:stCondLst>
+                        <p:cond delay="indefinite"/>
+                      </p:stCondLst>
+                      <p:childTnLst>
+                        <p:par>
+                          <p:cTn id="28" fill="hold">
+                            <p:stCondLst>
+                              <p:cond delay="0"/>
+                            </p:stCondLst>
+                            <p:childTnLst>
+                              <p:par>
+                                <p:cTn id="29" presetID="1" presetClass="entr" presetSubtype="0" fill="hold" grpId="0" nodeType="clickEffect">
+                                  <p:stCondLst>
+                                    <p:cond delay="0"/>
+                                  </p:stCondLst>
+                                  <p:childTnLst>
+                                    <p:set>
+                                      <p:cBhvr>
+                                        <p:cTn id="30" dur="1" fill="hold">
+                                          <p:stCondLst>
+                                            <p:cond delay="0"/>
+                                          </p:stCondLst>
+                                        </p:cTn>
+                                        <p:tgtEl>
+                                          <p:spTgt spid="3">
+                                            <p:txEl>
+                                              <p:pRg st="5" end="5"/>
+                                            </p:txEl>
+                                          </p:spTgt>
+                                        </p:tgtEl>
+                                        <p:attrNameLst>
+                                          <p:attrName>style.visibility</p:attrName>
+                                        </p:attrNameLst>
+                                      </p:cBhvr>
+                                      <p:to>
+                                        <p:strVal val="visible"/>
+                                      </p:to>
+                                    </p:set>
+                                  </p:childTnLst>
+                                </p:cTn>
+                              </p:par>
+                            </p:childTnLst>
+                          </p:cTn>
+                        </p:par>
+                      </p:childTnLst>
+                    </p:cTn>
+                  </p:par>
+                  <p:par>
+                    <p:cTn id="31" fill="hold">
+                      <p:stCondLst>
+                        <p:cond delay="indefinite"/>
+                      </p:stCondLst>
+                      <p:childTnLst>
+                        <p:par>
+                          <p:cTn id="32" fill="hold">
+                            <p:stCondLst>
+                              <p:cond delay="0"/>
+                            </p:stCondLst>
+                            <p:childTnLst>
+                              <p:par>
+                                <p:cTn id="33" presetID="1" presetClass="entr" presetSubtype="0" fill="hold" grpId="0" nodeType="clickEffect">
+                                  <p:stCondLst>
+                                    <p:cond delay="0"/>
+                                  </p:stCondLst>
+                                  <p:childTnLst>
+                                    <p:set>
+                                      <p:cBhvr>
+                                        <p:cTn id="34" dur="1" fill="hold">
+                                          <p:stCondLst>
+                                            <p:cond delay="0"/>
+                                          </p:stCondLst>
+                                        </p:cTn>
+                                        <p:tgtEl>
+                                          <p:spTgt spid="3">
+                                            <p:txEl>
+                                              <p:pRg st="6" end="6"/>
+                                            </p:txEl>
+                                          </p:spTgt>
+                                        </p:tgtEl>
+                                        <p:attrNameLst>
+                                          <p:attrName>style.visibility</p:attrName>
+                                        </p:attrNameLst>
+                                      </p:cBhvr>
+                                      <p:to>
+                                        <p:strVal val="visible"/>
+                                      </p:to>
+                                    </p:set>
+                                  </p:childTnLst>
+                                </p:cTn>
+                              </p:par>
+                            </p:childTnLst>
+                          </p:cTn>
+                        </p:par>
+                      </p:childTnLst>
+                    </p:cTn>
+                  </p:par>
+                  <p:par>
+                    <p:cTn id="35" fill="hold">
+                      <p:stCondLst>
+                        <p:cond delay="indefinite"/>
+                      </p:stCondLst>
+                      <p:childTnLst>
+                        <p:par>
+                          <p:cTn id="36" fill="hold">
+                            <p:stCondLst>
+                              <p:cond delay="0"/>
+                            </p:stCondLst>
+                            <p:childTnLst>
+                              <p:par>
+                                <p:cTn id="37" presetID="1" presetClass="entr" presetSubtype="0" fill="hold" grpId="0" nodeType="clickEffect">
+                                  <p:stCondLst>
+                                    <p:cond delay="0"/>
+                                  </p:stCondLst>
+                                  <p:childTnLst>
+                                    <p:set>
+                                      <p:cBhvr>
+                                        <p:cTn id="38" dur="1" fill="hold">
+                                          <p:stCondLst>
+                                            <p:cond delay="0"/>
+                                          </p:stCondLst>
+                                        </p:cTn>
+                                        <p:tgtEl>
+                                          <p:spTgt spid="3">
+                                            <p:txEl>
+                                              <p:pRg st="7" end="7"/>
+                                            </p:txEl>
+                                          </p:spTgt>
+                                        </p:tgtEl>
+                                        <p:attrNameLst>
+                                          <p:attrName>style.visibility</p:attrName>
+                                        </p:attrNameLst>
+                                      </p:cBhvr>
+                                      <p:to>
+                                        <p:strVal val="visible"/>
+                                      </p:to>
+                                    </p:set>
+                                  </p:childTnLst>
+                                </p:cTn>
+                              </p:par>
+                            </p:childTnLst>
+                          </p:cTn>
+                        </p:par>
+                      </p:childTnLst>
+                    </p:cTn>
+                  </p:par>
+                </p:childTnLst>
+              </p:cTn>
+              <p:prevCondLst>
+                <p:cond evt="onPrev" delay="0">
+                  <p:tgtEl>
+                    <p:sldTgt/>
+                  </p:tgtEl>
+                </p:cond>
+              </p:prevCondLst>
+              <p:nextCondLst>
+                <p:cond evt="onNext" delay="0">
+                  <p:tgtEl>
+                    <p:sldTgt/>
+                  </p:tgtEl>
+                </p:cond>
+              </p:nextCondLst>
+            </p:seq>
+          </p:childTnLst>
+        </p:cTn>
       </p:par>
     </p:tnLst>
+    <p:bldLst>
+      <p:bldP spid="3" grpId="0" uiExpand="1" build="p"/>
+    </p:bldLst>
   </p:timing>
 </p:sld>
 </file>
@@ -9346,7 +15176,12 @@
             <p:ph type="title"/>
           </p:nvPr>
         </p:nvSpPr>
-        <p:spPr/>
+        <p:spPr>
+          <a:xfrm>
+            <a:off x="421341" y="235043"/>
+            <a:ext cx="10515600" cy="840434"/>
+          </a:xfrm>
+        </p:spPr>
         <p:txBody>
           <a:bodyPr/>
           <a:lstStyle/>
@@ -9359,65 +15194,162 @@
           </a:p>
         </p:txBody>
       </p:sp>
-      <p:sp>
-        <p:nvSpPr>
-          <p:cNvPr id="3" name="Content Placeholder 2"/>
-          <p:cNvSpPr>
-            <a:spLocks noGrp="1"/>
-          </p:cNvSpPr>
-          <p:nvPr>
-            <p:ph idx="1"/>
-          </p:nvPr>
-        </p:nvSpPr>
-        <p:spPr>
-          <a:xfrm>
-            <a:off x="91440" y="1825625"/>
-            <a:ext cx="6226233" cy="4351338"/>
-          </a:xfrm>
-        </p:spPr>
-        <p:txBody>
-          <a:bodyPr>
-            <a:normAutofit lnSpcReduction="10000"/>
-          </a:bodyPr>
-          <a:lstStyle/>
-          <a:p>
-            <a:r>
-              <a:rPr lang="en-CA" dirty="0" smtClean="0"/>
-              <a:t>Need to find a good direction for initial split</a:t>
-            </a:r>
-          </a:p>
-          <a:p>
-            <a:r>
-              <a:rPr lang="en-CA" dirty="0" smtClean="0"/>
-              <a:t>Basic split: </a:t>
-            </a:r>
-          </a:p>
-          <a:p>
-            <a:r>
-              <a:rPr lang="en-CA" dirty="0" smtClean="0"/>
-              <a:t>1) calculate the variance of data points along each axis individually</a:t>
-            </a:r>
-          </a:p>
-          <a:p>
-            <a:r>
-              <a:rPr lang="en-CA" dirty="0" smtClean="0"/>
-              <a:t>2) select axis with greatest variance</a:t>
-            </a:r>
-          </a:p>
-          <a:p>
-            <a:r>
-              <a:rPr lang="en-CA" dirty="0" smtClean="0"/>
-              <a:t>3) create splitting hyperplane perpendicular to that axis, placing it at the median value along axis of greatest variance</a:t>
-            </a:r>
-          </a:p>
-          <a:p>
-            <a:endParaRPr lang="en-CA" dirty="0" smtClean="0"/>
-          </a:p>
-          <a:p>
-            <a:endParaRPr lang="en-CA" dirty="0"/>
-          </a:p>
-        </p:txBody>
-      </p:sp>
+      <mc:AlternateContent xmlns:mc="http://schemas.openxmlformats.org/markup-compatibility/2006">
+        <mc:Choice xmlns:a14="http://schemas.microsoft.com/office/drawing/2010/main" Requires="a14">
+          <p:sp>
+            <p:nvSpPr>
+              <p:cNvPr id="3" name="Content Placeholder 2"/>
+              <p:cNvSpPr>
+                <a:spLocks noGrp="1"/>
+              </p:cNvSpPr>
+              <p:nvPr>
+                <p:ph idx="1"/>
+              </p:nvPr>
+            </p:nvSpPr>
+            <p:spPr>
+              <a:xfrm>
+                <a:off x="91440" y="1344706"/>
+                <a:ext cx="6580504" cy="4832257"/>
+              </a:xfrm>
+            </p:spPr>
+            <p:txBody>
+              <a:bodyPr>
+                <a:normAutofit fontScale="92500" lnSpcReduction="20000"/>
+              </a:bodyPr>
+              <a:lstStyle/>
+              <a:p>
+                <a:r>
+                  <a:rPr lang="en-CA" dirty="0" smtClean="0"/>
+                  <a:t>Need to find a good direction for initial split</a:t>
+                </a:r>
+              </a:p>
+              <a:p>
+                <a:r>
+                  <a:rPr lang="en-CA" dirty="0" smtClean="0"/>
+                  <a:t>Basic split: </a:t>
+                </a:r>
+              </a:p>
+              <a:p>
+                <a:r>
+                  <a:rPr lang="en-CA" dirty="0" smtClean="0"/>
+                  <a:t>1) calculate the variance of data points along each axis individually</a:t>
+                </a:r>
+              </a:p>
+              <a:p>
+                <a:r>
+                  <a:rPr lang="en-CA" dirty="0" smtClean="0"/>
+                  <a:t>2) select axis with greatest variance</a:t>
+                </a:r>
+              </a:p>
+              <a:p>
+                <a:r>
+                  <a:rPr lang="en-CA" dirty="0" smtClean="0"/>
+                  <a:t>3) create splitting hyperplane perpendicular to that axis, placing it at the median value along axis of greatest variance</a:t>
+                </a:r>
+              </a:p>
+              <a:p>
+                <a:r>
+                  <a:rPr lang="en-CA" dirty="0" smtClean="0"/>
+                  <a:t>Why use axis of greatest variance</a:t>
+                </a:r>
+                <a:r>
+                  <a:rPr lang="en-CA" dirty="0" smtClean="0"/>
+                  <a:t>?</a:t>
+                </a:r>
+              </a:p>
+              <a:p>
+                <a:r>
+                  <a:rPr lang="en-CA" dirty="0" smtClean="0"/>
+                  <a:t>Dataset should have </a:t>
+                </a:r>
+                <a14:m>
+                  <m:oMath xmlns:m="http://schemas.openxmlformats.org/officeDocument/2006/math">
+                    <m:sSup>
+                      <m:sSupPr>
+                        <m:ctrlPr>
+                          <a:rPr lang="en-CA" i="1" smtClean="0">
+                            <a:latin typeface="Cambria Math" panose="02040503050406030204" pitchFamily="18" charset="0"/>
+                          </a:rPr>
+                        </m:ctrlPr>
+                      </m:sSupPr>
+                      <m:e>
+                        <m:r>
+                          <a:rPr lang="en-CA" b="0" i="1" smtClean="0">
+                            <a:latin typeface="Cambria Math" panose="02040503050406030204" pitchFamily="18" charset="0"/>
+                          </a:rPr>
+                          <m:t>2</m:t>
+                        </m:r>
+                      </m:e>
+                      <m:sup>
+                        <m:r>
+                          <a:rPr lang="en-CA" b="0" i="1" smtClean="0">
+                            <a:latin typeface="Cambria Math" panose="02040503050406030204" pitchFamily="18" charset="0"/>
+                          </a:rPr>
+                          <m:t>𝑘</m:t>
+                        </m:r>
+                      </m:sup>
+                    </m:sSup>
+                    <m:r>
+                      <a:rPr lang="en-CA" b="0" i="1" smtClean="0">
+                        <a:latin typeface="Cambria Math" panose="02040503050406030204" pitchFamily="18" charset="0"/>
+                      </a:rPr>
+                      <m:t> </m:t>
+                    </m:r>
+                  </m:oMath>
+                </a14:m>
+                <a:r>
+                  <a:rPr lang="en-CA" dirty="0" smtClean="0"/>
+                  <a:t>instances, where k is number of attributes (dimensions), because with high dimensional data, splitting along a single dimension doesn’t help.</a:t>
+                </a:r>
+                <a:endParaRPr lang="en-CA" dirty="0" smtClean="0"/>
+              </a:p>
+              <a:p>
+                <a:endParaRPr lang="en-CA" dirty="0" smtClean="0"/>
+              </a:p>
+              <a:p>
+                <a:endParaRPr lang="en-CA" dirty="0"/>
+              </a:p>
+            </p:txBody>
+          </p:sp>
+        </mc:Choice>
+        <mc:Fallback>
+          <p:sp>
+            <p:nvSpPr>
+              <p:cNvPr id="3" name="Content Placeholder 2"/>
+              <p:cNvSpPr>
+                <a:spLocks noGrp="1" noRot="1" noChangeAspect="1" noMove="1" noResize="1" noEditPoints="1" noAdjustHandles="1" noChangeArrowheads="1" noChangeShapeType="1" noTextEdit="1"/>
+              </p:cNvSpPr>
+              <p:nvPr>
+                <p:ph idx="1"/>
+              </p:nvPr>
+            </p:nvSpPr>
+            <p:spPr>
+              <a:xfrm>
+                <a:off x="91440" y="1344706"/>
+                <a:ext cx="6580504" cy="4832257"/>
+              </a:xfrm>
+              <a:blipFill>
+                <a:blip r:embed="rId2"/>
+                <a:stretch>
+                  <a:fillRect l="-1390" t="-3283" r="-278"/>
+                </a:stretch>
+              </a:blipFill>
+            </p:spPr>
+            <p:txBody>
+              <a:bodyPr/>
+              <a:lstStyle/>
+              <a:p>
+                <a:r>
+                  <a:rPr lang="en-CA">
+                    <a:noFill/>
+                  </a:rPr>
+                  <a:t> </a:t>
+                </a:r>
+              </a:p>
+            </p:txBody>
+          </p:sp>
+        </mc:Fallback>
+      </mc:AlternateContent>
       <p:pic>
         <p:nvPicPr>
           <p:cNvPr id="2050" name="Picture 2" descr="Image result for mahalanobis distance"/>
@@ -9427,7 +15359,7 @@
           <p:nvPr/>
         </p:nvPicPr>
         <p:blipFill>
-          <a:blip r:embed="rId2">
+          <a:blip r:embed="rId3">
             <a:extLst>
               <a:ext uri="{28A0092B-C50C-407E-A947-70E740481C1C}">
                 <a14:useLocalDpi xmlns:a14="http://schemas.microsoft.com/office/drawing/2010/main" val="0"/>
@@ -9441,7 +15373,7 @@
         </p:blipFill>
         <p:spPr bwMode="auto">
           <a:xfrm>
-            <a:off x="6425747" y="1825625"/>
+            <a:off x="6504125" y="1825625"/>
             <a:ext cx="5334000" cy="4000501"/>
           </a:xfrm>
           <a:prstGeom prst="rect">
@@ -9466,9 +15398,9 @@
           <p:nvPr/>
         </p:nvCxnSpPr>
         <p:spPr>
-          <a:xfrm flipV="1">
-            <a:off x="8477794" y="3696789"/>
-            <a:ext cx="1554480" cy="26125"/>
+          <a:xfrm>
+            <a:off x="8477794" y="3722915"/>
+            <a:ext cx="1554480" cy="1920"/>
           </a:xfrm>
           <a:prstGeom prst="line">
             <a:avLst/>
@@ -9501,9 +15433,9 @@
           <p:nvPr/>
         </p:nvCxnSpPr>
         <p:spPr>
-          <a:xfrm>
-            <a:off x="9171125" y="2690949"/>
-            <a:ext cx="0" cy="992777"/>
+          <a:xfrm flipH="1" flipV="1">
+            <a:off x="8739551" y="3396343"/>
+            <a:ext cx="1030966" cy="13063"/>
           </a:xfrm>
           <a:prstGeom prst="line">
             <a:avLst/>
@@ -9529,6 +15461,187 @@
           </a:fontRef>
         </p:style>
       </p:cxnSp>
+      <p:sp>
+        <p:nvSpPr>
+          <p:cNvPr id="4" name="TextBox 3"/>
+          <p:cNvSpPr txBox="1"/>
+          <p:nvPr/>
+        </p:nvSpPr>
+        <p:spPr>
+          <a:xfrm>
+            <a:off x="10032274" y="3525917"/>
+            <a:ext cx="764953" cy="369332"/>
+          </a:xfrm>
+          <a:prstGeom prst="rect">
+            <a:avLst/>
+          </a:prstGeom>
+          <a:noFill/>
+        </p:spPr>
+        <p:txBody>
+          <a:bodyPr wrap="none" rtlCol="0">
+            <a:spAutoFit/>
+          </a:bodyPr>
+          <a:lstStyle/>
+          <a:p>
+            <a:r>
+              <a:rPr lang="en-CA" dirty="0" smtClean="0">
+                <a:solidFill>
+                  <a:srgbClr val="FF0000"/>
+                </a:solidFill>
+              </a:rPr>
+              <a:t>Split 1</a:t>
+            </a:r>
+            <a:endParaRPr lang="en-CA" dirty="0">
+              <a:solidFill>
+                <a:srgbClr val="FF0000"/>
+              </a:solidFill>
+            </a:endParaRPr>
+          </a:p>
+        </p:txBody>
+      </p:sp>
+      <p:sp>
+        <p:nvSpPr>
+          <p:cNvPr id="9" name="TextBox 8"/>
+          <p:cNvSpPr txBox="1"/>
+          <p:nvPr/>
+        </p:nvSpPr>
+        <p:spPr>
+          <a:xfrm>
+            <a:off x="9763985" y="3089117"/>
+            <a:ext cx="764953" cy="369332"/>
+          </a:xfrm>
+          <a:prstGeom prst="rect">
+            <a:avLst/>
+          </a:prstGeom>
+          <a:noFill/>
+        </p:spPr>
+        <p:txBody>
+          <a:bodyPr wrap="none" rtlCol="0">
+            <a:spAutoFit/>
+          </a:bodyPr>
+          <a:lstStyle/>
+          <a:p>
+            <a:r>
+              <a:rPr lang="en-CA" dirty="0" smtClean="0">
+                <a:solidFill>
+                  <a:srgbClr val="FFC000"/>
+                </a:solidFill>
+              </a:rPr>
+              <a:t>Split 2</a:t>
+            </a:r>
+            <a:endParaRPr lang="en-CA" dirty="0">
+              <a:solidFill>
+                <a:srgbClr val="FFC000"/>
+              </a:solidFill>
+            </a:endParaRPr>
+          </a:p>
+        </p:txBody>
+      </p:sp>
+      <p:cxnSp>
+        <p:nvCxnSpPr>
+          <p:cNvPr id="12" name="Straight Connector 11"/>
+          <p:cNvCxnSpPr/>
+          <p:nvPr/>
+        </p:nvCxnSpPr>
+        <p:spPr>
+          <a:xfrm flipV="1">
+            <a:off x="9255034" y="3409406"/>
+            <a:ext cx="0" cy="267541"/>
+          </a:xfrm>
+          <a:prstGeom prst="line">
+            <a:avLst/>
+          </a:prstGeom>
+          <a:ln w="38100">
+            <a:solidFill>
+              <a:srgbClr val="00B050"/>
+            </a:solidFill>
+          </a:ln>
+        </p:spPr>
+        <p:style>
+          <a:lnRef idx="1">
+            <a:schemeClr val="accent1"/>
+          </a:lnRef>
+          <a:fillRef idx="0">
+            <a:schemeClr val="accent1"/>
+          </a:fillRef>
+          <a:effectRef idx="0">
+            <a:schemeClr val="accent1"/>
+          </a:effectRef>
+          <a:fontRef idx="minor">
+            <a:schemeClr val="tx1"/>
+          </a:fontRef>
+        </p:style>
+      </p:cxnSp>
+      <p:sp>
+        <p:nvSpPr>
+          <p:cNvPr id="13" name="TextBox 12"/>
+          <p:cNvSpPr txBox="1"/>
+          <p:nvPr/>
+        </p:nvSpPr>
+        <p:spPr>
+          <a:xfrm>
+            <a:off x="9406820" y="3358510"/>
+            <a:ext cx="1273904" cy="369332"/>
+          </a:xfrm>
+          <a:prstGeom prst="rect">
+            <a:avLst/>
+          </a:prstGeom>
+          <a:noFill/>
+        </p:spPr>
+        <p:txBody>
+          <a:bodyPr wrap="square" rtlCol="0">
+            <a:spAutoFit/>
+          </a:bodyPr>
+          <a:lstStyle/>
+          <a:p>
+            <a:r>
+              <a:rPr lang="en-CA" dirty="0" smtClean="0">
+                <a:solidFill>
+                  <a:srgbClr val="00B050"/>
+                </a:solidFill>
+              </a:rPr>
+              <a:t>Split 3</a:t>
+            </a:r>
+            <a:endParaRPr lang="en-CA" dirty="0">
+              <a:solidFill>
+                <a:srgbClr val="00B050"/>
+              </a:solidFill>
+            </a:endParaRPr>
+          </a:p>
+        </p:txBody>
+      </p:sp>
+      <p:sp>
+        <p:nvSpPr>
+          <p:cNvPr id="10" name="TextBox 9"/>
+          <p:cNvSpPr txBox="1"/>
+          <p:nvPr/>
+        </p:nvSpPr>
+        <p:spPr>
+          <a:xfrm>
+            <a:off x="1707776" y="6446192"/>
+            <a:ext cx="10367683" cy="369332"/>
+          </a:xfrm>
+          <a:prstGeom prst="rect">
+            <a:avLst/>
+          </a:prstGeom>
+          <a:noFill/>
+        </p:spPr>
+        <p:txBody>
+          <a:bodyPr wrap="square" rtlCol="0">
+            <a:spAutoFit/>
+          </a:bodyPr>
+          <a:lstStyle/>
+          <a:p>
+            <a:r>
+              <a:rPr lang="en-CA" dirty="0">
+                <a:hlinkClick r:id="rId4"/>
+              </a:rPr>
+              <a:t>https://stackoverflow.com/questions/37132774/why-k-d-trees-is-not-used-for-high-dimensional-data</a:t>
+            </a:r>
+            <a:endParaRPr lang="en-CA" dirty="0"/>
+          </a:p>
+        </p:txBody>
+      </p:sp>
     </p:spTree>
     <p:extLst>
       <p:ext uri="{BB962C8B-B14F-4D97-AF65-F5344CB8AC3E}">
@@ -9542,9 +15655,642 @@
   <p:timing>
     <p:tnLst>
       <p:par>
-        <p:cTn id="1" dur="indefinite" restart="never" nodeType="tmRoot"/>
+        <p:cTn id="1" dur="indefinite" restart="never" nodeType="tmRoot">
+          <p:childTnLst>
+            <p:seq concurrent="1" nextAc="seek">
+              <p:cTn id="2" dur="indefinite" nodeType="mainSeq">
+                <p:childTnLst>
+                  <p:par>
+                    <p:cTn id="3" fill="hold">
+                      <p:stCondLst>
+                        <p:cond delay="indefinite"/>
+                      </p:stCondLst>
+                      <p:childTnLst>
+                        <p:par>
+                          <p:cTn id="4" fill="hold">
+                            <p:stCondLst>
+                              <p:cond delay="0"/>
+                            </p:stCondLst>
+                            <p:childTnLst>
+                              <p:par>
+                                <p:cTn id="5" presetID="1" presetClass="entr" presetSubtype="0" fill="hold" grpId="0" nodeType="clickEffect">
+                                  <p:stCondLst>
+                                    <p:cond delay="0"/>
+                                  </p:stCondLst>
+                                  <p:childTnLst>
+                                    <p:set>
+                                      <p:cBhvr>
+                                        <p:cTn id="6" dur="1" fill="hold">
+                                          <p:stCondLst>
+                                            <p:cond delay="0"/>
+                                          </p:stCondLst>
+                                        </p:cTn>
+                                        <p:tgtEl>
+                                          <p:spTgt spid="3">
+                                            <p:txEl>
+                                              <p:pRg st="0" end="0"/>
+                                            </p:txEl>
+                                          </p:spTgt>
+                                        </p:tgtEl>
+                                        <p:attrNameLst>
+                                          <p:attrName>style.visibility</p:attrName>
+                                        </p:attrNameLst>
+                                      </p:cBhvr>
+                                      <p:to>
+                                        <p:strVal val="visible"/>
+                                      </p:to>
+                                    </p:set>
+                                  </p:childTnLst>
+                                </p:cTn>
+                              </p:par>
+                            </p:childTnLst>
+                          </p:cTn>
+                        </p:par>
+                      </p:childTnLst>
+                    </p:cTn>
+                  </p:par>
+                  <p:par>
+                    <p:cTn id="7" fill="hold">
+                      <p:stCondLst>
+                        <p:cond delay="indefinite"/>
+                      </p:stCondLst>
+                      <p:childTnLst>
+                        <p:par>
+                          <p:cTn id="8" fill="hold">
+                            <p:stCondLst>
+                              <p:cond delay="0"/>
+                            </p:stCondLst>
+                            <p:childTnLst>
+                              <p:par>
+                                <p:cTn id="9" presetID="1" presetClass="entr" presetSubtype="0" fill="hold" grpId="0" nodeType="clickEffect">
+                                  <p:stCondLst>
+                                    <p:cond delay="0"/>
+                                  </p:stCondLst>
+                                  <p:childTnLst>
+                                    <p:set>
+                                      <p:cBhvr>
+                                        <p:cTn id="10" dur="1" fill="hold">
+                                          <p:stCondLst>
+                                            <p:cond delay="0"/>
+                                          </p:stCondLst>
+                                        </p:cTn>
+                                        <p:tgtEl>
+                                          <p:spTgt spid="3">
+                                            <p:txEl>
+                                              <p:pRg st="1" end="1"/>
+                                            </p:txEl>
+                                          </p:spTgt>
+                                        </p:tgtEl>
+                                        <p:attrNameLst>
+                                          <p:attrName>style.visibility</p:attrName>
+                                        </p:attrNameLst>
+                                      </p:cBhvr>
+                                      <p:to>
+                                        <p:strVal val="visible"/>
+                                      </p:to>
+                                    </p:set>
+                                  </p:childTnLst>
+                                </p:cTn>
+                              </p:par>
+                            </p:childTnLst>
+                          </p:cTn>
+                        </p:par>
+                      </p:childTnLst>
+                    </p:cTn>
+                  </p:par>
+                  <p:par>
+                    <p:cTn id="11" fill="hold">
+                      <p:stCondLst>
+                        <p:cond delay="indefinite"/>
+                      </p:stCondLst>
+                      <p:childTnLst>
+                        <p:par>
+                          <p:cTn id="12" fill="hold">
+                            <p:stCondLst>
+                              <p:cond delay="0"/>
+                            </p:stCondLst>
+                            <p:childTnLst>
+                              <p:par>
+                                <p:cTn id="13" presetID="1" presetClass="entr" presetSubtype="0" fill="hold" grpId="0" nodeType="clickEffect">
+                                  <p:stCondLst>
+                                    <p:cond delay="0"/>
+                                  </p:stCondLst>
+                                  <p:childTnLst>
+                                    <p:set>
+                                      <p:cBhvr>
+                                        <p:cTn id="14" dur="1" fill="hold">
+                                          <p:stCondLst>
+                                            <p:cond delay="0"/>
+                                          </p:stCondLst>
+                                        </p:cTn>
+                                        <p:tgtEl>
+                                          <p:spTgt spid="3">
+                                            <p:txEl>
+                                              <p:pRg st="2" end="2"/>
+                                            </p:txEl>
+                                          </p:spTgt>
+                                        </p:tgtEl>
+                                        <p:attrNameLst>
+                                          <p:attrName>style.visibility</p:attrName>
+                                        </p:attrNameLst>
+                                      </p:cBhvr>
+                                      <p:to>
+                                        <p:strVal val="visible"/>
+                                      </p:to>
+                                    </p:set>
+                                  </p:childTnLst>
+                                </p:cTn>
+                              </p:par>
+                            </p:childTnLst>
+                          </p:cTn>
+                        </p:par>
+                      </p:childTnLst>
+                    </p:cTn>
+                  </p:par>
+                  <p:par>
+                    <p:cTn id="15" fill="hold">
+                      <p:stCondLst>
+                        <p:cond delay="indefinite"/>
+                      </p:stCondLst>
+                      <p:childTnLst>
+                        <p:par>
+                          <p:cTn id="16" fill="hold">
+                            <p:stCondLst>
+                              <p:cond delay="0"/>
+                            </p:stCondLst>
+                            <p:childTnLst>
+                              <p:par>
+                                <p:cTn id="17" presetID="1" presetClass="entr" presetSubtype="0" fill="hold" grpId="0" nodeType="clickEffect">
+                                  <p:stCondLst>
+                                    <p:cond delay="0"/>
+                                  </p:stCondLst>
+                                  <p:childTnLst>
+                                    <p:set>
+                                      <p:cBhvr>
+                                        <p:cTn id="18" dur="1" fill="hold">
+                                          <p:stCondLst>
+                                            <p:cond delay="0"/>
+                                          </p:stCondLst>
+                                        </p:cTn>
+                                        <p:tgtEl>
+                                          <p:spTgt spid="3">
+                                            <p:txEl>
+                                              <p:pRg st="3" end="3"/>
+                                            </p:txEl>
+                                          </p:spTgt>
+                                        </p:tgtEl>
+                                        <p:attrNameLst>
+                                          <p:attrName>style.visibility</p:attrName>
+                                        </p:attrNameLst>
+                                      </p:cBhvr>
+                                      <p:to>
+                                        <p:strVal val="visible"/>
+                                      </p:to>
+                                    </p:set>
+                                  </p:childTnLst>
+                                </p:cTn>
+                              </p:par>
+                            </p:childTnLst>
+                          </p:cTn>
+                        </p:par>
+                      </p:childTnLst>
+                    </p:cTn>
+                  </p:par>
+                  <p:par>
+                    <p:cTn id="19" fill="hold">
+                      <p:stCondLst>
+                        <p:cond delay="indefinite"/>
+                      </p:stCondLst>
+                      <p:childTnLst>
+                        <p:par>
+                          <p:cTn id="20" fill="hold">
+                            <p:stCondLst>
+                              <p:cond delay="0"/>
+                            </p:stCondLst>
+                            <p:childTnLst>
+                              <p:par>
+                                <p:cTn id="21" presetID="1" presetClass="entr" presetSubtype="0" fill="hold" grpId="0" nodeType="clickEffect">
+                                  <p:stCondLst>
+                                    <p:cond delay="0"/>
+                                  </p:stCondLst>
+                                  <p:childTnLst>
+                                    <p:set>
+                                      <p:cBhvr>
+                                        <p:cTn id="22" dur="1" fill="hold">
+                                          <p:stCondLst>
+                                            <p:cond delay="0"/>
+                                          </p:stCondLst>
+                                        </p:cTn>
+                                        <p:tgtEl>
+                                          <p:spTgt spid="3">
+                                            <p:txEl>
+                                              <p:pRg st="4" end="4"/>
+                                            </p:txEl>
+                                          </p:spTgt>
+                                        </p:tgtEl>
+                                        <p:attrNameLst>
+                                          <p:attrName>style.visibility</p:attrName>
+                                        </p:attrNameLst>
+                                      </p:cBhvr>
+                                      <p:to>
+                                        <p:strVal val="visible"/>
+                                      </p:to>
+                                    </p:set>
+                                  </p:childTnLst>
+                                </p:cTn>
+                              </p:par>
+                            </p:childTnLst>
+                          </p:cTn>
+                        </p:par>
+                      </p:childTnLst>
+                    </p:cTn>
+                  </p:par>
+                  <p:par>
+                    <p:cTn id="23" fill="hold">
+                      <p:stCondLst>
+                        <p:cond delay="indefinite"/>
+                      </p:stCondLst>
+                      <p:childTnLst>
+                        <p:par>
+                          <p:cTn id="24" fill="hold">
+                            <p:stCondLst>
+                              <p:cond delay="0"/>
+                            </p:stCondLst>
+                            <p:childTnLst>
+                              <p:par>
+                                <p:cTn id="25" presetID="1" presetClass="entr" presetSubtype="0" fill="hold" grpId="0" nodeType="clickEffect">
+                                  <p:stCondLst>
+                                    <p:cond delay="0"/>
+                                  </p:stCondLst>
+                                  <p:childTnLst>
+                                    <p:set>
+                                      <p:cBhvr>
+                                        <p:cTn id="26" dur="1" fill="hold">
+                                          <p:stCondLst>
+                                            <p:cond delay="0"/>
+                                          </p:stCondLst>
+                                        </p:cTn>
+                                        <p:tgtEl>
+                                          <p:spTgt spid="3">
+                                            <p:txEl>
+                                              <p:pRg st="5" end="5"/>
+                                            </p:txEl>
+                                          </p:spTgt>
+                                        </p:tgtEl>
+                                        <p:attrNameLst>
+                                          <p:attrName>style.visibility</p:attrName>
+                                        </p:attrNameLst>
+                                      </p:cBhvr>
+                                      <p:to>
+                                        <p:strVal val="visible"/>
+                                      </p:to>
+                                    </p:set>
+                                  </p:childTnLst>
+                                </p:cTn>
+                              </p:par>
+                            </p:childTnLst>
+                          </p:cTn>
+                        </p:par>
+                      </p:childTnLst>
+                    </p:cTn>
+                  </p:par>
+                  <p:par>
+                    <p:cTn id="27" fill="hold">
+                      <p:stCondLst>
+                        <p:cond delay="indefinite"/>
+                      </p:stCondLst>
+                      <p:childTnLst>
+                        <p:par>
+                          <p:cTn id="28" fill="hold">
+                            <p:stCondLst>
+                              <p:cond delay="0"/>
+                            </p:stCondLst>
+                            <p:childTnLst>
+                              <p:par>
+                                <p:cTn id="29" presetID="1" presetClass="entr" presetSubtype="0" fill="hold" nodeType="clickEffect">
+                                  <p:stCondLst>
+                                    <p:cond delay="0"/>
+                                  </p:stCondLst>
+                                  <p:childTnLst>
+                                    <p:set>
+                                      <p:cBhvr>
+                                        <p:cTn id="30" dur="1" fill="hold">
+                                          <p:stCondLst>
+                                            <p:cond delay="0"/>
+                                          </p:stCondLst>
+                                        </p:cTn>
+                                        <p:tgtEl>
+                                          <p:spTgt spid="2050"/>
+                                        </p:tgtEl>
+                                        <p:attrNameLst>
+                                          <p:attrName>style.visibility</p:attrName>
+                                        </p:attrNameLst>
+                                      </p:cBhvr>
+                                      <p:to>
+                                        <p:strVal val="visible"/>
+                                      </p:to>
+                                    </p:set>
+                                  </p:childTnLst>
+                                </p:cTn>
+                              </p:par>
+                            </p:childTnLst>
+                          </p:cTn>
+                        </p:par>
+                      </p:childTnLst>
+                    </p:cTn>
+                  </p:par>
+                  <p:par>
+                    <p:cTn id="31" fill="hold">
+                      <p:stCondLst>
+                        <p:cond delay="indefinite"/>
+                      </p:stCondLst>
+                      <p:childTnLst>
+                        <p:par>
+                          <p:cTn id="32" fill="hold">
+                            <p:stCondLst>
+                              <p:cond delay="0"/>
+                            </p:stCondLst>
+                            <p:childTnLst>
+                              <p:par>
+                                <p:cTn id="33" presetID="1" presetClass="entr" presetSubtype="0" fill="hold" grpId="0" nodeType="clickEffect">
+                                  <p:stCondLst>
+                                    <p:cond delay="0"/>
+                                  </p:stCondLst>
+                                  <p:childTnLst>
+                                    <p:set>
+                                      <p:cBhvr>
+                                        <p:cTn id="34" dur="1" fill="hold">
+                                          <p:stCondLst>
+                                            <p:cond delay="0"/>
+                                          </p:stCondLst>
+                                        </p:cTn>
+                                        <p:tgtEl>
+                                          <p:spTgt spid="4"/>
+                                        </p:tgtEl>
+                                        <p:attrNameLst>
+                                          <p:attrName>style.visibility</p:attrName>
+                                        </p:attrNameLst>
+                                      </p:cBhvr>
+                                      <p:to>
+                                        <p:strVal val="visible"/>
+                                      </p:to>
+                                    </p:set>
+                                  </p:childTnLst>
+                                </p:cTn>
+                              </p:par>
+                              <p:par>
+                                <p:cTn id="35" presetID="1" presetClass="entr" presetSubtype="0" fill="hold" nodeType="withEffect">
+                                  <p:stCondLst>
+                                    <p:cond delay="0"/>
+                                  </p:stCondLst>
+                                  <p:childTnLst>
+                                    <p:set>
+                                      <p:cBhvr>
+                                        <p:cTn id="36" dur="1" fill="hold">
+                                          <p:stCondLst>
+                                            <p:cond delay="0"/>
+                                          </p:stCondLst>
+                                        </p:cTn>
+                                        <p:tgtEl>
+                                          <p:spTgt spid="5"/>
+                                        </p:tgtEl>
+                                        <p:attrNameLst>
+                                          <p:attrName>style.visibility</p:attrName>
+                                        </p:attrNameLst>
+                                      </p:cBhvr>
+                                      <p:to>
+                                        <p:strVal val="visible"/>
+                                      </p:to>
+                                    </p:set>
+                                  </p:childTnLst>
+                                </p:cTn>
+                              </p:par>
+                            </p:childTnLst>
+                          </p:cTn>
+                        </p:par>
+                      </p:childTnLst>
+                    </p:cTn>
+                  </p:par>
+                  <p:par>
+                    <p:cTn id="37" fill="hold">
+                      <p:stCondLst>
+                        <p:cond delay="indefinite"/>
+                      </p:stCondLst>
+                      <p:childTnLst>
+                        <p:par>
+                          <p:cTn id="38" fill="hold">
+                            <p:stCondLst>
+                              <p:cond delay="0"/>
+                            </p:stCondLst>
+                            <p:childTnLst>
+                              <p:par>
+                                <p:cTn id="39" presetID="1" presetClass="entr" presetSubtype="0" fill="hold" grpId="0" nodeType="clickEffect">
+                                  <p:stCondLst>
+                                    <p:cond delay="0"/>
+                                  </p:stCondLst>
+                                  <p:childTnLst>
+                                    <p:set>
+                                      <p:cBhvr>
+                                        <p:cTn id="40" dur="1" fill="hold">
+                                          <p:stCondLst>
+                                            <p:cond delay="0"/>
+                                          </p:stCondLst>
+                                        </p:cTn>
+                                        <p:tgtEl>
+                                          <p:spTgt spid="9"/>
+                                        </p:tgtEl>
+                                        <p:attrNameLst>
+                                          <p:attrName>style.visibility</p:attrName>
+                                        </p:attrNameLst>
+                                      </p:cBhvr>
+                                      <p:to>
+                                        <p:strVal val="visible"/>
+                                      </p:to>
+                                    </p:set>
+                                  </p:childTnLst>
+                                </p:cTn>
+                              </p:par>
+                              <p:par>
+                                <p:cTn id="41" presetID="1" presetClass="entr" presetSubtype="0" fill="hold" nodeType="withEffect">
+                                  <p:stCondLst>
+                                    <p:cond delay="0"/>
+                                  </p:stCondLst>
+                                  <p:childTnLst>
+                                    <p:set>
+                                      <p:cBhvr>
+                                        <p:cTn id="42" dur="1" fill="hold">
+                                          <p:stCondLst>
+                                            <p:cond delay="0"/>
+                                          </p:stCondLst>
+                                        </p:cTn>
+                                        <p:tgtEl>
+                                          <p:spTgt spid="7"/>
+                                        </p:tgtEl>
+                                        <p:attrNameLst>
+                                          <p:attrName>style.visibility</p:attrName>
+                                        </p:attrNameLst>
+                                      </p:cBhvr>
+                                      <p:to>
+                                        <p:strVal val="visible"/>
+                                      </p:to>
+                                    </p:set>
+                                  </p:childTnLst>
+                                </p:cTn>
+                              </p:par>
+                            </p:childTnLst>
+                          </p:cTn>
+                        </p:par>
+                      </p:childTnLst>
+                    </p:cTn>
+                  </p:par>
+                  <p:par>
+                    <p:cTn id="43" fill="hold">
+                      <p:stCondLst>
+                        <p:cond delay="indefinite"/>
+                      </p:stCondLst>
+                      <p:childTnLst>
+                        <p:par>
+                          <p:cTn id="44" fill="hold">
+                            <p:stCondLst>
+                              <p:cond delay="0"/>
+                            </p:stCondLst>
+                            <p:childTnLst>
+                              <p:par>
+                                <p:cTn id="45" presetID="1" presetClass="entr" presetSubtype="0" fill="hold" grpId="0" nodeType="clickEffect">
+                                  <p:stCondLst>
+                                    <p:cond delay="0"/>
+                                  </p:stCondLst>
+                                  <p:childTnLst>
+                                    <p:set>
+                                      <p:cBhvr>
+                                        <p:cTn id="46" dur="1" fill="hold">
+                                          <p:stCondLst>
+                                            <p:cond delay="0"/>
+                                          </p:stCondLst>
+                                        </p:cTn>
+                                        <p:tgtEl>
+                                          <p:spTgt spid="13"/>
+                                        </p:tgtEl>
+                                        <p:attrNameLst>
+                                          <p:attrName>style.visibility</p:attrName>
+                                        </p:attrNameLst>
+                                      </p:cBhvr>
+                                      <p:to>
+                                        <p:strVal val="visible"/>
+                                      </p:to>
+                                    </p:set>
+                                  </p:childTnLst>
+                                </p:cTn>
+                              </p:par>
+                              <p:par>
+                                <p:cTn id="47" presetID="1" presetClass="entr" presetSubtype="0" fill="hold" nodeType="withEffect">
+                                  <p:stCondLst>
+                                    <p:cond delay="0"/>
+                                  </p:stCondLst>
+                                  <p:childTnLst>
+                                    <p:set>
+                                      <p:cBhvr>
+                                        <p:cTn id="48" dur="1" fill="hold">
+                                          <p:stCondLst>
+                                            <p:cond delay="0"/>
+                                          </p:stCondLst>
+                                        </p:cTn>
+                                        <p:tgtEl>
+                                          <p:spTgt spid="12"/>
+                                        </p:tgtEl>
+                                        <p:attrNameLst>
+                                          <p:attrName>style.visibility</p:attrName>
+                                        </p:attrNameLst>
+                                      </p:cBhvr>
+                                      <p:to>
+                                        <p:strVal val="visible"/>
+                                      </p:to>
+                                    </p:set>
+                                  </p:childTnLst>
+                                </p:cTn>
+                              </p:par>
+                            </p:childTnLst>
+                          </p:cTn>
+                        </p:par>
+                      </p:childTnLst>
+                    </p:cTn>
+                  </p:par>
+                  <p:par>
+                    <p:cTn id="49" fill="hold">
+                      <p:stCondLst>
+                        <p:cond delay="indefinite"/>
+                      </p:stCondLst>
+                      <p:childTnLst>
+                        <p:par>
+                          <p:cTn id="50" fill="hold">
+                            <p:stCondLst>
+                              <p:cond delay="0"/>
+                            </p:stCondLst>
+                            <p:childTnLst>
+                              <p:par>
+                                <p:cTn id="51" presetID="1" presetClass="entr" presetSubtype="0" fill="hold" grpId="0" nodeType="clickEffect">
+                                  <p:stCondLst>
+                                    <p:cond delay="0"/>
+                                  </p:stCondLst>
+                                  <p:childTnLst>
+                                    <p:set>
+                                      <p:cBhvr>
+                                        <p:cTn id="52" dur="1" fill="hold">
+                                          <p:stCondLst>
+                                            <p:cond delay="0"/>
+                                          </p:stCondLst>
+                                        </p:cTn>
+                                        <p:tgtEl>
+                                          <p:spTgt spid="3">
+                                            <p:txEl>
+                                              <p:pRg st="6" end="6"/>
+                                            </p:txEl>
+                                          </p:spTgt>
+                                        </p:tgtEl>
+                                        <p:attrNameLst>
+                                          <p:attrName>style.visibility</p:attrName>
+                                        </p:attrNameLst>
+                                      </p:cBhvr>
+                                      <p:to>
+                                        <p:strVal val="visible"/>
+                                      </p:to>
+                                    </p:set>
+                                  </p:childTnLst>
+                                </p:cTn>
+                              </p:par>
+                            </p:childTnLst>
+                          </p:cTn>
+                        </p:par>
+                      </p:childTnLst>
+                    </p:cTn>
+                  </p:par>
+                </p:childTnLst>
+              </p:cTn>
+              <p:prevCondLst>
+                <p:cond evt="onPrev" delay="0">
+                  <p:tgtEl>
+                    <p:sldTgt/>
+                  </p:tgtEl>
+                </p:cond>
+              </p:prevCondLst>
+              <p:nextCondLst>
+                <p:cond evt="onNext" delay="0">
+                  <p:tgtEl>
+                    <p:sldTgt/>
+                  </p:tgtEl>
+                </p:cond>
+              </p:nextCondLst>
+            </p:seq>
+          </p:childTnLst>
+        </p:cTn>
       </p:par>
     </p:tnLst>
+    <p:bldLst>
+      <p:bldP spid="3" grpId="0" uiExpand="1" build="p"/>
+      <p:bldP spid="4" grpId="0"/>
+      <p:bldP spid="9" grpId="0"/>
+      <p:bldP spid="13" grpId="0"/>
+    </p:bldLst>
   </p:timing>
 </p:sld>
 </file>
@@ -9640,7 +16386,7 @@
           </a:p>
           <a:p>
             <a:r>
-              <a:rPr lang="en-CA" dirty="0" smtClean="0"/>
+              <a:rPr lang="en-CA" b="1" dirty="0" smtClean="0"/>
               <a:t>Incrementally updating the tree:</a:t>
             </a:r>
           </a:p>
@@ -9696,15 +16442,7 @@
           <a:p>
             <a:r>
               <a:rPr lang="en-CA" dirty="0" smtClean="0"/>
-              <a:t>The solution? Use </a:t>
-            </a:r>
-            <a:r>
-              <a:rPr lang="en-CA" dirty="0" smtClean="0"/>
-              <a:t>hyperspheres (Ball tree), </a:t>
-            </a:r>
-            <a:r>
-              <a:rPr lang="en-CA" dirty="0" smtClean="0"/>
-              <a:t>not </a:t>
+              <a:t>The solution? Use hyperspheres (Ball tree), not </a:t>
             </a:r>
             <a:r>
               <a:rPr lang="en-CA" dirty="0" err="1" smtClean="0"/>
@@ -9731,9 +16469,427 @@
   <p:timing>
     <p:tnLst>
       <p:par>
-        <p:cTn id="1" dur="indefinite" restart="never" nodeType="tmRoot"/>
+        <p:cTn id="1" dur="indefinite" restart="never" nodeType="tmRoot">
+          <p:childTnLst>
+            <p:seq concurrent="1" nextAc="seek">
+              <p:cTn id="2" dur="indefinite" nodeType="mainSeq">
+                <p:childTnLst>
+                  <p:par>
+                    <p:cTn id="3" fill="hold">
+                      <p:stCondLst>
+                        <p:cond delay="indefinite"/>
+                      </p:stCondLst>
+                      <p:childTnLst>
+                        <p:par>
+                          <p:cTn id="4" fill="hold">
+                            <p:stCondLst>
+                              <p:cond delay="0"/>
+                            </p:stCondLst>
+                            <p:childTnLst>
+                              <p:par>
+                                <p:cTn id="5" presetID="1" presetClass="entr" presetSubtype="0" fill="hold" grpId="0" nodeType="clickEffect">
+                                  <p:stCondLst>
+                                    <p:cond delay="0"/>
+                                  </p:stCondLst>
+                                  <p:childTnLst>
+                                    <p:set>
+                                      <p:cBhvr>
+                                        <p:cTn id="6" dur="1" fill="hold">
+                                          <p:stCondLst>
+                                            <p:cond delay="0"/>
+                                          </p:stCondLst>
+                                        </p:cTn>
+                                        <p:tgtEl>
+                                          <p:spTgt spid="3">
+                                            <p:txEl>
+                                              <p:pRg st="0" end="0"/>
+                                            </p:txEl>
+                                          </p:spTgt>
+                                        </p:tgtEl>
+                                        <p:attrNameLst>
+                                          <p:attrName>style.visibility</p:attrName>
+                                        </p:attrNameLst>
+                                      </p:cBhvr>
+                                      <p:to>
+                                        <p:strVal val="visible"/>
+                                      </p:to>
+                                    </p:set>
+                                  </p:childTnLst>
+                                </p:cTn>
+                              </p:par>
+                            </p:childTnLst>
+                          </p:cTn>
+                        </p:par>
+                      </p:childTnLst>
+                    </p:cTn>
+                  </p:par>
+                  <p:par>
+                    <p:cTn id="7" fill="hold">
+                      <p:stCondLst>
+                        <p:cond delay="indefinite"/>
+                      </p:stCondLst>
+                      <p:childTnLst>
+                        <p:par>
+                          <p:cTn id="8" fill="hold">
+                            <p:stCondLst>
+                              <p:cond delay="0"/>
+                            </p:stCondLst>
+                            <p:childTnLst>
+                              <p:par>
+                                <p:cTn id="9" presetID="1" presetClass="entr" presetSubtype="0" fill="hold" grpId="0" nodeType="clickEffect">
+                                  <p:stCondLst>
+                                    <p:cond delay="0"/>
+                                  </p:stCondLst>
+                                  <p:childTnLst>
+                                    <p:set>
+                                      <p:cBhvr>
+                                        <p:cTn id="10" dur="1" fill="hold">
+                                          <p:stCondLst>
+                                            <p:cond delay="0"/>
+                                          </p:stCondLst>
+                                        </p:cTn>
+                                        <p:tgtEl>
+                                          <p:spTgt spid="3">
+                                            <p:txEl>
+                                              <p:pRg st="1" end="1"/>
+                                            </p:txEl>
+                                          </p:spTgt>
+                                        </p:tgtEl>
+                                        <p:attrNameLst>
+                                          <p:attrName>style.visibility</p:attrName>
+                                        </p:attrNameLst>
+                                      </p:cBhvr>
+                                      <p:to>
+                                        <p:strVal val="visible"/>
+                                      </p:to>
+                                    </p:set>
+                                  </p:childTnLst>
+                                </p:cTn>
+                              </p:par>
+                            </p:childTnLst>
+                          </p:cTn>
+                        </p:par>
+                      </p:childTnLst>
+                    </p:cTn>
+                  </p:par>
+                  <p:par>
+                    <p:cTn id="11" fill="hold">
+                      <p:stCondLst>
+                        <p:cond delay="indefinite"/>
+                      </p:stCondLst>
+                      <p:childTnLst>
+                        <p:par>
+                          <p:cTn id="12" fill="hold">
+                            <p:stCondLst>
+                              <p:cond delay="0"/>
+                            </p:stCondLst>
+                            <p:childTnLst>
+                              <p:par>
+                                <p:cTn id="13" presetID="1" presetClass="entr" presetSubtype="0" fill="hold" grpId="0" nodeType="clickEffect">
+                                  <p:stCondLst>
+                                    <p:cond delay="0"/>
+                                  </p:stCondLst>
+                                  <p:childTnLst>
+                                    <p:set>
+                                      <p:cBhvr>
+                                        <p:cTn id="14" dur="1" fill="hold">
+                                          <p:stCondLst>
+                                            <p:cond delay="0"/>
+                                          </p:stCondLst>
+                                        </p:cTn>
+                                        <p:tgtEl>
+                                          <p:spTgt spid="3">
+                                            <p:txEl>
+                                              <p:pRg st="2" end="2"/>
+                                            </p:txEl>
+                                          </p:spTgt>
+                                        </p:tgtEl>
+                                        <p:attrNameLst>
+                                          <p:attrName>style.visibility</p:attrName>
+                                        </p:attrNameLst>
+                                      </p:cBhvr>
+                                      <p:to>
+                                        <p:strVal val="visible"/>
+                                      </p:to>
+                                    </p:set>
+                                  </p:childTnLst>
+                                </p:cTn>
+                              </p:par>
+                            </p:childTnLst>
+                          </p:cTn>
+                        </p:par>
+                      </p:childTnLst>
+                    </p:cTn>
+                  </p:par>
+                  <p:par>
+                    <p:cTn id="15" fill="hold">
+                      <p:stCondLst>
+                        <p:cond delay="indefinite"/>
+                      </p:stCondLst>
+                      <p:childTnLst>
+                        <p:par>
+                          <p:cTn id="16" fill="hold">
+                            <p:stCondLst>
+                              <p:cond delay="0"/>
+                            </p:stCondLst>
+                            <p:childTnLst>
+                              <p:par>
+                                <p:cTn id="17" presetID="1" presetClass="entr" presetSubtype="0" fill="hold" grpId="0" nodeType="clickEffect">
+                                  <p:stCondLst>
+                                    <p:cond delay="0"/>
+                                  </p:stCondLst>
+                                  <p:childTnLst>
+                                    <p:set>
+                                      <p:cBhvr>
+                                        <p:cTn id="18" dur="1" fill="hold">
+                                          <p:stCondLst>
+                                            <p:cond delay="0"/>
+                                          </p:stCondLst>
+                                        </p:cTn>
+                                        <p:tgtEl>
+                                          <p:spTgt spid="3">
+                                            <p:txEl>
+                                              <p:pRg st="3" end="3"/>
+                                            </p:txEl>
+                                          </p:spTgt>
+                                        </p:tgtEl>
+                                        <p:attrNameLst>
+                                          <p:attrName>style.visibility</p:attrName>
+                                        </p:attrNameLst>
+                                      </p:cBhvr>
+                                      <p:to>
+                                        <p:strVal val="visible"/>
+                                      </p:to>
+                                    </p:set>
+                                  </p:childTnLst>
+                                </p:cTn>
+                              </p:par>
+                            </p:childTnLst>
+                          </p:cTn>
+                        </p:par>
+                      </p:childTnLst>
+                    </p:cTn>
+                  </p:par>
+                  <p:par>
+                    <p:cTn id="19" fill="hold">
+                      <p:stCondLst>
+                        <p:cond delay="indefinite"/>
+                      </p:stCondLst>
+                      <p:childTnLst>
+                        <p:par>
+                          <p:cTn id="20" fill="hold">
+                            <p:stCondLst>
+                              <p:cond delay="0"/>
+                            </p:stCondLst>
+                            <p:childTnLst>
+                              <p:par>
+                                <p:cTn id="21" presetID="1" presetClass="entr" presetSubtype="0" fill="hold" grpId="0" nodeType="clickEffect">
+                                  <p:stCondLst>
+                                    <p:cond delay="0"/>
+                                  </p:stCondLst>
+                                  <p:childTnLst>
+                                    <p:set>
+                                      <p:cBhvr>
+                                        <p:cTn id="22" dur="1" fill="hold">
+                                          <p:stCondLst>
+                                            <p:cond delay="0"/>
+                                          </p:stCondLst>
+                                        </p:cTn>
+                                        <p:tgtEl>
+                                          <p:spTgt spid="3">
+                                            <p:txEl>
+                                              <p:pRg st="4" end="4"/>
+                                            </p:txEl>
+                                          </p:spTgt>
+                                        </p:tgtEl>
+                                        <p:attrNameLst>
+                                          <p:attrName>style.visibility</p:attrName>
+                                        </p:attrNameLst>
+                                      </p:cBhvr>
+                                      <p:to>
+                                        <p:strVal val="visible"/>
+                                      </p:to>
+                                    </p:set>
+                                  </p:childTnLst>
+                                </p:cTn>
+                              </p:par>
+                            </p:childTnLst>
+                          </p:cTn>
+                        </p:par>
+                      </p:childTnLst>
+                    </p:cTn>
+                  </p:par>
+                  <p:par>
+                    <p:cTn id="23" fill="hold">
+                      <p:stCondLst>
+                        <p:cond delay="indefinite"/>
+                      </p:stCondLst>
+                      <p:childTnLst>
+                        <p:par>
+                          <p:cTn id="24" fill="hold">
+                            <p:stCondLst>
+                              <p:cond delay="0"/>
+                            </p:stCondLst>
+                            <p:childTnLst>
+                              <p:par>
+                                <p:cTn id="25" presetID="1" presetClass="entr" presetSubtype="0" fill="hold" grpId="0" nodeType="clickEffect">
+                                  <p:stCondLst>
+                                    <p:cond delay="0"/>
+                                  </p:stCondLst>
+                                  <p:childTnLst>
+                                    <p:set>
+                                      <p:cBhvr>
+                                        <p:cTn id="26" dur="1" fill="hold">
+                                          <p:stCondLst>
+                                            <p:cond delay="0"/>
+                                          </p:stCondLst>
+                                        </p:cTn>
+                                        <p:tgtEl>
+                                          <p:spTgt spid="3">
+                                            <p:txEl>
+                                              <p:pRg st="5" end="5"/>
+                                            </p:txEl>
+                                          </p:spTgt>
+                                        </p:tgtEl>
+                                        <p:attrNameLst>
+                                          <p:attrName>style.visibility</p:attrName>
+                                        </p:attrNameLst>
+                                      </p:cBhvr>
+                                      <p:to>
+                                        <p:strVal val="visible"/>
+                                      </p:to>
+                                    </p:set>
+                                  </p:childTnLst>
+                                </p:cTn>
+                              </p:par>
+                            </p:childTnLst>
+                          </p:cTn>
+                        </p:par>
+                      </p:childTnLst>
+                    </p:cTn>
+                  </p:par>
+                  <p:par>
+                    <p:cTn id="27" fill="hold">
+                      <p:stCondLst>
+                        <p:cond delay="indefinite"/>
+                      </p:stCondLst>
+                      <p:childTnLst>
+                        <p:par>
+                          <p:cTn id="28" fill="hold">
+                            <p:stCondLst>
+                              <p:cond delay="0"/>
+                            </p:stCondLst>
+                            <p:childTnLst>
+                              <p:par>
+                                <p:cTn id="29" presetID="1" presetClass="entr" presetSubtype="0" fill="hold" grpId="0" nodeType="clickEffect">
+                                  <p:stCondLst>
+                                    <p:cond delay="0"/>
+                                  </p:stCondLst>
+                                  <p:childTnLst>
+                                    <p:set>
+                                      <p:cBhvr>
+                                        <p:cTn id="30" dur="1" fill="hold">
+                                          <p:stCondLst>
+                                            <p:cond delay="0"/>
+                                          </p:stCondLst>
+                                        </p:cTn>
+                                        <p:tgtEl>
+                                          <p:spTgt spid="3">
+                                            <p:txEl>
+                                              <p:pRg st="6" end="6"/>
+                                            </p:txEl>
+                                          </p:spTgt>
+                                        </p:tgtEl>
+                                        <p:attrNameLst>
+                                          <p:attrName>style.visibility</p:attrName>
+                                        </p:attrNameLst>
+                                      </p:cBhvr>
+                                      <p:to>
+                                        <p:strVal val="visible"/>
+                                      </p:to>
+                                    </p:set>
+                                  </p:childTnLst>
+                                </p:cTn>
+                              </p:par>
+                            </p:childTnLst>
+                          </p:cTn>
+                        </p:par>
+                      </p:childTnLst>
+                    </p:cTn>
+                  </p:par>
+                  <p:par>
+                    <p:cTn id="31" fill="hold">
+                      <p:stCondLst>
+                        <p:cond delay="indefinite"/>
+                      </p:stCondLst>
+                      <p:childTnLst>
+                        <p:par>
+                          <p:cTn id="32" fill="hold">
+                            <p:stCondLst>
+                              <p:cond delay="0"/>
+                            </p:stCondLst>
+                            <p:childTnLst>
+                              <p:par>
+                                <p:cTn id="33" presetID="1" presetClass="entr" presetSubtype="0" fill="hold" grpId="0" nodeType="clickEffect">
+                                  <p:stCondLst>
+                                    <p:cond delay="0"/>
+                                  </p:stCondLst>
+                                  <p:childTnLst>
+                                    <p:set>
+                                      <p:cBhvr>
+                                        <p:cTn id="34" dur="1" fill="hold">
+                                          <p:stCondLst>
+                                            <p:cond delay="0"/>
+                                          </p:stCondLst>
+                                        </p:cTn>
+                                        <p:tgtEl>
+                                          <p:spTgt spid="3">
+                                            <p:txEl>
+                                              <p:pRg st="7" end="7"/>
+                                            </p:txEl>
+                                          </p:spTgt>
+                                        </p:tgtEl>
+                                        <p:attrNameLst>
+                                          <p:attrName>style.visibility</p:attrName>
+                                        </p:attrNameLst>
+                                      </p:cBhvr>
+                                      <p:to>
+                                        <p:strVal val="visible"/>
+                                      </p:to>
+                                    </p:set>
+                                  </p:childTnLst>
+                                </p:cTn>
+                              </p:par>
+                            </p:childTnLst>
+                          </p:cTn>
+                        </p:par>
+                      </p:childTnLst>
+                    </p:cTn>
+                  </p:par>
+                </p:childTnLst>
+              </p:cTn>
+              <p:prevCondLst>
+                <p:cond evt="onPrev" delay="0">
+                  <p:tgtEl>
+                    <p:sldTgt/>
+                  </p:tgtEl>
+                </p:cond>
+              </p:prevCondLst>
+              <p:nextCondLst>
+                <p:cond evt="onNext" delay="0">
+                  <p:tgtEl>
+                    <p:sldTgt/>
+                  </p:tgtEl>
+                </p:cond>
+              </p:nextCondLst>
+            </p:seq>
+          </p:childTnLst>
+        </p:cTn>
       </p:par>
     </p:tnLst>
+    <p:bldLst>
+      <p:bldP spid="3" grpId="0" build="p"/>
+    </p:bldLst>
   </p:timing>
 </p:sld>
 </file>
@@ -9948,9 +17104,273 @@
   <p:timing>
     <p:tnLst>
       <p:par>
-        <p:cTn id="1" dur="indefinite" restart="never" nodeType="tmRoot"/>
+        <p:cTn id="1" dur="indefinite" restart="never" nodeType="tmRoot">
+          <p:childTnLst>
+            <p:seq concurrent="1" nextAc="seek">
+              <p:cTn id="2" dur="indefinite" nodeType="mainSeq">
+                <p:childTnLst>
+                  <p:par>
+                    <p:cTn id="3" fill="hold">
+                      <p:stCondLst>
+                        <p:cond delay="indefinite"/>
+                      </p:stCondLst>
+                      <p:childTnLst>
+                        <p:par>
+                          <p:cTn id="4" fill="hold">
+                            <p:stCondLst>
+                              <p:cond delay="0"/>
+                            </p:stCondLst>
+                            <p:childTnLst>
+                              <p:par>
+                                <p:cTn id="5" presetID="1" presetClass="entr" presetSubtype="0" fill="hold" grpId="0" nodeType="clickEffect">
+                                  <p:stCondLst>
+                                    <p:cond delay="0"/>
+                                  </p:stCondLst>
+                                  <p:childTnLst>
+                                    <p:set>
+                                      <p:cBhvr>
+                                        <p:cTn id="6" dur="1" fill="hold">
+                                          <p:stCondLst>
+                                            <p:cond delay="0"/>
+                                          </p:stCondLst>
+                                        </p:cTn>
+                                        <p:tgtEl>
+                                          <p:spTgt spid="3">
+                                            <p:txEl>
+                                              <p:pRg st="0" end="0"/>
+                                            </p:txEl>
+                                          </p:spTgt>
+                                        </p:tgtEl>
+                                        <p:attrNameLst>
+                                          <p:attrName>style.visibility</p:attrName>
+                                        </p:attrNameLst>
+                                      </p:cBhvr>
+                                      <p:to>
+                                        <p:strVal val="visible"/>
+                                      </p:to>
+                                    </p:set>
+                                  </p:childTnLst>
+                                </p:cTn>
+                              </p:par>
+                            </p:childTnLst>
+                          </p:cTn>
+                        </p:par>
+                      </p:childTnLst>
+                    </p:cTn>
+                  </p:par>
+                  <p:par>
+                    <p:cTn id="7" fill="hold">
+                      <p:stCondLst>
+                        <p:cond delay="indefinite"/>
+                      </p:stCondLst>
+                      <p:childTnLst>
+                        <p:par>
+                          <p:cTn id="8" fill="hold">
+                            <p:stCondLst>
+                              <p:cond delay="0"/>
+                            </p:stCondLst>
+                            <p:childTnLst>
+                              <p:par>
+                                <p:cTn id="9" presetID="1" presetClass="entr" presetSubtype="0" fill="hold" grpId="0" nodeType="clickEffect">
+                                  <p:stCondLst>
+                                    <p:cond delay="0"/>
+                                  </p:stCondLst>
+                                  <p:childTnLst>
+                                    <p:set>
+                                      <p:cBhvr>
+                                        <p:cTn id="10" dur="1" fill="hold">
+                                          <p:stCondLst>
+                                            <p:cond delay="0"/>
+                                          </p:stCondLst>
+                                        </p:cTn>
+                                        <p:tgtEl>
+                                          <p:spTgt spid="3">
+                                            <p:txEl>
+                                              <p:pRg st="1" end="1"/>
+                                            </p:txEl>
+                                          </p:spTgt>
+                                        </p:tgtEl>
+                                        <p:attrNameLst>
+                                          <p:attrName>style.visibility</p:attrName>
+                                        </p:attrNameLst>
+                                      </p:cBhvr>
+                                      <p:to>
+                                        <p:strVal val="visible"/>
+                                      </p:to>
+                                    </p:set>
+                                  </p:childTnLst>
+                                </p:cTn>
+                              </p:par>
+                            </p:childTnLst>
+                          </p:cTn>
+                        </p:par>
+                      </p:childTnLst>
+                    </p:cTn>
+                  </p:par>
+                  <p:par>
+                    <p:cTn id="11" fill="hold">
+                      <p:stCondLst>
+                        <p:cond delay="indefinite"/>
+                      </p:stCondLst>
+                      <p:childTnLst>
+                        <p:par>
+                          <p:cTn id="12" fill="hold">
+                            <p:stCondLst>
+                              <p:cond delay="0"/>
+                            </p:stCondLst>
+                            <p:childTnLst>
+                              <p:par>
+                                <p:cTn id="13" presetID="1" presetClass="entr" presetSubtype="0" fill="hold" grpId="0" nodeType="clickEffect">
+                                  <p:stCondLst>
+                                    <p:cond delay="0"/>
+                                  </p:stCondLst>
+                                  <p:childTnLst>
+                                    <p:set>
+                                      <p:cBhvr>
+                                        <p:cTn id="14" dur="1" fill="hold">
+                                          <p:stCondLst>
+                                            <p:cond delay="0"/>
+                                          </p:stCondLst>
+                                        </p:cTn>
+                                        <p:tgtEl>
+                                          <p:spTgt spid="3">
+                                            <p:txEl>
+                                              <p:pRg st="2" end="2"/>
+                                            </p:txEl>
+                                          </p:spTgt>
+                                        </p:tgtEl>
+                                        <p:attrNameLst>
+                                          <p:attrName>style.visibility</p:attrName>
+                                        </p:attrNameLst>
+                                      </p:cBhvr>
+                                      <p:to>
+                                        <p:strVal val="visible"/>
+                                      </p:to>
+                                    </p:set>
+                                  </p:childTnLst>
+                                </p:cTn>
+                              </p:par>
+                            </p:childTnLst>
+                          </p:cTn>
+                        </p:par>
+                      </p:childTnLst>
+                    </p:cTn>
+                  </p:par>
+                  <p:par>
+                    <p:cTn id="15" fill="hold">
+                      <p:stCondLst>
+                        <p:cond delay="indefinite"/>
+                      </p:stCondLst>
+                      <p:childTnLst>
+                        <p:par>
+                          <p:cTn id="16" fill="hold">
+                            <p:stCondLst>
+                              <p:cond delay="0"/>
+                            </p:stCondLst>
+                            <p:childTnLst>
+                              <p:par>
+                                <p:cTn id="17" presetID="1" presetClass="entr" presetSubtype="0" fill="hold" nodeType="clickEffect">
+                                  <p:stCondLst>
+                                    <p:cond delay="0"/>
+                                  </p:stCondLst>
+                                  <p:childTnLst>
+                                    <p:set>
+                                      <p:cBhvr>
+                                        <p:cTn id="18" dur="1" fill="hold">
+                                          <p:stCondLst>
+                                            <p:cond delay="0"/>
+                                          </p:stCondLst>
+                                        </p:cTn>
+                                        <p:tgtEl>
+                                          <p:spTgt spid="7"/>
+                                        </p:tgtEl>
+                                        <p:attrNameLst>
+                                          <p:attrName>style.visibility</p:attrName>
+                                        </p:attrNameLst>
+                                      </p:cBhvr>
+                                      <p:to>
+                                        <p:strVal val="visible"/>
+                                      </p:to>
+                                    </p:set>
+                                  </p:childTnLst>
+                                </p:cTn>
+                              </p:par>
+                            </p:childTnLst>
+                          </p:cTn>
+                        </p:par>
+                      </p:childTnLst>
+                    </p:cTn>
+                  </p:par>
+                  <p:par>
+                    <p:cTn id="19" fill="hold">
+                      <p:stCondLst>
+                        <p:cond delay="indefinite"/>
+                      </p:stCondLst>
+                      <p:childTnLst>
+                        <p:par>
+                          <p:cTn id="20" fill="hold">
+                            <p:stCondLst>
+                              <p:cond delay="0"/>
+                            </p:stCondLst>
+                            <p:childTnLst>
+                              <p:par>
+                                <p:cTn id="21" presetID="1" presetClass="entr" presetSubtype="0" fill="hold" grpId="0" nodeType="clickEffect">
+                                  <p:stCondLst>
+                                    <p:cond delay="0"/>
+                                  </p:stCondLst>
+                                  <p:childTnLst>
+                                    <p:set>
+                                      <p:cBhvr>
+                                        <p:cTn id="22" dur="1" fill="hold">
+                                          <p:stCondLst>
+                                            <p:cond delay="0"/>
+                                          </p:stCondLst>
+                                        </p:cTn>
+                                        <p:tgtEl>
+                                          <p:spTgt spid="6"/>
+                                        </p:tgtEl>
+                                        <p:attrNameLst>
+                                          <p:attrName>style.visibility</p:attrName>
+                                        </p:attrNameLst>
+                                      </p:cBhvr>
+                                      <p:to>
+                                        <p:strVal val="visible"/>
+                                      </p:to>
+                                    </p:set>
+                                  </p:childTnLst>
+                                </p:cTn>
+                              </p:par>
+                            </p:childTnLst>
+                          </p:cTn>
+                        </p:par>
+                      </p:childTnLst>
+                    </p:cTn>
+                  </p:par>
+                </p:childTnLst>
+              </p:cTn>
+              <p:prevCondLst>
+                <p:cond evt="onPrev" delay="0">
+                  <p:tgtEl>
+                    <p:sldTgt/>
+                  </p:tgtEl>
+                </p:cond>
+              </p:prevCondLst>
+              <p:nextCondLst>
+                <p:cond evt="onNext" delay="0">
+                  <p:tgtEl>
+                    <p:sldTgt/>
+                  </p:tgtEl>
+                </p:cond>
+              </p:nextCondLst>
+            </p:seq>
+          </p:childTnLst>
+        </p:cTn>
       </p:par>
     </p:tnLst>
+    <p:bldLst>
+      <p:bldP spid="3" grpId="0" build="p"/>
+      <p:bldP spid="6" grpId="0"/>
+    </p:bldLst>
   </p:timing>
 </p:sld>
 </file>
@@ -9995,10 +17415,10 @@
           <a:lstStyle/>
           <a:p>
             <a:r>
-              <a:rPr lang="en-CA" dirty="0" smtClean="0"/>
+              <a:rPr lang="en-CA" b="1" dirty="0" smtClean="0"/>
               <a:t>4.8 Clustering</a:t>
             </a:r>
-            <a:endParaRPr lang="en-CA" dirty="0"/>
+            <a:endParaRPr lang="en-CA" b="1" dirty="0"/>
           </a:p>
         </p:txBody>
       </p:sp>
@@ -10014,8 +17434,8 @@
         </p:nvSpPr>
         <p:spPr>
           <a:xfrm>
-            <a:off x="0" y="601526"/>
-            <a:ext cx="12192000" cy="4351338"/>
+            <a:off x="497541" y="601526"/>
+            <a:ext cx="11308977" cy="5956028"/>
           </a:xfrm>
         </p:spPr>
         <p:txBody>
@@ -10049,38 +17469,6 @@
             <a:r>
               <a:rPr lang="en-CA" dirty="0" smtClean="0"/>
               <a:t>The classic clustering technique is called k-means clustering, it is an iterative distance-based technique</a:t>
-            </a:r>
-            <a:endParaRPr lang="en-CA" dirty="0"/>
-          </a:p>
-        </p:txBody>
-      </p:sp>
-      <p:sp>
-        <p:nvSpPr>
-          <p:cNvPr id="4" name="TextBox 3"/>
-          <p:cNvSpPr txBox="1"/>
-          <p:nvPr/>
-        </p:nvSpPr>
-        <p:spPr>
-          <a:xfrm>
-            <a:off x="1998617" y="6061166"/>
-            <a:ext cx="8046720" cy="369332"/>
-          </a:xfrm>
-          <a:prstGeom prst="rect">
-            <a:avLst/>
-          </a:prstGeom>
-          <a:noFill/>
-        </p:spPr>
-        <p:txBody>
-          <a:bodyPr wrap="square" rtlCol="0">
-            <a:spAutoFit/>
-          </a:bodyPr>
-          <a:lstStyle/>
-          <a:p>
-            <a:r>
-              <a:rPr lang="en-CA" dirty="0">
-                <a:hlinkClick r:id="rId2"/>
-              </a:rPr>
-              <a:t>https://en.wikipedia.org/wiki/Cluster_analysis</a:t>
             </a:r>
             <a:endParaRPr lang="en-CA" dirty="0"/>
           </a:p>
@@ -10099,9 +17487,280 @@
   <p:timing>
     <p:tnLst>
       <p:par>
-        <p:cTn id="1" dur="indefinite" restart="never" nodeType="tmRoot"/>
+        <p:cTn id="1" dur="indefinite" restart="never" nodeType="tmRoot">
+          <p:childTnLst>
+            <p:seq concurrent="1" nextAc="seek">
+              <p:cTn id="2" dur="indefinite" nodeType="mainSeq">
+                <p:childTnLst>
+                  <p:par>
+                    <p:cTn id="3" fill="hold">
+                      <p:stCondLst>
+                        <p:cond delay="indefinite"/>
+                      </p:stCondLst>
+                      <p:childTnLst>
+                        <p:par>
+                          <p:cTn id="4" fill="hold">
+                            <p:stCondLst>
+                              <p:cond delay="0"/>
+                            </p:stCondLst>
+                            <p:childTnLst>
+                              <p:par>
+                                <p:cTn id="5" presetID="1" presetClass="entr" presetSubtype="0" fill="hold" grpId="0" nodeType="clickEffect">
+                                  <p:stCondLst>
+                                    <p:cond delay="0"/>
+                                  </p:stCondLst>
+                                  <p:childTnLst>
+                                    <p:set>
+                                      <p:cBhvr>
+                                        <p:cTn id="6" dur="1" fill="hold">
+                                          <p:stCondLst>
+                                            <p:cond delay="0"/>
+                                          </p:stCondLst>
+                                        </p:cTn>
+                                        <p:tgtEl>
+                                          <p:spTgt spid="3">
+                                            <p:txEl>
+                                              <p:pRg st="0" end="0"/>
+                                            </p:txEl>
+                                          </p:spTgt>
+                                        </p:tgtEl>
+                                        <p:attrNameLst>
+                                          <p:attrName>style.visibility</p:attrName>
+                                        </p:attrNameLst>
+                                      </p:cBhvr>
+                                      <p:to>
+                                        <p:strVal val="visible"/>
+                                      </p:to>
+                                    </p:set>
+                                  </p:childTnLst>
+                                </p:cTn>
+                              </p:par>
+                            </p:childTnLst>
+                          </p:cTn>
+                        </p:par>
+                      </p:childTnLst>
+                    </p:cTn>
+                  </p:par>
+                  <p:par>
+                    <p:cTn id="7" fill="hold">
+                      <p:stCondLst>
+                        <p:cond delay="indefinite"/>
+                      </p:stCondLst>
+                      <p:childTnLst>
+                        <p:par>
+                          <p:cTn id="8" fill="hold">
+                            <p:stCondLst>
+                              <p:cond delay="0"/>
+                            </p:stCondLst>
+                            <p:childTnLst>
+                              <p:par>
+                                <p:cTn id="9" presetID="1" presetClass="entr" presetSubtype="0" fill="hold" grpId="0" nodeType="clickEffect">
+                                  <p:stCondLst>
+                                    <p:cond delay="0"/>
+                                  </p:stCondLst>
+                                  <p:childTnLst>
+                                    <p:set>
+                                      <p:cBhvr>
+                                        <p:cTn id="10" dur="1" fill="hold">
+                                          <p:stCondLst>
+                                            <p:cond delay="0"/>
+                                          </p:stCondLst>
+                                        </p:cTn>
+                                        <p:tgtEl>
+                                          <p:spTgt spid="3">
+                                            <p:txEl>
+                                              <p:pRg st="1" end="1"/>
+                                            </p:txEl>
+                                          </p:spTgt>
+                                        </p:tgtEl>
+                                        <p:attrNameLst>
+                                          <p:attrName>style.visibility</p:attrName>
+                                        </p:attrNameLst>
+                                      </p:cBhvr>
+                                      <p:to>
+                                        <p:strVal val="visible"/>
+                                      </p:to>
+                                    </p:set>
+                                  </p:childTnLst>
+                                </p:cTn>
+                              </p:par>
+                            </p:childTnLst>
+                          </p:cTn>
+                        </p:par>
+                      </p:childTnLst>
+                    </p:cTn>
+                  </p:par>
+                  <p:par>
+                    <p:cTn id="11" fill="hold">
+                      <p:stCondLst>
+                        <p:cond delay="indefinite"/>
+                      </p:stCondLst>
+                      <p:childTnLst>
+                        <p:par>
+                          <p:cTn id="12" fill="hold">
+                            <p:stCondLst>
+                              <p:cond delay="0"/>
+                            </p:stCondLst>
+                            <p:childTnLst>
+                              <p:par>
+                                <p:cTn id="13" presetID="1" presetClass="entr" presetSubtype="0" fill="hold" grpId="0" nodeType="clickEffect">
+                                  <p:stCondLst>
+                                    <p:cond delay="0"/>
+                                  </p:stCondLst>
+                                  <p:childTnLst>
+                                    <p:set>
+                                      <p:cBhvr>
+                                        <p:cTn id="14" dur="1" fill="hold">
+                                          <p:stCondLst>
+                                            <p:cond delay="0"/>
+                                          </p:stCondLst>
+                                        </p:cTn>
+                                        <p:tgtEl>
+                                          <p:spTgt spid="3">
+                                            <p:txEl>
+                                              <p:pRg st="2" end="2"/>
+                                            </p:txEl>
+                                          </p:spTgt>
+                                        </p:tgtEl>
+                                        <p:attrNameLst>
+                                          <p:attrName>style.visibility</p:attrName>
+                                        </p:attrNameLst>
+                                      </p:cBhvr>
+                                      <p:to>
+                                        <p:strVal val="visible"/>
+                                      </p:to>
+                                    </p:set>
+                                  </p:childTnLst>
+                                </p:cTn>
+                              </p:par>
+                            </p:childTnLst>
+                          </p:cTn>
+                        </p:par>
+                      </p:childTnLst>
+                    </p:cTn>
+                  </p:par>
+                  <p:par>
+                    <p:cTn id="15" fill="hold">
+                      <p:stCondLst>
+                        <p:cond delay="indefinite"/>
+                      </p:stCondLst>
+                      <p:childTnLst>
+                        <p:par>
+                          <p:cTn id="16" fill="hold">
+                            <p:stCondLst>
+                              <p:cond delay="0"/>
+                            </p:stCondLst>
+                            <p:childTnLst>
+                              <p:par>
+                                <p:cTn id="17" presetID="1" presetClass="entr" presetSubtype="0" fill="hold" grpId="0" nodeType="clickEffect">
+                                  <p:stCondLst>
+                                    <p:cond delay="0"/>
+                                  </p:stCondLst>
+                                  <p:childTnLst>
+                                    <p:set>
+                                      <p:cBhvr>
+                                        <p:cTn id="18" dur="1" fill="hold">
+                                          <p:stCondLst>
+                                            <p:cond delay="0"/>
+                                          </p:stCondLst>
+                                        </p:cTn>
+                                        <p:tgtEl>
+                                          <p:spTgt spid="3">
+                                            <p:txEl>
+                                              <p:pRg st="3" end="3"/>
+                                            </p:txEl>
+                                          </p:spTgt>
+                                        </p:tgtEl>
+                                        <p:attrNameLst>
+                                          <p:attrName>style.visibility</p:attrName>
+                                        </p:attrNameLst>
+                                      </p:cBhvr>
+                                      <p:to>
+                                        <p:strVal val="visible"/>
+                                      </p:to>
+                                    </p:set>
+                                  </p:childTnLst>
+                                </p:cTn>
+                              </p:par>
+                            </p:childTnLst>
+                          </p:cTn>
+                        </p:par>
+                      </p:childTnLst>
+                    </p:cTn>
+                  </p:par>
+                  <p:par>
+                    <p:cTn id="19" fill="hold">
+                      <p:stCondLst>
+                        <p:cond delay="indefinite"/>
+                      </p:stCondLst>
+                      <p:childTnLst>
+                        <p:par>
+                          <p:cTn id="20" fill="hold">
+                            <p:stCondLst>
+                              <p:cond delay="0"/>
+                            </p:stCondLst>
+                            <p:childTnLst>
+                              <p:par>
+                                <p:cTn id="21" presetID="1" presetClass="entr" presetSubtype="0" fill="hold" grpId="0" nodeType="clickEffect">
+                                  <p:stCondLst>
+                                    <p:cond delay="0"/>
+                                  </p:stCondLst>
+                                  <p:childTnLst>
+                                    <p:set>
+                                      <p:cBhvr>
+                                        <p:cTn id="22" dur="1" fill="hold">
+                                          <p:stCondLst>
+                                            <p:cond delay="0"/>
+                                          </p:stCondLst>
+                                        </p:cTn>
+                                        <p:tgtEl>
+                                          <p:spTgt spid="3">
+                                            <p:txEl>
+                                              <p:pRg st="4" end="4"/>
+                                            </p:txEl>
+                                          </p:spTgt>
+                                        </p:tgtEl>
+                                        <p:attrNameLst>
+                                          <p:attrName>style.visibility</p:attrName>
+                                        </p:attrNameLst>
+                                      </p:cBhvr>
+                                      <p:to>
+                                        <p:strVal val="visible"/>
+                                      </p:to>
+                                    </p:set>
+                                  </p:childTnLst>
+                                </p:cTn>
+                              </p:par>
+                            </p:childTnLst>
+                          </p:cTn>
+                        </p:par>
+                      </p:childTnLst>
+                    </p:cTn>
+                  </p:par>
+                </p:childTnLst>
+              </p:cTn>
+              <p:prevCondLst>
+                <p:cond evt="onPrev" delay="0">
+                  <p:tgtEl>
+                    <p:sldTgt/>
+                  </p:tgtEl>
+                </p:cond>
+              </p:prevCondLst>
+              <p:nextCondLst>
+                <p:cond evt="onNext" delay="0">
+                  <p:tgtEl>
+                    <p:sldTgt/>
+                  </p:tgtEl>
+                </p:cond>
+              </p:nextCondLst>
+            </p:seq>
+          </p:childTnLst>
+        </p:cTn>
       </p:par>
     </p:tnLst>
+    <p:bldLst>
+      <p:bldP spid="3" grpId="0" build="p"/>
+    </p:bldLst>
   </p:timing>
 </p:sld>
 </file>
